--- a/Week07_Comparison/WEEK07.pptx
+++ b/Week07_Comparison/WEEK07.pptx
@@ -6,24 +6,36 @@
   </p:sldMasterIdLst>
   <p:sldIdLst>
     <p:sldId id="256" r:id="rId2"/>
-    <p:sldId id="257" r:id="rId3"/>
-    <p:sldId id="259" r:id="rId4"/>
-    <p:sldId id="258" r:id="rId5"/>
-    <p:sldId id="273" r:id="rId6"/>
-    <p:sldId id="278" r:id="rId7"/>
-    <p:sldId id="261" r:id="rId8"/>
-    <p:sldId id="274" r:id="rId9"/>
-    <p:sldId id="275" r:id="rId10"/>
-    <p:sldId id="276" r:id="rId11"/>
-    <p:sldId id="262" r:id="rId12"/>
-    <p:sldId id="264" r:id="rId13"/>
-    <p:sldId id="263" r:id="rId14"/>
-    <p:sldId id="266" r:id="rId15"/>
-    <p:sldId id="265" r:id="rId16"/>
-    <p:sldId id="269" r:id="rId17"/>
-    <p:sldId id="268" r:id="rId18"/>
-    <p:sldId id="270" r:id="rId19"/>
-    <p:sldId id="271" r:id="rId20"/>
+    <p:sldId id="279" r:id="rId3"/>
+    <p:sldId id="257" r:id="rId4"/>
+    <p:sldId id="259" r:id="rId5"/>
+    <p:sldId id="258" r:id="rId6"/>
+    <p:sldId id="273" r:id="rId7"/>
+    <p:sldId id="284" r:id="rId8"/>
+    <p:sldId id="278" r:id="rId9"/>
+    <p:sldId id="274" r:id="rId10"/>
+    <p:sldId id="275" r:id="rId11"/>
+    <p:sldId id="276" r:id="rId12"/>
+    <p:sldId id="281" r:id="rId13"/>
+    <p:sldId id="288" r:id="rId14"/>
+    <p:sldId id="287" r:id="rId15"/>
+    <p:sldId id="264" r:id="rId16"/>
+    <p:sldId id="272" r:id="rId17"/>
+    <p:sldId id="289" r:id="rId18"/>
+    <p:sldId id="290" r:id="rId19"/>
+    <p:sldId id="285" r:id="rId20"/>
+    <p:sldId id="262" r:id="rId21"/>
+    <p:sldId id="261" r:id="rId22"/>
+    <p:sldId id="286" r:id="rId23"/>
+    <p:sldId id="283" r:id="rId24"/>
+    <p:sldId id="282" r:id="rId25"/>
+    <p:sldId id="263" r:id="rId26"/>
+    <p:sldId id="266" r:id="rId27"/>
+    <p:sldId id="265" r:id="rId28"/>
+    <p:sldId id="269" r:id="rId29"/>
+    <p:sldId id="268" r:id="rId30"/>
+    <p:sldId id="270" r:id="rId31"/>
+    <p:sldId id="271" r:id="rId32"/>
   </p:sldIdLst>
   <p:sldSz cx="12192000" cy="6858000"/>
   <p:notesSz cx="6858000" cy="9144000"/>
@@ -3440,10 +3452,10 @@
       </p:grpSpPr>
       <p:pic>
         <p:nvPicPr>
-          <p:cNvPr id="3" name="圖片 2">
-            <a:extLst>
-              <a:ext uri="{FF2B5EF4-FFF2-40B4-BE49-F238E27FC236}">
-                <a16:creationId xmlns:a16="http://schemas.microsoft.com/office/drawing/2014/main" id="{7727EA28-B58D-1908-5144-1E8F878F5C61}"/>
+          <p:cNvPr id="4" name="圖片 3">
+            <a:extLst>
+              <a:ext uri="{FF2B5EF4-FFF2-40B4-BE49-F238E27FC236}">
+                <a16:creationId xmlns:a16="http://schemas.microsoft.com/office/drawing/2014/main" id="{712A2C9B-FCA3-D006-CD7E-ADA5863472BE}"/>
               </a:ext>
             </a:extLst>
           </p:cNvPr>
@@ -3452,16 +3464,15 @@
           </p:cNvPicPr>
           <p:nvPr/>
         </p:nvPicPr>
-        <p:blipFill>
+        <p:blipFill rotWithShape="1">
           <a:blip r:embed="rId2"/>
-          <a:stretch>
-            <a:fillRect/>
-          </a:stretch>
+          <a:srcRect t="3266"/>
+          <a:stretch/>
         </p:blipFill>
         <p:spPr>
           <a:xfrm>
-            <a:off x="1494783" y="2061971"/>
-            <a:ext cx="9202434" cy="2734057"/>
+            <a:off x="1399519" y="728959"/>
+            <a:ext cx="9392961" cy="5400082"/>
           </a:xfrm>
           <a:prstGeom prst="rect">
             <a:avLst/>
@@ -3471,7 +3482,7 @@
     </p:spTree>
     <p:extLst>
       <p:ext uri="{BB962C8B-B14F-4D97-AF65-F5344CB8AC3E}">
-        <p14:creationId xmlns:p14="http://schemas.microsoft.com/office/powerpoint/2010/main" val="1070744930"/>
+        <p14:creationId xmlns:p14="http://schemas.microsoft.com/office/powerpoint/2010/main" val="1256939223"/>
       </p:ext>
     </p:extLst>
   </p:cSld>
@@ -3498,39 +3509,40 @@
           <a:chExt cx="0" cy="0"/>
         </a:xfrm>
       </p:grpSpPr>
-      <p:sp>
-        <p:nvSpPr>
-          <p:cNvPr id="2" name="標題 1">
-            <a:extLst>
-              <a:ext uri="{FF2B5EF4-FFF2-40B4-BE49-F238E27FC236}">
-                <a16:creationId xmlns:a16="http://schemas.microsoft.com/office/drawing/2014/main" id="{10D2B2BD-78D3-BC9A-B5AA-1BCD5F608DE9}"/>
-              </a:ext>
-            </a:extLst>
-          </p:cNvPr>
-          <p:cNvSpPr>
-            <a:spLocks noGrp="1"/>
-          </p:cNvSpPr>
-          <p:nvPr>
-            <p:ph type="title"/>
-          </p:nvPr>
-        </p:nvSpPr>
-        <p:spPr/>
-        <p:txBody>
-          <a:bodyPr/>
-          <a:lstStyle/>
-          <a:p>
-            <a:r>
-              <a:rPr lang="en-US" altLang="zh-TW" dirty="0"/>
-              <a:t>Why did this happen?</a:t>
-            </a:r>
-            <a:endParaRPr lang="zh-TW" altLang="en-US" dirty="0"/>
-          </a:p>
-        </p:txBody>
-      </p:sp>
+      <p:pic>
+        <p:nvPicPr>
+          <p:cNvPr id="3" name="圖片 2">
+            <a:extLst>
+              <a:ext uri="{FF2B5EF4-FFF2-40B4-BE49-F238E27FC236}">
+                <a16:creationId xmlns:a16="http://schemas.microsoft.com/office/drawing/2014/main" id="{7727EA28-B58D-1908-5144-1E8F878F5C61}"/>
+              </a:ext>
+            </a:extLst>
+          </p:cNvPr>
+          <p:cNvPicPr>
+            <a:picLocks noChangeAspect="1"/>
+          </p:cNvPicPr>
+          <p:nvPr/>
+        </p:nvPicPr>
+        <p:blipFill>
+          <a:blip r:embed="rId2"/>
+          <a:stretch>
+            <a:fillRect/>
+          </a:stretch>
+        </p:blipFill>
+        <p:spPr>
+          <a:xfrm>
+            <a:off x="1494783" y="2061971"/>
+            <a:ext cx="9202434" cy="2734057"/>
+          </a:xfrm>
+          <a:prstGeom prst="rect">
+            <a:avLst/>
+          </a:prstGeom>
+        </p:spPr>
+      </p:pic>
     </p:spTree>
     <p:extLst>
       <p:ext uri="{BB962C8B-B14F-4D97-AF65-F5344CB8AC3E}">
-        <p14:creationId xmlns:p14="http://schemas.microsoft.com/office/powerpoint/2010/main" val="2227289076"/>
+        <p14:creationId xmlns:p14="http://schemas.microsoft.com/office/powerpoint/2010/main" val="1070744930"/>
       </p:ext>
     </p:extLst>
   </p:cSld>
@@ -3557,39 +3569,76 @@
           <a:chExt cx="0" cy="0"/>
         </a:xfrm>
       </p:grpSpPr>
-      <p:sp>
-        <p:nvSpPr>
-          <p:cNvPr id="2" name="標題 1">
-            <a:extLst>
-              <a:ext uri="{FF2B5EF4-FFF2-40B4-BE49-F238E27FC236}">
-                <a16:creationId xmlns:a16="http://schemas.microsoft.com/office/drawing/2014/main" id="{10D2B2BD-78D3-BC9A-B5AA-1BCD5F608DE9}"/>
-              </a:ext>
-            </a:extLst>
-          </p:cNvPr>
-          <p:cNvSpPr>
-            <a:spLocks noGrp="1"/>
-          </p:cNvSpPr>
-          <p:nvPr>
-            <p:ph type="title"/>
-          </p:nvPr>
-        </p:nvSpPr>
-        <p:spPr/>
-        <p:txBody>
-          <a:bodyPr/>
-          <a:lstStyle/>
-          <a:p>
-            <a:r>
-              <a:rPr lang="en-US" altLang="zh-TW" dirty="0"/>
-              <a:t>How do they work?</a:t>
-            </a:r>
-            <a:endParaRPr lang="zh-TW" altLang="en-US" dirty="0"/>
-          </a:p>
-        </p:txBody>
-      </p:sp>
+      <p:pic>
+        <p:nvPicPr>
+          <p:cNvPr id="3" name="圖片 2">
+            <a:extLst>
+              <a:ext uri="{FF2B5EF4-FFF2-40B4-BE49-F238E27FC236}">
+                <a16:creationId xmlns:a16="http://schemas.microsoft.com/office/drawing/2014/main" id="{7727EA28-B58D-1908-5144-1E8F878F5C61}"/>
+              </a:ext>
+            </a:extLst>
+          </p:cNvPr>
+          <p:cNvPicPr>
+            <a:picLocks noChangeAspect="1"/>
+          </p:cNvPicPr>
+          <p:nvPr/>
+        </p:nvPicPr>
+        <p:blipFill>
+          <a:blip r:embed="rId2"/>
+          <a:stretch>
+            <a:fillRect/>
+          </a:stretch>
+        </p:blipFill>
+        <p:spPr>
+          <a:xfrm>
+            <a:off x="1494783" y="2061971"/>
+            <a:ext cx="9202434" cy="2734057"/>
+          </a:xfrm>
+          <a:prstGeom prst="rect">
+            <a:avLst/>
+          </a:prstGeom>
+        </p:spPr>
+      </p:pic>
+      <p:pic>
+        <p:nvPicPr>
+          <p:cNvPr id="6" name="圖片 5" descr="一張含有 文字, 人的臉孔, 武器, 寫生 的圖片&#10;&#10;自動產生的描述">
+            <a:extLst>
+              <a:ext uri="{FF2B5EF4-FFF2-40B4-BE49-F238E27FC236}">
+                <a16:creationId xmlns:a16="http://schemas.microsoft.com/office/drawing/2014/main" id="{903F8962-54DC-00F3-349C-7C8AA8170537}"/>
+              </a:ext>
+            </a:extLst>
+          </p:cNvPr>
+          <p:cNvPicPr>
+            <a:picLocks noChangeAspect="1"/>
+          </p:cNvPicPr>
+          <p:nvPr/>
+        </p:nvPicPr>
+        <p:blipFill>
+          <a:blip r:embed="rId3">
+            <a:extLst>
+              <a:ext uri="{28A0092B-C50C-407E-A947-70E740481C1C}">
+                <a14:useLocalDpi xmlns:a14="http://schemas.microsoft.com/office/drawing/2010/main" val="0"/>
+              </a:ext>
+            </a:extLst>
+          </a:blip>
+          <a:stretch>
+            <a:fillRect/>
+          </a:stretch>
+        </p:blipFill>
+        <p:spPr>
+          <a:xfrm>
+            <a:off x="1494783" y="895378"/>
+            <a:ext cx="3114924" cy="2333186"/>
+          </a:xfrm>
+          <a:prstGeom prst="rect">
+            <a:avLst/>
+          </a:prstGeom>
+        </p:spPr>
+      </p:pic>
     </p:spTree>
     <p:extLst>
       <p:ext uri="{BB962C8B-B14F-4D97-AF65-F5344CB8AC3E}">
-        <p14:creationId xmlns:p14="http://schemas.microsoft.com/office/powerpoint/2010/main" val="3944635848"/>
+        <p14:creationId xmlns:p14="http://schemas.microsoft.com/office/powerpoint/2010/main" val="2981143802"/>
       </p:ext>
     </p:extLst>
   </p:cSld>
@@ -3634,79 +3683,202 @@
         </p:nvSpPr>
         <p:spPr>
           <a:xfrm>
-            <a:off x="3066853" y="2102701"/>
-            <a:ext cx="6058293" cy="1804186"/>
-          </a:xfrm>
-        </p:spPr>
-        <p:txBody>
-          <a:bodyPr/>
+            <a:off x="0" y="197963"/>
+            <a:ext cx="12192000" cy="955774"/>
+          </a:xfrm>
+        </p:spPr>
+        <p:txBody>
+          <a:bodyPr>
+            <a:normAutofit/>
+          </a:bodyPr>
           <a:lstStyle/>
           <a:p>
             <a:r>
-              <a:rPr lang="en-US" altLang="zh-TW" dirty="0">
-                <a:solidFill>
-                  <a:srgbClr val="FF0000"/>
-                </a:solidFill>
-              </a:rPr>
-              <a:t>L</a:t>
-            </a:r>
-            <a:r>
-              <a:rPr lang="en-US" altLang="zh-TW" dirty="0"/>
-              <a:t>inguistic </a:t>
-            </a:r>
-            <a:r>
-              <a:rPr lang="en-US" altLang="zh-TW" dirty="0">
-                <a:solidFill>
-                  <a:srgbClr val="FF0000"/>
-                </a:solidFill>
-              </a:rPr>
-              <a:t>O</a:t>
-            </a:r>
-            <a:r>
-              <a:rPr lang="en-US" altLang="zh-TW" dirty="0"/>
-              <a:t>riented</a:t>
-            </a:r>
-            <a:br>
-              <a:rPr lang="en-US" altLang="zh-TW" dirty="0"/>
-            </a:br>
-            <a:r>
-              <a:rPr lang="en-US" altLang="zh-TW" dirty="0">
-                <a:solidFill>
-                  <a:srgbClr val="FF0000"/>
-                </a:solidFill>
-              </a:rPr>
-              <a:t>K</a:t>
-            </a:r>
-            <a:r>
-              <a:rPr lang="en-US" altLang="zh-TW" dirty="0"/>
-              <a:t>eyword </a:t>
-            </a:r>
-            <a:r>
-              <a:rPr lang="en-US" altLang="zh-TW" dirty="0">
-                <a:solidFill>
-                  <a:srgbClr val="FF0000"/>
-                </a:solidFill>
-              </a:rPr>
-              <a:t>I</a:t>
-            </a:r>
-            <a:r>
-              <a:rPr lang="en-US" altLang="zh-TW" dirty="0"/>
-              <a:t>nterface</a:t>
-            </a:r>
-            <a:endParaRPr lang="zh-TW" altLang="en-US" dirty="0"/>
-          </a:p>
-        </p:txBody>
-      </p:sp>
+              <a:rPr lang="en-US" altLang="zh-TW" b="1" dirty="0"/>
+              <a:t>Machine Learning</a:t>
+            </a:r>
+            <a:endParaRPr lang="zh-TW" altLang="en-US" b="1" dirty="0"/>
+          </a:p>
+        </p:txBody>
+      </p:sp>
+      <p:pic>
+        <p:nvPicPr>
+          <p:cNvPr id="4" name="線上媒體 3" title="【機器學習2021】預測本頻道觀看人數 (上) - 機器學習基本概念簡介">
+            <a:hlinkClick r:id="" action="ppaction://media"/>
+            <a:extLst>
+              <a:ext uri="{FF2B5EF4-FFF2-40B4-BE49-F238E27FC236}">
+                <a16:creationId xmlns:a16="http://schemas.microsoft.com/office/drawing/2014/main" id="{EC842D9C-3751-9DFE-B456-681469DB80AD}"/>
+              </a:ext>
+            </a:extLst>
+          </p:cNvPr>
+          <p:cNvPicPr>
+            <a:picLocks noRot="1" noChangeAspect="1"/>
+          </p:cNvPicPr>
+          <p:nvPr>
+            <a:videoFile r:link="rId1"/>
+          </p:nvPr>
+        </p:nvPicPr>
+        <p:blipFill>
+          <a:blip r:embed="rId3"/>
+          <a:stretch>
+            <a:fillRect/>
+          </a:stretch>
+        </p:blipFill>
+        <p:spPr>
+          <a:xfrm>
+            <a:off x="2322136" y="1153737"/>
+            <a:ext cx="7547728" cy="5660796"/>
+          </a:xfrm>
+          <a:prstGeom prst="rect">
+            <a:avLst/>
+          </a:prstGeom>
+        </p:spPr>
+      </p:pic>
     </p:spTree>
     <p:extLst>
       <p:ext uri="{BB962C8B-B14F-4D97-AF65-F5344CB8AC3E}">
-        <p14:creationId xmlns:p14="http://schemas.microsoft.com/office/powerpoint/2010/main" val="3003501381"/>
+        <p14:creationId xmlns:p14="http://schemas.microsoft.com/office/powerpoint/2010/main" val="2112847612"/>
       </p:ext>
     </p:extLst>
   </p:cSld>
   <p:clrMapOvr>
     <a:masterClrMapping/>
   </p:clrMapOvr>
+  <p:timing>
+    <p:tnLst>
+      <p:par>
+        <p:cTn id="1" dur="indefinite" restart="never" nodeType="tmRoot">
+          <p:childTnLst>
+            <p:seq concurrent="1" nextAc="seek">
+              <p:cTn id="2" dur="indefinite" nodeType="mainSeq">
+                <p:childTnLst>
+                  <p:par>
+                    <p:cTn id="3" fill="hold">
+                      <p:stCondLst>
+                        <p:cond delay="indefinite"/>
+                      </p:stCondLst>
+                      <p:childTnLst>
+                        <p:par>
+                          <p:cTn id="4" fill="hold">
+                            <p:stCondLst>
+                              <p:cond delay="0"/>
+                            </p:stCondLst>
+                            <p:childTnLst>
+                              <p:par>
+                                <p:cTn id="5" presetID="1" presetClass="mediacall" presetSubtype="0" fill="hold" nodeType="clickEffect">
+                                  <p:stCondLst>
+                                    <p:cond delay="0"/>
+                                  </p:stCondLst>
+                                  <p:childTnLst>
+                                    <p:cmd type="call" cmd="playFrom(0.0)">
+                                      <p:cBhvr>
+                                        <p:cTn id="6" dur="1" fill="hold"/>
+                                        <p:tgtEl>
+                                          <p:spTgt spid="4"/>
+                                        </p:tgtEl>
+                                      </p:cBhvr>
+                                    </p:cmd>
+                                  </p:childTnLst>
+                                </p:cTn>
+                              </p:par>
+                            </p:childTnLst>
+                          </p:cTn>
+                        </p:par>
+                      </p:childTnLst>
+                    </p:cTn>
+                  </p:par>
+                </p:childTnLst>
+              </p:cTn>
+              <p:prevCondLst>
+                <p:cond evt="onPrev" delay="0">
+                  <p:tgtEl>
+                    <p:sldTgt/>
+                  </p:tgtEl>
+                </p:cond>
+              </p:prevCondLst>
+              <p:nextCondLst>
+                <p:cond evt="onNext" delay="0">
+                  <p:tgtEl>
+                    <p:sldTgt/>
+                  </p:tgtEl>
+                </p:cond>
+              </p:nextCondLst>
+            </p:seq>
+            <p:video>
+              <p:cMediaNode vol="80000">
+                <p:cTn id="7" fill="hold" display="0">
+                  <p:stCondLst>
+                    <p:cond delay="indefinite"/>
+                  </p:stCondLst>
+                </p:cTn>
+                <p:tgtEl>
+                  <p:spTgt spid="4"/>
+                </p:tgtEl>
+              </p:cMediaNode>
+            </p:video>
+            <p:seq concurrent="1" nextAc="seek">
+              <p:cTn id="8" restart="whenNotActive" fill="hold" evtFilter="cancelBubble" nodeType="interactiveSeq">
+                <p:stCondLst>
+                  <p:cond evt="onClick" delay="0">
+                    <p:tgtEl>
+                      <p:spTgt spid="4"/>
+                    </p:tgtEl>
+                  </p:cond>
+                </p:stCondLst>
+                <p:endSync evt="end" delay="0">
+                  <p:rtn val="all"/>
+                </p:endSync>
+                <p:childTnLst>
+                  <p:par>
+                    <p:cTn id="9" fill="hold">
+                      <p:stCondLst>
+                        <p:cond delay="0"/>
+                      </p:stCondLst>
+                      <p:childTnLst>
+                        <p:par>
+                          <p:cTn id="10" fill="hold">
+                            <p:stCondLst>
+                              <p:cond delay="0"/>
+                            </p:stCondLst>
+                            <p:childTnLst>
+                              <p:par>
+                                <p:cTn id="11" presetID="2" presetClass="mediacall" presetSubtype="0" fill="hold" nodeType="clickEffect">
+                                  <p:stCondLst>
+                                    <p:cond delay="0"/>
+                                  </p:stCondLst>
+                                  <p:childTnLst>
+                                    <p:cmd type="call" cmd="togglePause">
+                                      <p:cBhvr>
+                                        <p:cTn id="12" dur="1" fill="hold"/>
+                                        <p:tgtEl>
+                                          <p:spTgt spid="4"/>
+                                        </p:tgtEl>
+                                      </p:cBhvr>
+                                    </p:cmd>
+                                  </p:childTnLst>
+                                </p:cTn>
+                              </p:par>
+                            </p:childTnLst>
+                          </p:cTn>
+                        </p:par>
+                      </p:childTnLst>
+                    </p:cTn>
+                  </p:par>
+                </p:childTnLst>
+              </p:cTn>
+              <p:nextCondLst>
+                <p:cond evt="onClick" delay="0">
+                  <p:tgtEl>
+                    <p:spTgt spid="4"/>
+                  </p:tgtEl>
+                </p:cond>
+              </p:nextCondLst>
+            </p:seq>
+          </p:childTnLst>
+        </p:cTn>
+      </p:par>
+    </p:tnLst>
+  </p:timing>
 </p:sld>
 </file>
 
@@ -3727,6 +3899,2136 @@
           <a:chExt cx="0" cy="0"/>
         </a:xfrm>
       </p:grpSpPr>
+      <p:sp>
+        <p:nvSpPr>
+          <p:cNvPr id="2" name="標題 1">
+            <a:extLst>
+              <a:ext uri="{FF2B5EF4-FFF2-40B4-BE49-F238E27FC236}">
+                <a16:creationId xmlns:a16="http://schemas.microsoft.com/office/drawing/2014/main" id="{C4058BC1-340C-EA8C-74D7-C2E9F34EAE94}"/>
+              </a:ext>
+            </a:extLst>
+          </p:cNvPr>
+          <p:cNvSpPr>
+            <a:spLocks noGrp="1"/>
+          </p:cNvSpPr>
+          <p:nvPr>
+            <p:ph type="ctrTitle"/>
+          </p:nvPr>
+        </p:nvSpPr>
+        <p:spPr>
+          <a:xfrm>
+            <a:off x="0" y="197963"/>
+            <a:ext cx="12192000" cy="955774"/>
+          </a:xfrm>
+        </p:spPr>
+        <p:txBody>
+          <a:bodyPr>
+            <a:normAutofit/>
+          </a:bodyPr>
+          <a:lstStyle/>
+          <a:p>
+            <a:r>
+              <a:rPr lang="en-US" altLang="zh-TW" b="1" dirty="0">
+                <a:solidFill>
+                  <a:srgbClr val="FF0000"/>
+                </a:solidFill>
+              </a:rPr>
+              <a:t>G</a:t>
+            </a:r>
+            <a:r>
+              <a:rPr lang="en-US" altLang="zh-TW" b="1" dirty="0"/>
+              <a:t>enerative </a:t>
+            </a:r>
+            <a:r>
+              <a:rPr lang="en-US" altLang="zh-TW" b="1" dirty="0">
+                <a:solidFill>
+                  <a:srgbClr val="FF0000"/>
+                </a:solidFill>
+              </a:rPr>
+              <a:t>P</a:t>
+            </a:r>
+            <a:r>
+              <a:rPr lang="en-US" altLang="zh-TW" b="1" dirty="0"/>
+              <a:t>retrained </a:t>
+            </a:r>
+            <a:r>
+              <a:rPr lang="en-US" altLang="zh-TW" b="1" dirty="0">
+                <a:solidFill>
+                  <a:srgbClr val="FF0000"/>
+                </a:solidFill>
+              </a:rPr>
+              <a:t>T</a:t>
+            </a:r>
+            <a:r>
+              <a:rPr lang="en-US" altLang="zh-TW" b="1" dirty="0"/>
+              <a:t>ransformer</a:t>
+            </a:r>
+            <a:endParaRPr lang="zh-TW" altLang="en-US" b="1" dirty="0"/>
+          </a:p>
+        </p:txBody>
+      </p:sp>
+      <p:pic>
+        <p:nvPicPr>
+          <p:cNvPr id="3" name="線上媒體 2" title="【生成式AI導論 2024】第10講：今日的語言模型是如何做文字接龍的 — 淺談Transformer (已經熟悉 Transformer 的同學可略過本講)">
+            <a:hlinkClick r:id="" action="ppaction://media"/>
+            <a:extLst>
+              <a:ext uri="{FF2B5EF4-FFF2-40B4-BE49-F238E27FC236}">
+                <a16:creationId xmlns:a16="http://schemas.microsoft.com/office/drawing/2014/main" id="{24D5BD58-C015-2442-09D4-93AE8FA949A5}"/>
+              </a:ext>
+            </a:extLst>
+          </p:cNvPr>
+          <p:cNvPicPr>
+            <a:picLocks noRot="1" noChangeAspect="1"/>
+          </p:cNvPicPr>
+          <p:nvPr>
+            <a:videoFile r:link="rId1"/>
+          </p:nvPr>
+        </p:nvPicPr>
+        <p:blipFill>
+          <a:blip r:embed="rId3"/>
+          <a:stretch>
+            <a:fillRect/>
+          </a:stretch>
+        </p:blipFill>
+        <p:spPr>
+          <a:xfrm>
+            <a:off x="1248845" y="1187034"/>
+            <a:ext cx="9694310" cy="5473003"/>
+          </a:xfrm>
+          <a:prstGeom prst="rect">
+            <a:avLst/>
+          </a:prstGeom>
+        </p:spPr>
+      </p:pic>
+    </p:spTree>
+    <p:extLst>
+      <p:ext uri="{BB962C8B-B14F-4D97-AF65-F5344CB8AC3E}">
+        <p14:creationId xmlns:p14="http://schemas.microsoft.com/office/powerpoint/2010/main" val="1122277036"/>
+      </p:ext>
+    </p:extLst>
+  </p:cSld>
+  <p:clrMapOvr>
+    <a:masterClrMapping/>
+  </p:clrMapOvr>
+  <p:timing>
+    <p:tnLst>
+      <p:par>
+        <p:cTn id="1" dur="indefinite" restart="never" nodeType="tmRoot">
+          <p:childTnLst>
+            <p:seq concurrent="1" nextAc="seek">
+              <p:cTn id="2" dur="indefinite" nodeType="mainSeq">
+                <p:childTnLst>
+                  <p:par>
+                    <p:cTn id="3" fill="hold">
+                      <p:stCondLst>
+                        <p:cond delay="indefinite"/>
+                      </p:stCondLst>
+                      <p:childTnLst>
+                        <p:par>
+                          <p:cTn id="4" fill="hold">
+                            <p:stCondLst>
+                              <p:cond delay="0"/>
+                            </p:stCondLst>
+                            <p:childTnLst>
+                              <p:par>
+                                <p:cTn id="5" presetID="1" presetClass="mediacall" presetSubtype="0" fill="hold" nodeType="clickEffect">
+                                  <p:stCondLst>
+                                    <p:cond delay="0"/>
+                                  </p:stCondLst>
+                                  <p:childTnLst>
+                                    <p:cmd type="call" cmd="playFrom(0.0)">
+                                      <p:cBhvr>
+                                        <p:cTn id="6" dur="1" fill="hold"/>
+                                        <p:tgtEl>
+                                          <p:spTgt spid="3"/>
+                                        </p:tgtEl>
+                                      </p:cBhvr>
+                                    </p:cmd>
+                                  </p:childTnLst>
+                                </p:cTn>
+                              </p:par>
+                            </p:childTnLst>
+                          </p:cTn>
+                        </p:par>
+                      </p:childTnLst>
+                    </p:cTn>
+                  </p:par>
+                </p:childTnLst>
+              </p:cTn>
+              <p:prevCondLst>
+                <p:cond evt="onPrev" delay="0">
+                  <p:tgtEl>
+                    <p:sldTgt/>
+                  </p:tgtEl>
+                </p:cond>
+              </p:prevCondLst>
+              <p:nextCondLst>
+                <p:cond evt="onNext" delay="0">
+                  <p:tgtEl>
+                    <p:sldTgt/>
+                  </p:tgtEl>
+                </p:cond>
+              </p:nextCondLst>
+            </p:seq>
+            <p:video>
+              <p:cMediaNode vol="80000">
+                <p:cTn id="7" fill="hold" display="0">
+                  <p:stCondLst>
+                    <p:cond delay="indefinite"/>
+                  </p:stCondLst>
+                </p:cTn>
+                <p:tgtEl>
+                  <p:spTgt spid="3"/>
+                </p:tgtEl>
+              </p:cMediaNode>
+            </p:video>
+            <p:seq concurrent="1" nextAc="seek">
+              <p:cTn id="8" restart="whenNotActive" fill="hold" evtFilter="cancelBubble" nodeType="interactiveSeq">
+                <p:stCondLst>
+                  <p:cond evt="onClick" delay="0">
+                    <p:tgtEl>
+                      <p:spTgt spid="3"/>
+                    </p:tgtEl>
+                  </p:cond>
+                </p:stCondLst>
+                <p:endSync evt="end" delay="0">
+                  <p:rtn val="all"/>
+                </p:endSync>
+                <p:childTnLst>
+                  <p:par>
+                    <p:cTn id="9" fill="hold">
+                      <p:stCondLst>
+                        <p:cond delay="0"/>
+                      </p:stCondLst>
+                      <p:childTnLst>
+                        <p:par>
+                          <p:cTn id="10" fill="hold">
+                            <p:stCondLst>
+                              <p:cond delay="0"/>
+                            </p:stCondLst>
+                            <p:childTnLst>
+                              <p:par>
+                                <p:cTn id="11" presetID="2" presetClass="mediacall" presetSubtype="0" fill="hold" nodeType="clickEffect">
+                                  <p:stCondLst>
+                                    <p:cond delay="0"/>
+                                  </p:stCondLst>
+                                  <p:childTnLst>
+                                    <p:cmd type="call" cmd="togglePause">
+                                      <p:cBhvr>
+                                        <p:cTn id="12" dur="1" fill="hold"/>
+                                        <p:tgtEl>
+                                          <p:spTgt spid="3"/>
+                                        </p:tgtEl>
+                                      </p:cBhvr>
+                                    </p:cmd>
+                                  </p:childTnLst>
+                                </p:cTn>
+                              </p:par>
+                            </p:childTnLst>
+                          </p:cTn>
+                        </p:par>
+                      </p:childTnLst>
+                    </p:cTn>
+                  </p:par>
+                </p:childTnLst>
+              </p:cTn>
+              <p:nextCondLst>
+                <p:cond evt="onClick" delay="0">
+                  <p:tgtEl>
+                    <p:spTgt spid="3"/>
+                  </p:tgtEl>
+                </p:cond>
+              </p:nextCondLst>
+            </p:seq>
+          </p:childTnLst>
+        </p:cTn>
+      </p:par>
+    </p:tnLst>
+  </p:timing>
+</p:sld>
+</file>
+
+<file path=ppt/slides/slide15.xml><?xml version="1.0" encoding="utf-8"?>
+<p:sld xmlns:a="http://schemas.openxmlformats.org/drawingml/2006/main" xmlns:r="http://schemas.openxmlformats.org/officeDocument/2006/relationships" xmlns:p="http://schemas.openxmlformats.org/presentationml/2006/main">
+  <p:cSld>
+    <p:spTree>
+      <p:nvGrpSpPr>
+        <p:cNvPr id="1" name=""/>
+        <p:cNvGrpSpPr/>
+        <p:nvPr/>
+      </p:nvGrpSpPr>
+      <p:grpSpPr>
+        <a:xfrm>
+          <a:off x="0" y="0"/>
+          <a:ext cx="0" cy="0"/>
+          <a:chOff x="0" y="0"/>
+          <a:chExt cx="0" cy="0"/>
+        </a:xfrm>
+      </p:grpSpPr>
+      <p:sp>
+        <p:nvSpPr>
+          <p:cNvPr id="2" name="標題 1">
+            <a:extLst>
+              <a:ext uri="{FF2B5EF4-FFF2-40B4-BE49-F238E27FC236}">
+                <a16:creationId xmlns:a16="http://schemas.microsoft.com/office/drawing/2014/main" id="{10D2B2BD-78D3-BC9A-B5AA-1BCD5F608DE9}"/>
+              </a:ext>
+            </a:extLst>
+          </p:cNvPr>
+          <p:cNvSpPr>
+            <a:spLocks noGrp="1"/>
+          </p:cNvSpPr>
+          <p:nvPr>
+            <p:ph type="title"/>
+          </p:nvPr>
+        </p:nvSpPr>
+        <p:spPr>
+          <a:xfrm>
+            <a:off x="0" y="0"/>
+            <a:ext cx="10515600" cy="1325563"/>
+          </a:xfrm>
+        </p:spPr>
+        <p:txBody>
+          <a:bodyPr/>
+          <a:lstStyle/>
+          <a:p>
+            <a:r>
+              <a:rPr lang="en-US" altLang="zh-TW" dirty="0"/>
+              <a:t>How do they work?</a:t>
+            </a:r>
+            <a:endParaRPr lang="zh-TW" altLang="en-US" dirty="0"/>
+          </a:p>
+        </p:txBody>
+      </p:sp>
+      <p:pic>
+        <p:nvPicPr>
+          <p:cNvPr id="6" name="圖片 5" descr="一張含有 文字, 螢幕擷取畫面, 字型, 數字 的圖片&#10;&#10;自動產生的描述">
+            <a:extLst>
+              <a:ext uri="{FF2B5EF4-FFF2-40B4-BE49-F238E27FC236}">
+                <a16:creationId xmlns:a16="http://schemas.microsoft.com/office/drawing/2014/main" id="{3F3C1798-CF9B-37C8-C4B1-6F3DC9E7C927}"/>
+              </a:ext>
+            </a:extLst>
+          </p:cNvPr>
+          <p:cNvPicPr>
+            <a:picLocks noChangeAspect="1"/>
+          </p:cNvPicPr>
+          <p:nvPr/>
+        </p:nvPicPr>
+        <p:blipFill>
+          <a:blip r:embed="rId2">
+            <a:extLst>
+              <a:ext uri="{28A0092B-C50C-407E-A947-70E740481C1C}">
+                <a14:useLocalDpi xmlns:a14="http://schemas.microsoft.com/office/drawing/2010/main" val="0"/>
+              </a:ext>
+            </a:extLst>
+          </a:blip>
+          <a:stretch>
+            <a:fillRect/>
+          </a:stretch>
+        </p:blipFill>
+        <p:spPr>
+          <a:xfrm>
+            <a:off x="1212915" y="1006664"/>
+            <a:ext cx="9766169" cy="5783572"/>
+          </a:xfrm>
+          <a:prstGeom prst="rect">
+            <a:avLst/>
+          </a:prstGeom>
+        </p:spPr>
+      </p:pic>
+      <p:sp>
+        <p:nvSpPr>
+          <p:cNvPr id="7" name="文字方塊 6">
+            <a:extLst>
+              <a:ext uri="{FF2B5EF4-FFF2-40B4-BE49-F238E27FC236}">
+                <a16:creationId xmlns:a16="http://schemas.microsoft.com/office/drawing/2014/main" id="{1167EB51-C07D-561F-E6DC-BECDF14B09DE}"/>
+              </a:ext>
+            </a:extLst>
+          </p:cNvPr>
+          <p:cNvSpPr txBox="1"/>
+          <p:nvPr/>
+        </p:nvSpPr>
+        <p:spPr>
+          <a:xfrm>
+            <a:off x="986672" y="3113823"/>
+            <a:ext cx="3311951" cy="1325563"/>
+          </a:xfrm>
+          <a:prstGeom prst="rect">
+            <a:avLst/>
+          </a:prstGeom>
+          <a:noFill/>
+          <a:ln w="57150">
+            <a:solidFill>
+              <a:srgbClr val="FF0000"/>
+            </a:solidFill>
+          </a:ln>
+        </p:spPr>
+        <p:txBody>
+          <a:bodyPr wrap="square" rtlCol="0">
+            <a:spAutoFit/>
+          </a:bodyPr>
+          <a:lstStyle/>
+          <a:p>
+            <a:endParaRPr lang="zh-TW" altLang="en-US" dirty="0"/>
+          </a:p>
+        </p:txBody>
+      </p:sp>
+      <p:sp>
+        <p:nvSpPr>
+          <p:cNvPr id="8" name="文字方塊 7">
+            <a:extLst>
+              <a:ext uri="{FF2B5EF4-FFF2-40B4-BE49-F238E27FC236}">
+                <a16:creationId xmlns:a16="http://schemas.microsoft.com/office/drawing/2014/main" id="{0B2E44E6-7DD6-B679-20E9-29B63C12B863}"/>
+              </a:ext>
+            </a:extLst>
+          </p:cNvPr>
+          <p:cNvSpPr txBox="1"/>
+          <p:nvPr/>
+        </p:nvSpPr>
+        <p:spPr>
+          <a:xfrm>
+            <a:off x="4298623" y="3898450"/>
+            <a:ext cx="3311951" cy="1325563"/>
+          </a:xfrm>
+          <a:prstGeom prst="rect">
+            <a:avLst/>
+          </a:prstGeom>
+          <a:noFill/>
+          <a:ln w="57150">
+            <a:solidFill>
+              <a:srgbClr val="FF0000"/>
+            </a:solidFill>
+          </a:ln>
+        </p:spPr>
+        <p:txBody>
+          <a:bodyPr wrap="square" rtlCol="0">
+            <a:spAutoFit/>
+          </a:bodyPr>
+          <a:lstStyle/>
+          <a:p>
+            <a:endParaRPr lang="zh-TW" altLang="en-US" dirty="0"/>
+          </a:p>
+        </p:txBody>
+      </p:sp>
+    </p:spTree>
+    <p:extLst>
+      <p:ext uri="{BB962C8B-B14F-4D97-AF65-F5344CB8AC3E}">
+        <p14:creationId xmlns:p14="http://schemas.microsoft.com/office/powerpoint/2010/main" val="3944635848"/>
+      </p:ext>
+    </p:extLst>
+  </p:cSld>
+  <p:clrMapOvr>
+    <a:masterClrMapping/>
+  </p:clrMapOvr>
+  <p:timing>
+    <p:tnLst>
+      <p:par>
+        <p:cTn id="1" dur="indefinite" restart="never" nodeType="tmRoot">
+          <p:childTnLst>
+            <p:seq concurrent="1" nextAc="seek">
+              <p:cTn id="2" dur="indefinite" nodeType="mainSeq">
+                <p:childTnLst>
+                  <p:par>
+                    <p:cTn id="3" fill="hold">
+                      <p:stCondLst>
+                        <p:cond delay="indefinite"/>
+                      </p:stCondLst>
+                      <p:childTnLst>
+                        <p:par>
+                          <p:cTn id="4" fill="hold">
+                            <p:stCondLst>
+                              <p:cond delay="0"/>
+                            </p:stCondLst>
+                            <p:childTnLst>
+                              <p:par>
+                                <p:cTn id="5" presetID="10" presetClass="entr" presetSubtype="0" fill="hold" grpId="0" nodeType="clickEffect">
+                                  <p:stCondLst>
+                                    <p:cond delay="0"/>
+                                  </p:stCondLst>
+                                  <p:childTnLst>
+                                    <p:set>
+                                      <p:cBhvr>
+                                        <p:cTn id="6" dur="1" fill="hold">
+                                          <p:stCondLst>
+                                            <p:cond delay="0"/>
+                                          </p:stCondLst>
+                                        </p:cTn>
+                                        <p:tgtEl>
+                                          <p:spTgt spid="7"/>
+                                        </p:tgtEl>
+                                        <p:attrNameLst>
+                                          <p:attrName>style.visibility</p:attrName>
+                                        </p:attrNameLst>
+                                      </p:cBhvr>
+                                      <p:to>
+                                        <p:strVal val="visible"/>
+                                      </p:to>
+                                    </p:set>
+                                    <p:animEffect transition="in" filter="fade">
+                                      <p:cBhvr>
+                                        <p:cTn id="7" dur="500"/>
+                                        <p:tgtEl>
+                                          <p:spTgt spid="7"/>
+                                        </p:tgtEl>
+                                      </p:cBhvr>
+                                    </p:animEffect>
+                                  </p:childTnLst>
+                                </p:cTn>
+                              </p:par>
+                              <p:par>
+                                <p:cTn id="8" presetID="10" presetClass="entr" presetSubtype="0" fill="hold" grpId="0" nodeType="withEffect">
+                                  <p:stCondLst>
+                                    <p:cond delay="0"/>
+                                  </p:stCondLst>
+                                  <p:childTnLst>
+                                    <p:set>
+                                      <p:cBhvr>
+                                        <p:cTn id="9" dur="1" fill="hold">
+                                          <p:stCondLst>
+                                            <p:cond delay="0"/>
+                                          </p:stCondLst>
+                                        </p:cTn>
+                                        <p:tgtEl>
+                                          <p:spTgt spid="8"/>
+                                        </p:tgtEl>
+                                        <p:attrNameLst>
+                                          <p:attrName>style.visibility</p:attrName>
+                                        </p:attrNameLst>
+                                      </p:cBhvr>
+                                      <p:to>
+                                        <p:strVal val="visible"/>
+                                      </p:to>
+                                    </p:set>
+                                    <p:animEffect transition="in" filter="fade">
+                                      <p:cBhvr>
+                                        <p:cTn id="10" dur="500"/>
+                                        <p:tgtEl>
+                                          <p:spTgt spid="8"/>
+                                        </p:tgtEl>
+                                      </p:cBhvr>
+                                    </p:animEffect>
+                                  </p:childTnLst>
+                                </p:cTn>
+                              </p:par>
+                            </p:childTnLst>
+                          </p:cTn>
+                        </p:par>
+                      </p:childTnLst>
+                    </p:cTn>
+                  </p:par>
+                </p:childTnLst>
+              </p:cTn>
+              <p:prevCondLst>
+                <p:cond evt="onPrev" delay="0">
+                  <p:tgtEl>
+                    <p:sldTgt/>
+                  </p:tgtEl>
+                </p:cond>
+              </p:prevCondLst>
+              <p:nextCondLst>
+                <p:cond evt="onNext" delay="0">
+                  <p:tgtEl>
+                    <p:sldTgt/>
+                  </p:tgtEl>
+                </p:cond>
+              </p:nextCondLst>
+            </p:seq>
+          </p:childTnLst>
+        </p:cTn>
+      </p:par>
+    </p:tnLst>
+    <p:bldLst>
+      <p:bldP spid="7" grpId="0" animBg="1"/>
+      <p:bldP spid="8" grpId="0" animBg="1"/>
+    </p:bldLst>
+  </p:timing>
+</p:sld>
+</file>
+
+<file path=ppt/slides/slide16.xml><?xml version="1.0" encoding="utf-8"?>
+<p:sld xmlns:a="http://schemas.openxmlformats.org/drawingml/2006/main" xmlns:r="http://schemas.openxmlformats.org/officeDocument/2006/relationships" xmlns:p="http://schemas.openxmlformats.org/presentationml/2006/main">
+  <p:cSld>
+    <p:spTree>
+      <p:nvGrpSpPr>
+        <p:cNvPr id="1" name=""/>
+        <p:cNvGrpSpPr/>
+        <p:nvPr/>
+      </p:nvGrpSpPr>
+      <p:grpSpPr>
+        <a:xfrm>
+          <a:off x="0" y="0"/>
+          <a:ext cx="0" cy="0"/>
+          <a:chOff x="0" y="0"/>
+          <a:chExt cx="0" cy="0"/>
+        </a:xfrm>
+      </p:grpSpPr>
+      <p:sp>
+        <p:nvSpPr>
+          <p:cNvPr id="2" name="標題 1"/>
+          <p:cNvSpPr>
+            <a:spLocks noGrp="1"/>
+          </p:cNvSpPr>
+          <p:nvPr>
+            <p:ph type="title"/>
+          </p:nvPr>
+        </p:nvSpPr>
+        <p:spPr/>
+        <p:txBody>
+          <a:bodyPr/>
+          <a:lstStyle/>
+          <a:p>
+            <a:r>
+              <a:rPr lang="en-US" altLang="zh-TW" dirty="0">
+                <a:latin typeface="Arial Rounded MT Bold" panose="020F0704030504030204" pitchFamily="34" charset="0"/>
+              </a:rPr>
+              <a:t>How </a:t>
+            </a:r>
+            <a:r>
+              <a:rPr lang="en-US" altLang="zh-TW" dirty="0">
+                <a:solidFill>
+                  <a:srgbClr val="FF0000"/>
+                </a:solidFill>
+                <a:latin typeface="Arial Rounded MT Bold" panose="020F0704030504030204" pitchFamily="34" charset="0"/>
+              </a:rPr>
+              <a:t>Large</a:t>
+            </a:r>
+            <a:r>
+              <a:rPr lang="en-US" altLang="zh-TW" dirty="0">
+                <a:latin typeface="Arial Rounded MT Bold" panose="020F0704030504030204" pitchFamily="34" charset="0"/>
+              </a:rPr>
+              <a:t>?</a:t>
+            </a:r>
+            <a:endParaRPr lang="zh-TW" altLang="en-US" dirty="0">
+              <a:latin typeface="Arial Rounded MT Bold" panose="020F0704030504030204" pitchFamily="34" charset="0"/>
+            </a:endParaRPr>
+          </a:p>
+        </p:txBody>
+      </p:sp>
+      <p:pic>
+        <p:nvPicPr>
+          <p:cNvPr id="4" name="圖片 3">
+            <a:extLst>
+              <a:ext uri="{FF2B5EF4-FFF2-40B4-BE49-F238E27FC236}">
+                <a16:creationId xmlns:a16="http://schemas.microsoft.com/office/drawing/2014/main" id="{459D3F5F-747B-132D-249F-380D6D1C1130}"/>
+              </a:ext>
+            </a:extLst>
+          </p:cNvPr>
+          <p:cNvPicPr>
+            <a:picLocks noChangeAspect="1"/>
+          </p:cNvPicPr>
+          <p:nvPr/>
+        </p:nvPicPr>
+        <p:blipFill>
+          <a:blip r:embed="rId2"/>
+          <a:stretch>
+            <a:fillRect/>
+          </a:stretch>
+        </p:blipFill>
+        <p:spPr>
+          <a:xfrm>
+            <a:off x="780308" y="1690688"/>
+            <a:ext cx="10631384" cy="4505954"/>
+          </a:xfrm>
+          <a:prstGeom prst="rect">
+            <a:avLst/>
+          </a:prstGeom>
+        </p:spPr>
+      </p:pic>
+    </p:spTree>
+    <p:extLst>
+      <p:ext uri="{BB962C8B-B14F-4D97-AF65-F5344CB8AC3E}">
+        <p14:creationId xmlns:p14="http://schemas.microsoft.com/office/powerpoint/2010/main" val="2761689719"/>
+      </p:ext>
+    </p:extLst>
+  </p:cSld>
+  <p:clrMapOvr>
+    <a:masterClrMapping/>
+  </p:clrMapOvr>
+</p:sld>
+</file>
+
+<file path=ppt/slides/slide17.xml><?xml version="1.0" encoding="utf-8"?>
+<p:sld xmlns:a="http://schemas.openxmlformats.org/drawingml/2006/main" xmlns:r="http://schemas.openxmlformats.org/officeDocument/2006/relationships" xmlns:p="http://schemas.openxmlformats.org/presentationml/2006/main">
+  <p:cSld>
+    <p:spTree>
+      <p:nvGrpSpPr>
+        <p:cNvPr id="1" name=""/>
+        <p:cNvGrpSpPr/>
+        <p:nvPr/>
+      </p:nvGrpSpPr>
+      <p:grpSpPr>
+        <a:xfrm>
+          <a:off x="0" y="0"/>
+          <a:ext cx="0" cy="0"/>
+          <a:chOff x="0" y="0"/>
+          <a:chExt cx="0" cy="0"/>
+        </a:xfrm>
+      </p:grpSpPr>
+      <p:pic>
+        <p:nvPicPr>
+          <p:cNvPr id="5" name="圖片 4">
+            <a:extLst>
+              <a:ext uri="{FF2B5EF4-FFF2-40B4-BE49-F238E27FC236}">
+                <a16:creationId xmlns:a16="http://schemas.microsoft.com/office/drawing/2014/main" id="{47F6DB68-990A-3260-7062-C83C7A746A00}"/>
+              </a:ext>
+            </a:extLst>
+          </p:cNvPr>
+          <p:cNvPicPr>
+            <a:picLocks noChangeAspect="1"/>
+          </p:cNvPicPr>
+          <p:nvPr/>
+        </p:nvPicPr>
+        <p:blipFill>
+          <a:blip r:embed="rId2"/>
+          <a:stretch>
+            <a:fillRect/>
+          </a:stretch>
+        </p:blipFill>
+        <p:spPr>
+          <a:xfrm>
+            <a:off x="2015558" y="1547322"/>
+            <a:ext cx="8160884" cy="4945553"/>
+          </a:xfrm>
+          <a:prstGeom prst="rect">
+            <a:avLst/>
+          </a:prstGeom>
+        </p:spPr>
+      </p:pic>
+      <p:sp>
+        <p:nvSpPr>
+          <p:cNvPr id="6" name="文字方塊 5">
+            <a:extLst>
+              <a:ext uri="{FF2B5EF4-FFF2-40B4-BE49-F238E27FC236}">
+                <a16:creationId xmlns:a16="http://schemas.microsoft.com/office/drawing/2014/main" id="{F76C9D7B-B564-57D1-5FD7-FE9F92596234}"/>
+              </a:ext>
+            </a:extLst>
+          </p:cNvPr>
+          <p:cNvSpPr txBox="1"/>
+          <p:nvPr/>
+        </p:nvSpPr>
+        <p:spPr>
+          <a:xfrm>
+            <a:off x="3506771" y="5825765"/>
+            <a:ext cx="5863472" cy="395926"/>
+          </a:xfrm>
+          <a:prstGeom prst="rect">
+            <a:avLst/>
+          </a:prstGeom>
+          <a:noFill/>
+          <a:ln w="38100">
+            <a:solidFill>
+              <a:srgbClr val="FF0000"/>
+            </a:solidFill>
+          </a:ln>
+        </p:spPr>
+        <p:txBody>
+          <a:bodyPr wrap="square" rtlCol="0">
+            <a:spAutoFit/>
+          </a:bodyPr>
+          <a:lstStyle/>
+          <a:p>
+            <a:endParaRPr lang="zh-TW" altLang="en-US" dirty="0"/>
+          </a:p>
+        </p:txBody>
+      </p:sp>
+      <p:sp>
+        <p:nvSpPr>
+          <p:cNvPr id="7" name="標題 1">
+            <a:extLst>
+              <a:ext uri="{FF2B5EF4-FFF2-40B4-BE49-F238E27FC236}">
+                <a16:creationId xmlns:a16="http://schemas.microsoft.com/office/drawing/2014/main" id="{533767C0-EAA3-3A66-CE38-AB590B3428DB}"/>
+              </a:ext>
+            </a:extLst>
+          </p:cNvPr>
+          <p:cNvSpPr txBox="1">
+            <a:spLocks/>
+          </p:cNvSpPr>
+          <p:nvPr/>
+        </p:nvSpPr>
+        <p:spPr>
+          <a:xfrm>
+            <a:off x="443845" y="221759"/>
+            <a:ext cx="10515600" cy="1325563"/>
+          </a:xfrm>
+          <a:prstGeom prst="rect">
+            <a:avLst/>
+          </a:prstGeom>
+        </p:spPr>
+        <p:txBody>
+          <a:bodyPr vert="horz" lIns="91440" tIns="45720" rIns="91440" bIns="45720" rtlCol="0" anchor="ctr">
+            <a:normAutofit/>
+          </a:bodyPr>
+          <a:lstStyle>
+            <a:lvl1pPr algn="l" defTabSz="914400" rtl="0" eaLnBrk="1" latinLnBrk="0" hangingPunct="1">
+              <a:lnSpc>
+                <a:spcPct val="90000"/>
+              </a:lnSpc>
+              <a:spcBef>
+                <a:spcPct val="0"/>
+              </a:spcBef>
+              <a:buNone/>
+              <a:defRPr sz="4400" kern="1200">
+                <a:solidFill>
+                  <a:schemeClr val="tx1"/>
+                </a:solidFill>
+                <a:latin typeface="+mj-lt"/>
+                <a:ea typeface="+mj-ea"/>
+                <a:cs typeface="+mj-cs"/>
+              </a:defRPr>
+            </a:lvl1pPr>
+          </a:lstStyle>
+          <a:p>
+            <a:r>
+              <a:rPr lang="en-US" altLang="zh-TW" dirty="0">
+                <a:latin typeface="Arial Rounded MT Bold" panose="020F0704030504030204" pitchFamily="34" charset="0"/>
+              </a:rPr>
+              <a:t>How </a:t>
+            </a:r>
+            <a:r>
+              <a:rPr lang="en-US" altLang="zh-TW" dirty="0">
+                <a:solidFill>
+                  <a:srgbClr val="FF0000"/>
+                </a:solidFill>
+                <a:latin typeface="Arial Rounded MT Bold" panose="020F0704030504030204" pitchFamily="34" charset="0"/>
+              </a:rPr>
+              <a:t>Large</a:t>
+            </a:r>
+            <a:r>
+              <a:rPr lang="en-US" altLang="zh-TW" dirty="0">
+                <a:latin typeface="Arial Rounded MT Bold" panose="020F0704030504030204" pitchFamily="34" charset="0"/>
+              </a:rPr>
+              <a:t>?</a:t>
+            </a:r>
+            <a:endParaRPr lang="zh-TW" altLang="en-US" dirty="0">
+              <a:latin typeface="Arial Rounded MT Bold" panose="020F0704030504030204" pitchFamily="34" charset="0"/>
+            </a:endParaRPr>
+          </a:p>
+        </p:txBody>
+      </p:sp>
+    </p:spTree>
+    <p:extLst>
+      <p:ext uri="{BB962C8B-B14F-4D97-AF65-F5344CB8AC3E}">
+        <p14:creationId xmlns:p14="http://schemas.microsoft.com/office/powerpoint/2010/main" val="3442378871"/>
+      </p:ext>
+    </p:extLst>
+  </p:cSld>
+  <p:clrMapOvr>
+    <a:masterClrMapping/>
+  </p:clrMapOvr>
+</p:sld>
+</file>
+
+<file path=ppt/slides/slide18.xml><?xml version="1.0" encoding="utf-8"?>
+<p:sld xmlns:a="http://schemas.openxmlformats.org/drawingml/2006/main" xmlns:r="http://schemas.openxmlformats.org/officeDocument/2006/relationships" xmlns:p="http://schemas.openxmlformats.org/presentationml/2006/main">
+  <p:cSld>
+    <p:spTree>
+      <p:nvGrpSpPr>
+        <p:cNvPr id="1" name=""/>
+        <p:cNvGrpSpPr/>
+        <p:nvPr/>
+      </p:nvGrpSpPr>
+      <p:grpSpPr>
+        <a:xfrm>
+          <a:off x="0" y="0"/>
+          <a:ext cx="0" cy="0"/>
+          <a:chOff x="0" y="0"/>
+          <a:chExt cx="0" cy="0"/>
+        </a:xfrm>
+      </p:grpSpPr>
+      <p:sp>
+        <p:nvSpPr>
+          <p:cNvPr id="5" name="文字方塊 4">
+            <a:extLst>
+              <a:ext uri="{FF2B5EF4-FFF2-40B4-BE49-F238E27FC236}">
+                <a16:creationId xmlns:a16="http://schemas.microsoft.com/office/drawing/2014/main" id="{F03C9F37-4803-EA57-444A-48CF94FF72D3}"/>
+              </a:ext>
+            </a:extLst>
+          </p:cNvPr>
+          <p:cNvSpPr txBox="1"/>
+          <p:nvPr/>
+        </p:nvSpPr>
+        <p:spPr>
+          <a:xfrm>
+            <a:off x="8074844" y="6136508"/>
+            <a:ext cx="7605074" cy="246221"/>
+          </a:xfrm>
+          <a:prstGeom prst="rect">
+            <a:avLst/>
+          </a:prstGeom>
+          <a:noFill/>
+        </p:spPr>
+        <p:txBody>
+          <a:bodyPr wrap="square">
+            <a:spAutoFit/>
+          </a:bodyPr>
+          <a:lstStyle/>
+          <a:p>
+            <a:r>
+              <a:rPr lang="zh-TW" altLang="en-US" sz="1000" dirty="0">
+                <a:latin typeface="Times New Roman" panose="02020603050405020304" pitchFamily="18" charset="0"/>
+                <a:cs typeface="Times New Roman" panose="02020603050405020304" pitchFamily="18" charset="0"/>
+              </a:rPr>
+              <a:t>https://medium.com/@daniellefranca96/gpt4-all-details-leaked-48fa20f9a4a</a:t>
+            </a:r>
+          </a:p>
+        </p:txBody>
+      </p:sp>
+      <p:sp>
+        <p:nvSpPr>
+          <p:cNvPr id="8" name="文字方塊 7">
+            <a:extLst>
+              <a:ext uri="{FF2B5EF4-FFF2-40B4-BE49-F238E27FC236}">
+                <a16:creationId xmlns:a16="http://schemas.microsoft.com/office/drawing/2014/main" id="{3CC8587C-0DFB-A603-D9A2-048331ECE0C0}"/>
+              </a:ext>
+            </a:extLst>
+          </p:cNvPr>
+          <p:cNvSpPr txBox="1"/>
+          <p:nvPr/>
+        </p:nvSpPr>
+        <p:spPr>
+          <a:xfrm>
+            <a:off x="8074844" y="5864356"/>
+            <a:ext cx="8038707" cy="246221"/>
+          </a:xfrm>
+          <a:prstGeom prst="rect">
+            <a:avLst/>
+          </a:prstGeom>
+          <a:noFill/>
+        </p:spPr>
+        <p:txBody>
+          <a:bodyPr wrap="square">
+            <a:spAutoFit/>
+          </a:bodyPr>
+          <a:lstStyle/>
+          <a:p>
+            <a:r>
+              <a:rPr lang="zh-TW" altLang="en-US" sz="1000" dirty="0">
+                <a:latin typeface="Times New Roman" panose="02020603050405020304" pitchFamily="18" charset="0"/>
+                <a:cs typeface="Times New Roman" panose="02020603050405020304" pitchFamily="18" charset="0"/>
+              </a:rPr>
+              <a:t>https://towardsdatascience.com/the-carbon-footprint-of-gpt-4-d6c676eb21ae</a:t>
+            </a:r>
+          </a:p>
+        </p:txBody>
+      </p:sp>
+      <p:pic>
+        <p:nvPicPr>
+          <p:cNvPr id="10" name="圖片 9">
+            <a:extLst>
+              <a:ext uri="{FF2B5EF4-FFF2-40B4-BE49-F238E27FC236}">
+                <a16:creationId xmlns:a16="http://schemas.microsoft.com/office/drawing/2014/main" id="{57BE804F-FF29-64EA-91C2-FEB9FD4D04B2}"/>
+              </a:ext>
+            </a:extLst>
+          </p:cNvPr>
+          <p:cNvPicPr>
+            <a:picLocks noChangeAspect="1"/>
+          </p:cNvPicPr>
+          <p:nvPr/>
+        </p:nvPicPr>
+        <p:blipFill>
+          <a:blip r:embed="rId2"/>
+          <a:stretch>
+            <a:fillRect/>
+          </a:stretch>
+        </p:blipFill>
+        <p:spPr>
+          <a:xfrm>
+            <a:off x="699952" y="1492107"/>
+            <a:ext cx="5396048" cy="4223208"/>
+          </a:xfrm>
+          <a:prstGeom prst="rect">
+            <a:avLst/>
+          </a:prstGeom>
+        </p:spPr>
+      </p:pic>
+      <p:sp>
+        <p:nvSpPr>
+          <p:cNvPr id="14" name="文字方塊 13">
+            <a:extLst>
+              <a:ext uri="{FF2B5EF4-FFF2-40B4-BE49-F238E27FC236}">
+                <a16:creationId xmlns:a16="http://schemas.microsoft.com/office/drawing/2014/main" id="{8F595FCC-C08E-E7EF-01B8-926FEEFCAE6F}"/>
+              </a:ext>
+            </a:extLst>
+          </p:cNvPr>
+          <p:cNvSpPr txBox="1"/>
+          <p:nvPr/>
+        </p:nvSpPr>
+        <p:spPr>
+          <a:xfrm>
+            <a:off x="8074843" y="6369764"/>
+            <a:ext cx="7290847" cy="246221"/>
+          </a:xfrm>
+          <a:prstGeom prst="rect">
+            <a:avLst/>
+          </a:prstGeom>
+          <a:noFill/>
+        </p:spPr>
+        <p:txBody>
+          <a:bodyPr wrap="square">
+            <a:spAutoFit/>
+          </a:bodyPr>
+          <a:lstStyle/>
+          <a:p>
+            <a:r>
+              <a:rPr lang="zh-TW" altLang="en-US" sz="1000" dirty="0">
+                <a:latin typeface="Times New Roman" panose="02020603050405020304" pitchFamily="18" charset="0"/>
+                <a:cs typeface="Times New Roman" panose="02020603050405020304" pitchFamily="18" charset="0"/>
+              </a:rPr>
+              <a:t>https://www.energy.gov/eere/articles/how-much-power-1-gigawatt</a:t>
+            </a:r>
+          </a:p>
+        </p:txBody>
+      </p:sp>
+      <p:pic>
+        <p:nvPicPr>
+          <p:cNvPr id="16" name="圖片 15">
+            <a:extLst>
+              <a:ext uri="{FF2B5EF4-FFF2-40B4-BE49-F238E27FC236}">
+                <a16:creationId xmlns:a16="http://schemas.microsoft.com/office/drawing/2014/main" id="{4C38958E-0984-05CF-EFA5-90EDDE1E8E4C}"/>
+              </a:ext>
+            </a:extLst>
+          </p:cNvPr>
+          <p:cNvPicPr>
+            <a:picLocks noChangeAspect="1"/>
+          </p:cNvPicPr>
+          <p:nvPr/>
+        </p:nvPicPr>
+        <p:blipFill>
+          <a:blip r:embed="rId3"/>
+          <a:stretch>
+            <a:fillRect/>
+          </a:stretch>
+        </p:blipFill>
+        <p:spPr>
+          <a:xfrm>
+            <a:off x="5964611" y="1758726"/>
+            <a:ext cx="6027254" cy="3956589"/>
+          </a:xfrm>
+          <a:prstGeom prst="rect">
+            <a:avLst/>
+          </a:prstGeom>
+        </p:spPr>
+      </p:pic>
+      <p:sp>
+        <p:nvSpPr>
+          <p:cNvPr id="11" name="標題 1">
+            <a:extLst>
+              <a:ext uri="{FF2B5EF4-FFF2-40B4-BE49-F238E27FC236}">
+                <a16:creationId xmlns:a16="http://schemas.microsoft.com/office/drawing/2014/main" id="{06D83507-5D66-6E51-FA85-A215200B8C16}"/>
+              </a:ext>
+            </a:extLst>
+          </p:cNvPr>
+          <p:cNvSpPr txBox="1">
+            <a:spLocks/>
+          </p:cNvSpPr>
+          <p:nvPr/>
+        </p:nvSpPr>
+        <p:spPr>
+          <a:xfrm>
+            <a:off x="443845" y="221759"/>
+            <a:ext cx="10515600" cy="1325563"/>
+          </a:xfrm>
+          <a:prstGeom prst="rect">
+            <a:avLst/>
+          </a:prstGeom>
+        </p:spPr>
+        <p:txBody>
+          <a:bodyPr vert="horz" lIns="91440" tIns="45720" rIns="91440" bIns="45720" rtlCol="0" anchor="ctr">
+            <a:normAutofit/>
+          </a:bodyPr>
+          <a:lstStyle>
+            <a:lvl1pPr algn="l" defTabSz="914400" rtl="0" eaLnBrk="1" latinLnBrk="0" hangingPunct="1">
+              <a:lnSpc>
+                <a:spcPct val="90000"/>
+              </a:lnSpc>
+              <a:spcBef>
+                <a:spcPct val="0"/>
+              </a:spcBef>
+              <a:buNone/>
+              <a:defRPr sz="4400" kern="1200">
+                <a:solidFill>
+                  <a:schemeClr val="tx1"/>
+                </a:solidFill>
+                <a:latin typeface="+mj-lt"/>
+                <a:ea typeface="+mj-ea"/>
+                <a:cs typeface="+mj-cs"/>
+              </a:defRPr>
+            </a:lvl1pPr>
+          </a:lstStyle>
+          <a:p>
+            <a:r>
+              <a:rPr lang="en-US" altLang="zh-TW" dirty="0">
+                <a:latin typeface="Arial Rounded MT Bold" panose="020F0704030504030204" pitchFamily="34" charset="0"/>
+              </a:rPr>
+              <a:t>How </a:t>
+            </a:r>
+            <a:r>
+              <a:rPr lang="en-US" altLang="zh-TW" dirty="0">
+                <a:solidFill>
+                  <a:srgbClr val="FF0000"/>
+                </a:solidFill>
+                <a:latin typeface="Arial Rounded MT Bold" panose="020F0704030504030204" pitchFamily="34" charset="0"/>
+              </a:rPr>
+              <a:t>Large</a:t>
+            </a:r>
+            <a:r>
+              <a:rPr lang="en-US" altLang="zh-TW" dirty="0">
+                <a:latin typeface="Arial Rounded MT Bold" panose="020F0704030504030204" pitchFamily="34" charset="0"/>
+              </a:rPr>
+              <a:t>?</a:t>
+            </a:r>
+            <a:endParaRPr lang="zh-TW" altLang="en-US" dirty="0">
+              <a:latin typeface="Arial Rounded MT Bold" panose="020F0704030504030204" pitchFamily="34" charset="0"/>
+            </a:endParaRPr>
+          </a:p>
+        </p:txBody>
+      </p:sp>
+    </p:spTree>
+    <p:extLst>
+      <p:ext uri="{BB962C8B-B14F-4D97-AF65-F5344CB8AC3E}">
+        <p14:creationId xmlns:p14="http://schemas.microsoft.com/office/powerpoint/2010/main" val="193977794"/>
+      </p:ext>
+    </p:extLst>
+  </p:cSld>
+  <p:clrMapOvr>
+    <a:masterClrMapping/>
+  </p:clrMapOvr>
+</p:sld>
+</file>
+
+<file path=ppt/slides/slide19.xml><?xml version="1.0" encoding="utf-8"?>
+<p:sld xmlns:a="http://schemas.openxmlformats.org/drawingml/2006/main" xmlns:r="http://schemas.openxmlformats.org/officeDocument/2006/relationships" xmlns:p="http://schemas.openxmlformats.org/presentationml/2006/main">
+  <p:cSld>
+    <p:spTree>
+      <p:nvGrpSpPr>
+        <p:cNvPr id="1" name=""/>
+        <p:cNvGrpSpPr/>
+        <p:nvPr/>
+      </p:nvGrpSpPr>
+      <p:grpSpPr>
+        <a:xfrm>
+          <a:off x="0" y="0"/>
+          <a:ext cx="0" cy="0"/>
+          <a:chOff x="0" y="0"/>
+          <a:chExt cx="0" cy="0"/>
+        </a:xfrm>
+      </p:grpSpPr>
+      <p:pic>
+        <p:nvPicPr>
+          <p:cNvPr id="12" name="圖片 11">
+            <a:extLst>
+              <a:ext uri="{FF2B5EF4-FFF2-40B4-BE49-F238E27FC236}">
+                <a16:creationId xmlns:a16="http://schemas.microsoft.com/office/drawing/2014/main" id="{774F5C51-5EA4-D294-28C7-2B9E15C95451}"/>
+              </a:ext>
+            </a:extLst>
+          </p:cNvPr>
+          <p:cNvPicPr>
+            <a:picLocks noChangeAspect="1"/>
+          </p:cNvPicPr>
+          <p:nvPr/>
+        </p:nvPicPr>
+        <p:blipFill>
+          <a:blip r:embed="rId2"/>
+          <a:stretch>
+            <a:fillRect/>
+          </a:stretch>
+        </p:blipFill>
+        <p:spPr>
+          <a:xfrm>
+            <a:off x="0" y="5007100"/>
+            <a:ext cx="12192000" cy="1850900"/>
+          </a:xfrm>
+          <a:prstGeom prst="rect">
+            <a:avLst/>
+          </a:prstGeom>
+        </p:spPr>
+      </p:pic>
+      <p:pic>
+        <p:nvPicPr>
+          <p:cNvPr id="3" name="圖片 2" descr="一張含有 符號, 標誌, 字型, 圖形 的圖片&#10;&#10;自動產生的描述">
+            <a:extLst>
+              <a:ext uri="{FF2B5EF4-FFF2-40B4-BE49-F238E27FC236}">
+                <a16:creationId xmlns:a16="http://schemas.microsoft.com/office/drawing/2014/main" id="{2BA04D94-BE08-5B51-A5B0-065D9551C64C}"/>
+              </a:ext>
+            </a:extLst>
+          </p:cNvPr>
+          <p:cNvPicPr>
+            <a:picLocks noChangeAspect="1"/>
+          </p:cNvPicPr>
+          <p:nvPr/>
+        </p:nvPicPr>
+        <p:blipFill>
+          <a:blip r:embed="rId3">
+            <a:extLst>
+              <a:ext uri="{28A0092B-C50C-407E-A947-70E740481C1C}">
+                <a14:useLocalDpi xmlns:a14="http://schemas.microsoft.com/office/drawing/2010/main" val="0"/>
+              </a:ext>
+            </a:extLst>
+          </a:blip>
+          <a:stretch>
+            <a:fillRect/>
+          </a:stretch>
+        </p:blipFill>
+        <p:spPr>
+          <a:xfrm>
+            <a:off x="0" y="0"/>
+            <a:ext cx="1649691" cy="1649691"/>
+          </a:xfrm>
+          <a:prstGeom prst="rect">
+            <a:avLst/>
+          </a:prstGeom>
+        </p:spPr>
+      </p:pic>
+      <p:pic>
+        <p:nvPicPr>
+          <p:cNvPr id="10" name="圖片 9">
+            <a:extLst>
+              <a:ext uri="{FF2B5EF4-FFF2-40B4-BE49-F238E27FC236}">
+                <a16:creationId xmlns:a16="http://schemas.microsoft.com/office/drawing/2014/main" id="{60559B37-E538-7B1F-F20E-14833F2231AE}"/>
+              </a:ext>
+            </a:extLst>
+          </p:cNvPr>
+          <p:cNvPicPr>
+            <a:picLocks noChangeAspect="1"/>
+          </p:cNvPicPr>
+          <p:nvPr/>
+        </p:nvPicPr>
+        <p:blipFill>
+          <a:blip r:embed="rId4"/>
+          <a:stretch>
+            <a:fillRect/>
+          </a:stretch>
+        </p:blipFill>
+        <p:spPr>
+          <a:xfrm>
+            <a:off x="1649691" y="-37707"/>
+            <a:ext cx="7106642" cy="3667637"/>
+          </a:xfrm>
+          <a:prstGeom prst="rect">
+            <a:avLst/>
+          </a:prstGeom>
+        </p:spPr>
+      </p:pic>
+      <p:pic>
+        <p:nvPicPr>
+          <p:cNvPr id="5" name="圖片 4">
+            <a:extLst>
+              <a:ext uri="{FF2B5EF4-FFF2-40B4-BE49-F238E27FC236}">
+                <a16:creationId xmlns:a16="http://schemas.microsoft.com/office/drawing/2014/main" id="{F238A100-DF56-D39B-6B72-D36699DF39F8}"/>
+              </a:ext>
+            </a:extLst>
+          </p:cNvPr>
+          <p:cNvPicPr>
+            <a:picLocks noChangeAspect="1"/>
+          </p:cNvPicPr>
+          <p:nvPr/>
+        </p:nvPicPr>
+        <p:blipFill>
+          <a:blip r:embed="rId5"/>
+          <a:stretch>
+            <a:fillRect/>
+          </a:stretch>
+        </p:blipFill>
+        <p:spPr>
+          <a:xfrm>
+            <a:off x="-44586" y="3357409"/>
+            <a:ext cx="1694277" cy="1649691"/>
+          </a:xfrm>
+          <a:prstGeom prst="rect">
+            <a:avLst/>
+          </a:prstGeom>
+        </p:spPr>
+      </p:pic>
+    </p:spTree>
+    <p:extLst>
+      <p:ext uri="{BB962C8B-B14F-4D97-AF65-F5344CB8AC3E}">
+        <p14:creationId xmlns:p14="http://schemas.microsoft.com/office/powerpoint/2010/main" val="1078132520"/>
+      </p:ext>
+    </p:extLst>
+  </p:cSld>
+  <p:clrMapOvr>
+    <a:masterClrMapping/>
+  </p:clrMapOvr>
+</p:sld>
+</file>
+
+<file path=ppt/slides/slide2.xml><?xml version="1.0" encoding="utf-8"?>
+<p:sld xmlns:a="http://schemas.openxmlformats.org/drawingml/2006/main" xmlns:r="http://schemas.openxmlformats.org/officeDocument/2006/relationships" xmlns:p="http://schemas.openxmlformats.org/presentationml/2006/main">
+  <p:cSld>
+    <p:spTree>
+      <p:nvGrpSpPr>
+        <p:cNvPr id="1" name=""/>
+        <p:cNvGrpSpPr/>
+        <p:nvPr/>
+      </p:nvGrpSpPr>
+      <p:grpSpPr>
+        <a:xfrm>
+          <a:off x="0" y="0"/>
+          <a:ext cx="0" cy="0"/>
+          <a:chOff x="0" y="0"/>
+          <a:chExt cx="0" cy="0"/>
+        </a:xfrm>
+      </p:grpSpPr>
+      <p:sp>
+        <p:nvSpPr>
+          <p:cNvPr id="2" name="標題 1">
+            <a:extLst>
+              <a:ext uri="{FF2B5EF4-FFF2-40B4-BE49-F238E27FC236}">
+                <a16:creationId xmlns:a16="http://schemas.microsoft.com/office/drawing/2014/main" id="{DDE0BEE5-D6F2-96F7-F6CA-2F2330E260DD}"/>
+              </a:ext>
+            </a:extLst>
+          </p:cNvPr>
+          <p:cNvSpPr>
+            <a:spLocks noGrp="1"/>
+          </p:cNvSpPr>
+          <p:nvPr>
+            <p:ph type="title"/>
+          </p:nvPr>
+        </p:nvSpPr>
+        <p:spPr/>
+        <p:txBody>
+          <a:bodyPr/>
+          <a:lstStyle/>
+          <a:p>
+            <a:endParaRPr lang="zh-TW" altLang="en-US"/>
+          </a:p>
+        </p:txBody>
+      </p:sp>
+      <p:sp>
+        <p:nvSpPr>
+          <p:cNvPr id="3" name="內容版面配置區 2">
+            <a:extLst>
+              <a:ext uri="{FF2B5EF4-FFF2-40B4-BE49-F238E27FC236}">
+                <a16:creationId xmlns:a16="http://schemas.microsoft.com/office/drawing/2014/main" id="{0ADC5DFC-735E-F106-281B-5FB673C4ED59}"/>
+              </a:ext>
+            </a:extLst>
+          </p:cNvPr>
+          <p:cNvSpPr>
+            <a:spLocks noGrp="1"/>
+          </p:cNvSpPr>
+          <p:nvPr>
+            <p:ph idx="1"/>
+          </p:nvPr>
+        </p:nvSpPr>
+        <p:spPr/>
+        <p:txBody>
+          <a:bodyPr/>
+          <a:lstStyle/>
+          <a:p>
+            <a:endParaRPr lang="zh-TW" altLang="en-US"/>
+          </a:p>
+        </p:txBody>
+      </p:sp>
+    </p:spTree>
+    <p:extLst>
+      <p:ext uri="{BB962C8B-B14F-4D97-AF65-F5344CB8AC3E}">
+        <p14:creationId xmlns:p14="http://schemas.microsoft.com/office/powerpoint/2010/main" val="2341304630"/>
+      </p:ext>
+    </p:extLst>
+  </p:cSld>
+  <p:clrMapOvr>
+    <a:masterClrMapping/>
+  </p:clrMapOvr>
+</p:sld>
+</file>
+
+<file path=ppt/slides/slide20.xml><?xml version="1.0" encoding="utf-8"?>
+<p:sld xmlns:a="http://schemas.openxmlformats.org/drawingml/2006/main" xmlns:r="http://schemas.openxmlformats.org/officeDocument/2006/relationships" xmlns:p="http://schemas.openxmlformats.org/presentationml/2006/main">
+  <p:cSld>
+    <p:spTree>
+      <p:nvGrpSpPr>
+        <p:cNvPr id="1" name=""/>
+        <p:cNvGrpSpPr/>
+        <p:nvPr/>
+      </p:nvGrpSpPr>
+      <p:grpSpPr>
+        <a:xfrm>
+          <a:off x="0" y="0"/>
+          <a:ext cx="0" cy="0"/>
+          <a:chOff x="0" y="0"/>
+          <a:chExt cx="0" cy="0"/>
+        </a:xfrm>
+      </p:grpSpPr>
+      <p:sp>
+        <p:nvSpPr>
+          <p:cNvPr id="2" name="標題 1">
+            <a:extLst>
+              <a:ext uri="{FF2B5EF4-FFF2-40B4-BE49-F238E27FC236}">
+                <a16:creationId xmlns:a16="http://schemas.microsoft.com/office/drawing/2014/main" id="{10D2B2BD-78D3-BC9A-B5AA-1BCD5F608DE9}"/>
+              </a:ext>
+            </a:extLst>
+          </p:cNvPr>
+          <p:cNvSpPr>
+            <a:spLocks noGrp="1"/>
+          </p:cNvSpPr>
+          <p:nvPr>
+            <p:ph type="title"/>
+          </p:nvPr>
+        </p:nvSpPr>
+        <p:spPr/>
+        <p:txBody>
+          <a:bodyPr/>
+          <a:lstStyle/>
+          <a:p>
+            <a:r>
+              <a:rPr lang="en-US" altLang="zh-TW" dirty="0"/>
+              <a:t>Why did this happen?</a:t>
+            </a:r>
+            <a:endParaRPr lang="zh-TW" altLang="en-US" dirty="0"/>
+          </a:p>
+        </p:txBody>
+      </p:sp>
+    </p:spTree>
+    <p:extLst>
+      <p:ext uri="{BB962C8B-B14F-4D97-AF65-F5344CB8AC3E}">
+        <p14:creationId xmlns:p14="http://schemas.microsoft.com/office/powerpoint/2010/main" val="2227289076"/>
+      </p:ext>
+    </p:extLst>
+  </p:cSld>
+  <p:clrMapOvr>
+    <a:masterClrMapping/>
+  </p:clrMapOvr>
+</p:sld>
+</file>
+
+<file path=ppt/slides/slide21.xml><?xml version="1.0" encoding="utf-8"?>
+<p:sld xmlns:a="http://schemas.openxmlformats.org/drawingml/2006/main" xmlns:r="http://schemas.openxmlformats.org/officeDocument/2006/relationships" xmlns:p="http://schemas.openxmlformats.org/presentationml/2006/main">
+  <p:cSld>
+    <p:spTree>
+      <p:nvGrpSpPr>
+        <p:cNvPr id="1" name=""/>
+        <p:cNvGrpSpPr/>
+        <p:nvPr/>
+      </p:nvGrpSpPr>
+      <p:grpSpPr>
+        <a:xfrm>
+          <a:off x="0" y="0"/>
+          <a:ext cx="0" cy="0"/>
+          <a:chOff x="0" y="0"/>
+          <a:chExt cx="0" cy="0"/>
+        </a:xfrm>
+      </p:grpSpPr>
+      <p:pic>
+        <p:nvPicPr>
+          <p:cNvPr id="4" name="圖片 3"/>
+          <p:cNvPicPr>
+            <a:picLocks noChangeAspect="1"/>
+          </p:cNvPicPr>
+          <p:nvPr/>
+        </p:nvPicPr>
+        <p:blipFill>
+          <a:blip r:embed="rId2"/>
+          <a:stretch>
+            <a:fillRect/>
+          </a:stretch>
+        </p:blipFill>
+        <p:spPr>
+          <a:xfrm>
+            <a:off x="2414073" y="542522"/>
+            <a:ext cx="7363853" cy="5772956"/>
+          </a:xfrm>
+          <a:prstGeom prst="rect">
+            <a:avLst/>
+          </a:prstGeom>
+        </p:spPr>
+      </p:pic>
+      <p:sp>
+        <p:nvSpPr>
+          <p:cNvPr id="6" name="矩形 5"/>
+          <p:cNvSpPr/>
+          <p:nvPr/>
+        </p:nvSpPr>
+        <p:spPr>
+          <a:xfrm>
+            <a:off x="2414073" y="5261956"/>
+            <a:ext cx="7363853" cy="1053522"/>
+          </a:xfrm>
+          <a:prstGeom prst="rect">
+            <a:avLst/>
+          </a:prstGeom>
+          <a:noFill/>
+          <a:ln w="76200">
+            <a:solidFill>
+              <a:srgbClr val="FF0000"/>
+            </a:solidFill>
+          </a:ln>
+        </p:spPr>
+        <p:style>
+          <a:lnRef idx="2">
+            <a:schemeClr val="accent1">
+              <a:shade val="50000"/>
+            </a:schemeClr>
+          </a:lnRef>
+          <a:fillRef idx="1">
+            <a:schemeClr val="accent1"/>
+          </a:fillRef>
+          <a:effectRef idx="0">
+            <a:schemeClr val="accent1"/>
+          </a:effectRef>
+          <a:fontRef idx="minor">
+            <a:schemeClr val="lt1"/>
+          </a:fontRef>
+        </p:style>
+        <p:txBody>
+          <a:bodyPr rtlCol="0" anchor="ctr"/>
+          <a:lstStyle/>
+          <a:p>
+            <a:pPr algn="ctr"/>
+            <a:endParaRPr lang="zh-TW" altLang="en-US"/>
+          </a:p>
+        </p:txBody>
+      </p:sp>
+    </p:spTree>
+    <p:extLst>
+      <p:ext uri="{BB962C8B-B14F-4D97-AF65-F5344CB8AC3E}">
+        <p14:creationId xmlns:p14="http://schemas.microsoft.com/office/powerpoint/2010/main" val="220535420"/>
+      </p:ext>
+    </p:extLst>
+  </p:cSld>
+  <p:clrMapOvr>
+    <a:masterClrMapping/>
+  </p:clrMapOvr>
+</p:sld>
+</file>
+
+<file path=ppt/slides/slide22.xml><?xml version="1.0" encoding="utf-8"?>
+<p:sld xmlns:a="http://schemas.openxmlformats.org/drawingml/2006/main" xmlns:r="http://schemas.openxmlformats.org/officeDocument/2006/relationships" xmlns:p="http://schemas.openxmlformats.org/presentationml/2006/main">
+  <p:cSld>
+    <p:spTree>
+      <p:nvGrpSpPr>
+        <p:cNvPr id="1" name=""/>
+        <p:cNvGrpSpPr/>
+        <p:nvPr/>
+      </p:nvGrpSpPr>
+      <p:grpSpPr>
+        <a:xfrm>
+          <a:off x="0" y="0"/>
+          <a:ext cx="0" cy="0"/>
+          <a:chOff x="0" y="0"/>
+          <a:chExt cx="0" cy="0"/>
+        </a:xfrm>
+      </p:grpSpPr>
+      <p:sp>
+        <p:nvSpPr>
+          <p:cNvPr id="2" name="標題 1">
+            <a:extLst>
+              <a:ext uri="{FF2B5EF4-FFF2-40B4-BE49-F238E27FC236}">
+                <a16:creationId xmlns:a16="http://schemas.microsoft.com/office/drawing/2014/main" id="{10D2B2BD-78D3-BC9A-B5AA-1BCD5F608DE9}"/>
+              </a:ext>
+            </a:extLst>
+          </p:cNvPr>
+          <p:cNvSpPr>
+            <a:spLocks noGrp="1"/>
+          </p:cNvSpPr>
+          <p:nvPr>
+            <p:ph type="title"/>
+          </p:nvPr>
+        </p:nvSpPr>
+        <p:spPr/>
+        <p:txBody>
+          <a:bodyPr/>
+          <a:lstStyle/>
+          <a:p>
+            <a:r>
+              <a:rPr lang="en-US" altLang="zh-TW" dirty="0"/>
+              <a:t>Why did this happen?</a:t>
+            </a:r>
+            <a:endParaRPr lang="zh-TW" altLang="en-US" dirty="0"/>
+          </a:p>
+        </p:txBody>
+      </p:sp>
+    </p:spTree>
+    <p:extLst>
+      <p:ext uri="{BB962C8B-B14F-4D97-AF65-F5344CB8AC3E}">
+        <p14:creationId xmlns:p14="http://schemas.microsoft.com/office/powerpoint/2010/main" val="4026776249"/>
+      </p:ext>
+    </p:extLst>
+  </p:cSld>
+  <p:clrMapOvr>
+    <a:masterClrMapping/>
+  </p:clrMapOvr>
+</p:sld>
+</file>
+
+<file path=ppt/slides/slide23.xml><?xml version="1.0" encoding="utf-8"?>
+<p:sld xmlns:a="http://schemas.openxmlformats.org/drawingml/2006/main" xmlns:r="http://schemas.openxmlformats.org/officeDocument/2006/relationships" xmlns:p="http://schemas.openxmlformats.org/presentationml/2006/main">
+  <p:cSld>
+    <p:spTree>
+      <p:nvGrpSpPr>
+        <p:cNvPr id="1" name=""/>
+        <p:cNvGrpSpPr/>
+        <p:nvPr/>
+      </p:nvGrpSpPr>
+      <p:grpSpPr>
+        <a:xfrm>
+          <a:off x="0" y="0"/>
+          <a:ext cx="0" cy="0"/>
+          <a:chOff x="0" y="0"/>
+          <a:chExt cx="0" cy="0"/>
+        </a:xfrm>
+      </p:grpSpPr>
+      <p:pic>
+        <p:nvPicPr>
+          <p:cNvPr id="7" name="圖片 6" descr="一張含有 文字, 虛構小說, 海報, 虛構角色 的圖片&#10;&#10;自動產生的描述">
+            <a:extLst>
+              <a:ext uri="{FF2B5EF4-FFF2-40B4-BE49-F238E27FC236}">
+                <a16:creationId xmlns:a16="http://schemas.microsoft.com/office/drawing/2014/main" id="{326E9A78-07A9-11BE-C1F5-9E7DD5D7F20B}"/>
+              </a:ext>
+            </a:extLst>
+          </p:cNvPr>
+          <p:cNvPicPr>
+            <a:picLocks noChangeAspect="1"/>
+          </p:cNvPicPr>
+          <p:nvPr/>
+        </p:nvPicPr>
+        <p:blipFill>
+          <a:blip r:embed="rId2">
+            <a:extLst>
+              <a:ext uri="{28A0092B-C50C-407E-A947-70E740481C1C}">
+                <a14:useLocalDpi xmlns:a14="http://schemas.microsoft.com/office/drawing/2010/main" val="0"/>
+              </a:ext>
+            </a:extLst>
+          </a:blip>
+          <a:stretch>
+            <a:fillRect/>
+          </a:stretch>
+        </p:blipFill>
+        <p:spPr>
+          <a:xfrm>
+            <a:off x="0" y="0"/>
+            <a:ext cx="4072832" cy="6858000"/>
+          </a:xfrm>
+          <a:prstGeom prst="rect">
+            <a:avLst/>
+          </a:prstGeom>
+        </p:spPr>
+      </p:pic>
+      <p:sp>
+        <p:nvSpPr>
+          <p:cNvPr id="8" name="文字方塊 7">
+            <a:extLst>
+              <a:ext uri="{FF2B5EF4-FFF2-40B4-BE49-F238E27FC236}">
+                <a16:creationId xmlns:a16="http://schemas.microsoft.com/office/drawing/2014/main" id="{B6BFE548-5DF5-8971-A251-F28CD005B1E9}"/>
+              </a:ext>
+            </a:extLst>
+          </p:cNvPr>
+          <p:cNvSpPr txBox="1"/>
+          <p:nvPr/>
+        </p:nvSpPr>
+        <p:spPr>
+          <a:xfrm>
+            <a:off x="4336330" y="188537"/>
+            <a:ext cx="6617616" cy="1200329"/>
+          </a:xfrm>
+          <a:prstGeom prst="rect">
+            <a:avLst/>
+          </a:prstGeom>
+          <a:noFill/>
+        </p:spPr>
+        <p:txBody>
+          <a:bodyPr wrap="square" rtlCol="0">
+            <a:spAutoFit/>
+          </a:bodyPr>
+          <a:lstStyle/>
+          <a:p>
+            <a:r>
+              <a:rPr lang="en-US" altLang="zh-TW" sz="3600" b="1" dirty="0">
+                <a:solidFill>
+                  <a:srgbClr val="FF0000"/>
+                </a:solidFill>
+              </a:rPr>
+              <a:t>We don’t just listen, </a:t>
+            </a:r>
+          </a:p>
+          <a:p>
+            <a:r>
+              <a:rPr lang="en-US" altLang="zh-TW" sz="3600" b="1" dirty="0">
+                <a:solidFill>
+                  <a:srgbClr val="FF0000"/>
+                </a:solidFill>
+              </a:rPr>
+              <a:t>we think together.</a:t>
+            </a:r>
+          </a:p>
+        </p:txBody>
+      </p:sp>
+    </p:spTree>
+    <p:extLst>
+      <p:ext uri="{BB962C8B-B14F-4D97-AF65-F5344CB8AC3E}">
+        <p14:creationId xmlns:p14="http://schemas.microsoft.com/office/powerpoint/2010/main" val="353623656"/>
+      </p:ext>
+    </p:extLst>
+  </p:cSld>
+  <p:clrMapOvr>
+    <a:masterClrMapping/>
+  </p:clrMapOvr>
+</p:sld>
+</file>
+
+<file path=ppt/slides/slide24.xml><?xml version="1.0" encoding="utf-8"?>
+<p:sld xmlns:a="http://schemas.openxmlformats.org/drawingml/2006/main" xmlns:r="http://schemas.openxmlformats.org/officeDocument/2006/relationships" xmlns:p="http://schemas.openxmlformats.org/presentationml/2006/main">
+  <p:cSld>
+    <p:spTree>
+      <p:nvGrpSpPr>
+        <p:cNvPr id="1" name=""/>
+        <p:cNvGrpSpPr/>
+        <p:nvPr/>
+      </p:nvGrpSpPr>
+      <p:grpSpPr>
+        <a:xfrm>
+          <a:off x="0" y="0"/>
+          <a:ext cx="0" cy="0"/>
+          <a:chOff x="0" y="0"/>
+          <a:chExt cx="0" cy="0"/>
+        </a:xfrm>
+      </p:grpSpPr>
+      <p:pic>
+        <p:nvPicPr>
+          <p:cNvPr id="6" name="圖片 5" descr="一張含有 文字, 輪, 運動配備, 服裝 的圖片&#10;&#10;自動產生的描述">
+            <a:extLst>
+              <a:ext uri="{FF2B5EF4-FFF2-40B4-BE49-F238E27FC236}">
+                <a16:creationId xmlns:a16="http://schemas.microsoft.com/office/drawing/2014/main" id="{AF6FC504-8C31-EC22-D151-A33796F3C364}"/>
+              </a:ext>
+            </a:extLst>
+          </p:cNvPr>
+          <p:cNvPicPr>
+            <a:picLocks noChangeAspect="1"/>
+          </p:cNvPicPr>
+          <p:nvPr/>
+        </p:nvPicPr>
+        <p:blipFill rotWithShape="1">
+          <a:blip r:embed="rId2">
+            <a:extLst>
+              <a:ext uri="{28A0092B-C50C-407E-A947-70E740481C1C}">
+                <a14:useLocalDpi xmlns:a14="http://schemas.microsoft.com/office/drawing/2010/main" val="0"/>
+              </a:ext>
+            </a:extLst>
+          </a:blip>
+          <a:srcRect t="22964"/>
+          <a:stretch/>
+        </p:blipFill>
+        <p:spPr>
+          <a:xfrm>
+            <a:off x="0" y="0"/>
+            <a:ext cx="6359094" cy="6858000"/>
+          </a:xfrm>
+          <a:prstGeom prst="rect">
+            <a:avLst/>
+          </a:prstGeom>
+        </p:spPr>
+      </p:pic>
+      <p:pic>
+        <p:nvPicPr>
+          <p:cNvPr id="8" name="圖片 7">
+            <a:extLst>
+              <a:ext uri="{FF2B5EF4-FFF2-40B4-BE49-F238E27FC236}">
+                <a16:creationId xmlns:a16="http://schemas.microsoft.com/office/drawing/2014/main" id="{6BB72CF2-633B-19FD-DD5E-113BB924DC41}"/>
+              </a:ext>
+            </a:extLst>
+          </p:cNvPr>
+          <p:cNvPicPr>
+            <a:picLocks noChangeAspect="1"/>
+          </p:cNvPicPr>
+          <p:nvPr/>
+        </p:nvPicPr>
+        <p:blipFill>
+          <a:blip r:embed="rId3"/>
+          <a:stretch>
+            <a:fillRect/>
+          </a:stretch>
+        </p:blipFill>
+        <p:spPr>
+          <a:xfrm>
+            <a:off x="6376960" y="2903457"/>
+            <a:ext cx="5815040" cy="1894788"/>
+          </a:xfrm>
+          <a:prstGeom prst="rect">
+            <a:avLst/>
+          </a:prstGeom>
+        </p:spPr>
+      </p:pic>
+      <p:cxnSp>
+        <p:nvCxnSpPr>
+          <p:cNvPr id="12" name="直線接點 11">
+            <a:extLst>
+              <a:ext uri="{FF2B5EF4-FFF2-40B4-BE49-F238E27FC236}">
+                <a16:creationId xmlns:a16="http://schemas.microsoft.com/office/drawing/2014/main" id="{64F211CA-4E37-7F68-9429-805D0A8AE67D}"/>
+              </a:ext>
+            </a:extLst>
+          </p:cNvPr>
+          <p:cNvCxnSpPr/>
+          <p:nvPr/>
+        </p:nvCxnSpPr>
+        <p:spPr>
+          <a:xfrm>
+            <a:off x="11245190" y="3648172"/>
+            <a:ext cx="320511" cy="0"/>
+          </a:xfrm>
+          <a:prstGeom prst="line">
+            <a:avLst/>
+          </a:prstGeom>
+          <a:ln w="57150">
+            <a:solidFill>
+              <a:srgbClr val="FF0000"/>
+            </a:solidFill>
+          </a:ln>
+        </p:spPr>
+        <p:style>
+          <a:lnRef idx="2">
+            <a:schemeClr val="accent1"/>
+          </a:lnRef>
+          <a:fillRef idx="0">
+            <a:schemeClr val="accent1"/>
+          </a:fillRef>
+          <a:effectRef idx="1">
+            <a:schemeClr val="accent1"/>
+          </a:effectRef>
+          <a:fontRef idx="minor">
+            <a:schemeClr val="tx1"/>
+          </a:fontRef>
+        </p:style>
+      </p:cxnSp>
+      <p:cxnSp>
+        <p:nvCxnSpPr>
+          <p:cNvPr id="13" name="直線接點 12">
+            <a:extLst>
+              <a:ext uri="{FF2B5EF4-FFF2-40B4-BE49-F238E27FC236}">
+                <a16:creationId xmlns:a16="http://schemas.microsoft.com/office/drawing/2014/main" id="{CFC89D52-4D28-4AB0-D695-89678C127690}"/>
+              </a:ext>
+            </a:extLst>
+          </p:cNvPr>
+          <p:cNvCxnSpPr>
+            <a:cxnSpLocks/>
+          </p:cNvCxnSpPr>
+          <p:nvPr/>
+        </p:nvCxnSpPr>
+        <p:spPr>
+          <a:xfrm>
+            <a:off x="6816163" y="3923121"/>
+            <a:ext cx="4749538" cy="0"/>
+          </a:xfrm>
+          <a:prstGeom prst="line">
+            <a:avLst/>
+          </a:prstGeom>
+          <a:ln w="57150">
+            <a:solidFill>
+              <a:srgbClr val="FF0000"/>
+            </a:solidFill>
+          </a:ln>
+        </p:spPr>
+        <p:style>
+          <a:lnRef idx="2">
+            <a:schemeClr val="accent1"/>
+          </a:lnRef>
+          <a:fillRef idx="0">
+            <a:schemeClr val="accent1"/>
+          </a:fillRef>
+          <a:effectRef idx="1">
+            <a:schemeClr val="accent1"/>
+          </a:effectRef>
+          <a:fontRef idx="minor">
+            <a:schemeClr val="tx1"/>
+          </a:fontRef>
+        </p:style>
+      </p:cxnSp>
+      <p:cxnSp>
+        <p:nvCxnSpPr>
+          <p:cNvPr id="15" name="直線接點 14">
+            <a:extLst>
+              <a:ext uri="{FF2B5EF4-FFF2-40B4-BE49-F238E27FC236}">
+                <a16:creationId xmlns:a16="http://schemas.microsoft.com/office/drawing/2014/main" id="{6DD254DA-41F4-991B-4D06-6E12F9263018}"/>
+              </a:ext>
+            </a:extLst>
+          </p:cNvPr>
+          <p:cNvCxnSpPr>
+            <a:cxnSpLocks/>
+          </p:cNvCxnSpPr>
+          <p:nvPr/>
+        </p:nvCxnSpPr>
+        <p:spPr>
+          <a:xfrm>
+            <a:off x="6816163" y="4188643"/>
+            <a:ext cx="4429027" cy="0"/>
+          </a:xfrm>
+          <a:prstGeom prst="line">
+            <a:avLst/>
+          </a:prstGeom>
+          <a:ln w="57150">
+            <a:solidFill>
+              <a:srgbClr val="FF0000"/>
+            </a:solidFill>
+          </a:ln>
+        </p:spPr>
+        <p:style>
+          <a:lnRef idx="2">
+            <a:schemeClr val="accent1"/>
+          </a:lnRef>
+          <a:fillRef idx="0">
+            <a:schemeClr val="accent1"/>
+          </a:fillRef>
+          <a:effectRef idx="1">
+            <a:schemeClr val="accent1"/>
+          </a:effectRef>
+          <a:fontRef idx="minor">
+            <a:schemeClr val="tx1"/>
+          </a:fontRef>
+        </p:style>
+      </p:cxnSp>
+      <p:cxnSp>
+        <p:nvCxnSpPr>
+          <p:cNvPr id="16" name="直線接點 15">
+            <a:extLst>
+              <a:ext uri="{FF2B5EF4-FFF2-40B4-BE49-F238E27FC236}">
+                <a16:creationId xmlns:a16="http://schemas.microsoft.com/office/drawing/2014/main" id="{2DFDF37C-BFF1-BB1E-D071-3B1E96253BE0}"/>
+              </a:ext>
+            </a:extLst>
+          </p:cNvPr>
+          <p:cNvCxnSpPr>
+            <a:cxnSpLocks/>
+          </p:cNvCxnSpPr>
+          <p:nvPr/>
+        </p:nvCxnSpPr>
+        <p:spPr>
+          <a:xfrm>
+            <a:off x="6816163" y="4454165"/>
+            <a:ext cx="4966355" cy="0"/>
+          </a:xfrm>
+          <a:prstGeom prst="line">
+            <a:avLst/>
+          </a:prstGeom>
+          <a:ln w="57150">
+            <a:solidFill>
+              <a:srgbClr val="FF0000"/>
+            </a:solidFill>
+          </a:ln>
+        </p:spPr>
+        <p:style>
+          <a:lnRef idx="2">
+            <a:schemeClr val="accent1"/>
+          </a:lnRef>
+          <a:fillRef idx="0">
+            <a:schemeClr val="accent1"/>
+          </a:fillRef>
+          <a:effectRef idx="1">
+            <a:schemeClr val="accent1"/>
+          </a:effectRef>
+          <a:fontRef idx="minor">
+            <a:schemeClr val="tx1"/>
+          </a:fontRef>
+        </p:style>
+      </p:cxnSp>
+      <p:cxnSp>
+        <p:nvCxnSpPr>
+          <p:cNvPr id="17" name="直線接點 16">
+            <a:extLst>
+              <a:ext uri="{FF2B5EF4-FFF2-40B4-BE49-F238E27FC236}">
+                <a16:creationId xmlns:a16="http://schemas.microsoft.com/office/drawing/2014/main" id="{C5E9A16C-C9F7-7B58-6DD7-CD3008E34C3B}"/>
+              </a:ext>
+            </a:extLst>
+          </p:cNvPr>
+          <p:cNvCxnSpPr>
+            <a:cxnSpLocks/>
+          </p:cNvCxnSpPr>
+          <p:nvPr/>
+        </p:nvCxnSpPr>
+        <p:spPr>
+          <a:xfrm>
+            <a:off x="6816163" y="4710260"/>
+            <a:ext cx="1054231" cy="0"/>
+          </a:xfrm>
+          <a:prstGeom prst="line">
+            <a:avLst/>
+          </a:prstGeom>
+          <a:ln w="57150">
+            <a:solidFill>
+              <a:srgbClr val="FF0000"/>
+            </a:solidFill>
+          </a:ln>
+        </p:spPr>
+        <p:style>
+          <a:lnRef idx="2">
+            <a:schemeClr val="accent1"/>
+          </a:lnRef>
+          <a:fillRef idx="0">
+            <a:schemeClr val="accent1"/>
+          </a:fillRef>
+          <a:effectRef idx="1">
+            <a:schemeClr val="accent1"/>
+          </a:effectRef>
+          <a:fontRef idx="minor">
+            <a:schemeClr val="tx1"/>
+          </a:fontRef>
+        </p:style>
+      </p:cxnSp>
+      <p:pic>
+        <p:nvPicPr>
+          <p:cNvPr id="22" name="圖片 21">
+            <a:extLst>
+              <a:ext uri="{FF2B5EF4-FFF2-40B4-BE49-F238E27FC236}">
+                <a16:creationId xmlns:a16="http://schemas.microsoft.com/office/drawing/2014/main" id="{027A07BD-66B2-3A8C-0DED-9F590507BD33}"/>
+              </a:ext>
+            </a:extLst>
+          </p:cNvPr>
+          <p:cNvPicPr>
+            <a:picLocks noChangeAspect="1"/>
+          </p:cNvPicPr>
+          <p:nvPr/>
+        </p:nvPicPr>
+        <p:blipFill rotWithShape="1">
+          <a:blip r:embed="rId4"/>
+          <a:srcRect l="2202" t="8376" r="1499" b="4933"/>
+          <a:stretch/>
+        </p:blipFill>
+        <p:spPr>
+          <a:xfrm>
+            <a:off x="6456405" y="-34564"/>
+            <a:ext cx="5656150" cy="2815472"/>
+          </a:xfrm>
+          <a:prstGeom prst="rect">
+            <a:avLst/>
+          </a:prstGeom>
+        </p:spPr>
+      </p:pic>
+    </p:spTree>
+    <p:extLst>
+      <p:ext uri="{BB962C8B-B14F-4D97-AF65-F5344CB8AC3E}">
+        <p14:creationId xmlns:p14="http://schemas.microsoft.com/office/powerpoint/2010/main" val="2153739365"/>
+      </p:ext>
+    </p:extLst>
+  </p:cSld>
+  <p:clrMapOvr>
+    <a:masterClrMapping/>
+  </p:clrMapOvr>
+</p:sld>
+</file>
+
+<file path=ppt/slides/slide25.xml><?xml version="1.0" encoding="utf-8"?>
+<p:sld xmlns:a="http://schemas.openxmlformats.org/drawingml/2006/main" xmlns:r="http://schemas.openxmlformats.org/officeDocument/2006/relationships" xmlns:p="http://schemas.openxmlformats.org/presentationml/2006/main">
+  <p:cSld>
+    <p:spTree>
+      <p:nvGrpSpPr>
+        <p:cNvPr id="1" name=""/>
+        <p:cNvGrpSpPr/>
+        <p:nvPr/>
+      </p:nvGrpSpPr>
+      <p:grpSpPr>
+        <a:xfrm>
+          <a:off x="0" y="0"/>
+          <a:ext cx="0" cy="0"/>
+          <a:chOff x="0" y="0"/>
+          <a:chExt cx="0" cy="0"/>
+        </a:xfrm>
+      </p:grpSpPr>
+      <p:sp>
+        <p:nvSpPr>
+          <p:cNvPr id="2" name="標題 1">
+            <a:extLst>
+              <a:ext uri="{FF2B5EF4-FFF2-40B4-BE49-F238E27FC236}">
+                <a16:creationId xmlns:a16="http://schemas.microsoft.com/office/drawing/2014/main" id="{C4058BC1-340C-EA8C-74D7-C2E9F34EAE94}"/>
+              </a:ext>
+            </a:extLst>
+          </p:cNvPr>
+          <p:cNvSpPr>
+            <a:spLocks noGrp="1"/>
+          </p:cNvSpPr>
+          <p:nvPr>
+            <p:ph type="ctrTitle"/>
+          </p:nvPr>
+        </p:nvSpPr>
+        <p:spPr>
+          <a:xfrm>
+            <a:off x="3066853" y="2102701"/>
+            <a:ext cx="6058293" cy="1804186"/>
+          </a:xfrm>
+        </p:spPr>
+        <p:txBody>
+          <a:bodyPr/>
+          <a:lstStyle/>
+          <a:p>
+            <a:r>
+              <a:rPr lang="en-US" altLang="zh-TW" dirty="0">
+                <a:solidFill>
+                  <a:srgbClr val="FF0000"/>
+                </a:solidFill>
+              </a:rPr>
+              <a:t>L</a:t>
+            </a:r>
+            <a:r>
+              <a:rPr lang="en-US" altLang="zh-TW" dirty="0"/>
+              <a:t>inguistic </a:t>
+            </a:r>
+            <a:r>
+              <a:rPr lang="en-US" altLang="zh-TW" dirty="0">
+                <a:solidFill>
+                  <a:srgbClr val="FF0000"/>
+                </a:solidFill>
+              </a:rPr>
+              <a:t>O</a:t>
+            </a:r>
+            <a:r>
+              <a:rPr lang="en-US" altLang="zh-TW" dirty="0"/>
+              <a:t>riented</a:t>
+            </a:r>
+            <a:br>
+              <a:rPr lang="en-US" altLang="zh-TW" dirty="0"/>
+            </a:br>
+            <a:r>
+              <a:rPr lang="en-US" altLang="zh-TW" dirty="0">
+                <a:solidFill>
+                  <a:srgbClr val="FF0000"/>
+                </a:solidFill>
+              </a:rPr>
+              <a:t>K</a:t>
+            </a:r>
+            <a:r>
+              <a:rPr lang="en-US" altLang="zh-TW" dirty="0"/>
+              <a:t>eyword </a:t>
+            </a:r>
+            <a:r>
+              <a:rPr lang="en-US" altLang="zh-TW" dirty="0">
+                <a:solidFill>
+                  <a:srgbClr val="FF0000"/>
+                </a:solidFill>
+              </a:rPr>
+              <a:t>I</a:t>
+            </a:r>
+            <a:r>
+              <a:rPr lang="en-US" altLang="zh-TW" dirty="0"/>
+              <a:t>nterface</a:t>
+            </a:r>
+            <a:endParaRPr lang="zh-TW" altLang="en-US" dirty="0"/>
+          </a:p>
+        </p:txBody>
+      </p:sp>
+    </p:spTree>
+    <p:extLst>
+      <p:ext uri="{BB962C8B-B14F-4D97-AF65-F5344CB8AC3E}">
+        <p14:creationId xmlns:p14="http://schemas.microsoft.com/office/powerpoint/2010/main" val="3003501381"/>
+      </p:ext>
+    </p:extLst>
+  </p:cSld>
+  <p:clrMapOvr>
+    <a:masterClrMapping/>
+  </p:clrMapOvr>
+</p:sld>
+</file>
+
+<file path=ppt/slides/slide26.xml><?xml version="1.0" encoding="utf-8"?>
+<p:sld xmlns:a="http://schemas.openxmlformats.org/drawingml/2006/main" xmlns:r="http://schemas.openxmlformats.org/officeDocument/2006/relationships" xmlns:p="http://schemas.openxmlformats.org/presentationml/2006/main">
+  <p:cSld>
+    <p:spTree>
+      <p:nvGrpSpPr>
+        <p:cNvPr id="1" name=""/>
+        <p:cNvGrpSpPr/>
+        <p:nvPr/>
+      </p:nvGrpSpPr>
+      <p:grpSpPr>
+        <a:xfrm>
+          <a:off x="0" y="0"/>
+          <a:ext cx="0" cy="0"/>
+          <a:chOff x="0" y="0"/>
+          <a:chExt cx="0" cy="0"/>
+        </a:xfrm>
+      </p:grpSpPr>
       <p:pic>
         <p:nvPicPr>
           <p:cNvPr id="6" name="圖片 5" descr="一張含有 服裝, 人員, 文字, 足部穿著 的圖片&#10;&#10;自動產生的描述">
@@ -3889,7 +6191,7 @@
 </p:sld>
 </file>
 
-<file path=ppt/slides/slide15.xml><?xml version="1.0" encoding="utf-8"?>
+<file path=ppt/slides/slide27.xml><?xml version="1.0" encoding="utf-8"?>
 <p:sld xmlns:a="http://schemas.openxmlformats.org/drawingml/2006/main" xmlns:r="http://schemas.openxmlformats.org/officeDocument/2006/relationships" xmlns:p="http://schemas.openxmlformats.org/presentationml/2006/main">
   <p:cSld>
     <p:spTree>
@@ -4505,7 +6807,7 @@
 </p:sld>
 </file>
 
-<file path=ppt/slides/slide16.xml><?xml version="1.0" encoding="utf-8"?>
+<file path=ppt/slides/slide28.xml><?xml version="1.0" encoding="utf-8"?>
 <p:sld xmlns:a="http://schemas.openxmlformats.org/drawingml/2006/main" xmlns:r="http://schemas.openxmlformats.org/officeDocument/2006/relationships" xmlns:p="http://schemas.openxmlformats.org/presentationml/2006/main">
   <p:cSld>
     <p:spTree>
@@ -4889,7 +7191,7 @@
 </p:sld>
 </file>
 
-<file path=ppt/slides/slide17.xml><?xml version="1.0" encoding="utf-8"?>
+<file path=ppt/slides/slide29.xml><?xml version="1.0" encoding="utf-8"?>
 <p:sld xmlns:a="http://schemas.openxmlformats.org/drawingml/2006/main" xmlns:r="http://schemas.openxmlformats.org/officeDocument/2006/relationships" xmlns:p="http://schemas.openxmlformats.org/presentationml/2006/main">
   <p:cSld>
     <p:spTree>
@@ -5603,7 +7905,205 @@
 </p:sld>
 </file>
 
-<file path=ppt/slides/slide18.xml><?xml version="1.0" encoding="utf-8"?>
+<file path=ppt/slides/slide3.xml><?xml version="1.0" encoding="utf-8"?>
+<p:sld xmlns:a="http://schemas.openxmlformats.org/drawingml/2006/main" xmlns:r="http://schemas.openxmlformats.org/officeDocument/2006/relationships" xmlns:p="http://schemas.openxmlformats.org/presentationml/2006/main">
+  <p:cSld>
+    <p:spTree>
+      <p:nvGrpSpPr>
+        <p:cNvPr id="1" name=""/>
+        <p:cNvGrpSpPr/>
+        <p:nvPr/>
+      </p:nvGrpSpPr>
+      <p:grpSpPr>
+        <a:xfrm>
+          <a:off x="0" y="0"/>
+          <a:ext cx="0" cy="0"/>
+          <a:chOff x="0" y="0"/>
+          <a:chExt cx="0" cy="0"/>
+        </a:xfrm>
+      </p:grpSpPr>
+      <p:sp>
+        <p:nvSpPr>
+          <p:cNvPr id="2" name="標題 1">
+            <a:extLst>
+              <a:ext uri="{FF2B5EF4-FFF2-40B4-BE49-F238E27FC236}">
+                <a16:creationId xmlns:a16="http://schemas.microsoft.com/office/drawing/2014/main" id="{183022C8-FB43-6701-EFBC-4B9F3ABD5DD0}"/>
+              </a:ext>
+            </a:extLst>
+          </p:cNvPr>
+          <p:cNvSpPr>
+            <a:spLocks noGrp="1"/>
+          </p:cNvSpPr>
+          <p:nvPr>
+            <p:ph type="title"/>
+          </p:nvPr>
+        </p:nvSpPr>
+        <p:spPr>
+          <a:xfrm>
+            <a:off x="546370" y="30246"/>
+            <a:ext cx="10515600" cy="1325563"/>
+          </a:xfrm>
+        </p:spPr>
+        <p:txBody>
+          <a:bodyPr/>
+          <a:lstStyle/>
+          <a:p>
+            <a:r>
+              <a:rPr lang="en-US" altLang="zh-TW" dirty="0"/>
+              <a:t>Recap </a:t>
+            </a:r>
+            <a:endParaRPr lang="zh-TW" altLang="en-US" dirty="0"/>
+          </a:p>
+        </p:txBody>
+      </p:sp>
+      <p:pic>
+        <p:nvPicPr>
+          <p:cNvPr id="5" name="圖片 4">
+            <a:extLst>
+              <a:ext uri="{FF2B5EF4-FFF2-40B4-BE49-F238E27FC236}">
+                <a16:creationId xmlns:a16="http://schemas.microsoft.com/office/drawing/2014/main" id="{658155E0-135F-2DA5-B853-C24546B61A72}"/>
+              </a:ext>
+            </a:extLst>
+          </p:cNvPr>
+          <p:cNvPicPr>
+            <a:picLocks noChangeAspect="1"/>
+          </p:cNvPicPr>
+          <p:nvPr/>
+        </p:nvPicPr>
+        <p:blipFill>
+          <a:blip r:embed="rId2"/>
+          <a:stretch>
+            <a:fillRect/>
+          </a:stretch>
+        </p:blipFill>
+        <p:spPr>
+          <a:xfrm>
+            <a:off x="0" y="1355809"/>
+            <a:ext cx="12192000" cy="2690898"/>
+          </a:xfrm>
+          <a:prstGeom prst="rect">
+            <a:avLst/>
+          </a:prstGeom>
+        </p:spPr>
+      </p:pic>
+      <p:pic>
+        <p:nvPicPr>
+          <p:cNvPr id="6" name="圖片 5">
+            <a:extLst>
+              <a:ext uri="{FF2B5EF4-FFF2-40B4-BE49-F238E27FC236}">
+                <a16:creationId xmlns:a16="http://schemas.microsoft.com/office/drawing/2014/main" id="{17CDA668-59C9-D05E-A3B5-3070DB5639AA}"/>
+              </a:ext>
+            </a:extLst>
+          </p:cNvPr>
+          <p:cNvPicPr>
+            <a:picLocks noChangeAspect="1"/>
+          </p:cNvPicPr>
+          <p:nvPr/>
+        </p:nvPicPr>
+        <p:blipFill>
+          <a:blip r:embed="rId3"/>
+          <a:stretch>
+            <a:fillRect/>
+          </a:stretch>
+        </p:blipFill>
+        <p:spPr>
+          <a:xfrm>
+            <a:off x="0" y="4178480"/>
+            <a:ext cx="12192000" cy="2679520"/>
+          </a:xfrm>
+          <a:prstGeom prst="rect">
+            <a:avLst/>
+          </a:prstGeom>
+        </p:spPr>
+      </p:pic>
+      <p:sp>
+        <p:nvSpPr>
+          <p:cNvPr id="7" name="文字方塊 6">
+            <a:extLst>
+              <a:ext uri="{FF2B5EF4-FFF2-40B4-BE49-F238E27FC236}">
+                <a16:creationId xmlns:a16="http://schemas.microsoft.com/office/drawing/2014/main" id="{6B1BD0EB-5955-39A7-5712-DC7EA74FCE36}"/>
+              </a:ext>
+            </a:extLst>
+          </p:cNvPr>
+          <p:cNvSpPr txBox="1"/>
+          <p:nvPr/>
+        </p:nvSpPr>
+        <p:spPr>
+          <a:xfrm>
+            <a:off x="3808429" y="5607547"/>
+            <a:ext cx="2287571" cy="778213"/>
+          </a:xfrm>
+          <a:prstGeom prst="rect">
+            <a:avLst/>
+          </a:prstGeom>
+          <a:noFill/>
+          <a:ln w="57150">
+            <a:solidFill>
+              <a:srgbClr val="FF0000"/>
+            </a:solidFill>
+          </a:ln>
+        </p:spPr>
+        <p:txBody>
+          <a:bodyPr wrap="square" rtlCol="0">
+            <a:spAutoFit/>
+          </a:bodyPr>
+          <a:lstStyle/>
+          <a:p>
+            <a:endParaRPr lang="zh-TW" altLang="en-US" dirty="0"/>
+          </a:p>
+        </p:txBody>
+      </p:sp>
+      <p:sp>
+        <p:nvSpPr>
+          <p:cNvPr id="8" name="文字方塊 7">
+            <a:extLst>
+              <a:ext uri="{FF2B5EF4-FFF2-40B4-BE49-F238E27FC236}">
+                <a16:creationId xmlns:a16="http://schemas.microsoft.com/office/drawing/2014/main" id="{A067DC1D-838A-ACDF-5341-67D64D2A0018}"/>
+              </a:ext>
+            </a:extLst>
+          </p:cNvPr>
+          <p:cNvSpPr txBox="1"/>
+          <p:nvPr/>
+        </p:nvSpPr>
+        <p:spPr>
+          <a:xfrm>
+            <a:off x="3503629" y="2802739"/>
+            <a:ext cx="3111180" cy="778213"/>
+          </a:xfrm>
+          <a:prstGeom prst="rect">
+            <a:avLst/>
+          </a:prstGeom>
+          <a:noFill/>
+          <a:ln w="57150">
+            <a:solidFill>
+              <a:srgbClr val="FF0000"/>
+            </a:solidFill>
+          </a:ln>
+        </p:spPr>
+        <p:txBody>
+          <a:bodyPr wrap="square" rtlCol="0">
+            <a:spAutoFit/>
+          </a:bodyPr>
+          <a:lstStyle/>
+          <a:p>
+            <a:endParaRPr lang="zh-TW" altLang="en-US" dirty="0"/>
+          </a:p>
+        </p:txBody>
+      </p:sp>
+    </p:spTree>
+    <p:extLst>
+      <p:ext uri="{BB962C8B-B14F-4D97-AF65-F5344CB8AC3E}">
+        <p14:creationId xmlns:p14="http://schemas.microsoft.com/office/powerpoint/2010/main" val="1804866463"/>
+      </p:ext>
+    </p:extLst>
+  </p:cSld>
+  <p:clrMapOvr>
+    <a:masterClrMapping/>
+  </p:clrMapOvr>
+</p:sld>
+</file>
+
+<file path=ppt/slides/slide30.xml><?xml version="1.0" encoding="utf-8"?>
 <p:sld xmlns:a="http://schemas.openxmlformats.org/drawingml/2006/main" xmlns:r="http://schemas.openxmlformats.org/officeDocument/2006/relationships" xmlns:p="http://schemas.openxmlformats.org/presentationml/2006/main">
   <p:cSld>
     <p:spTree>
@@ -6161,7 +8661,7 @@
 </p:sld>
 </file>
 
-<file path=ppt/slides/slide19.xml><?xml version="1.0" encoding="utf-8"?>
+<file path=ppt/slides/slide31.xml><?xml version="1.0" encoding="utf-8"?>
 <p:sld xmlns:a="http://schemas.openxmlformats.org/drawingml/2006/main" xmlns:r="http://schemas.openxmlformats.org/officeDocument/2006/relationships" xmlns:p="http://schemas.openxmlformats.org/presentationml/2006/main">
   <p:cSld>
     <p:spTree>
@@ -6192,7 +8692,7 @@
         </p:nvSpPr>
         <p:spPr>
           <a:xfrm>
-            <a:off x="2686636" y="388855"/>
+            <a:off x="320508" y="322868"/>
             <a:ext cx="5995449" cy="6080289"/>
           </a:xfrm>
           <a:prstGeom prst="ellipse">
@@ -6244,7 +8744,7 @@
         </p:nvSpPr>
         <p:spPr>
           <a:xfrm>
-            <a:off x="2936448" y="681085"/>
+            <a:off x="570320" y="615098"/>
             <a:ext cx="5085763" cy="5125826"/>
           </a:xfrm>
           <a:prstGeom prst="ellipse">
@@ -6253,7 +8753,7 @@
           <a:noFill/>
           <a:ln w="76200">
             <a:solidFill>
-              <a:schemeClr val="tx1"/>
+              <a:srgbClr val="FF0000"/>
             </a:solidFill>
           </a:ln>
         </p:spPr>
@@ -6278,7 +8778,11 @@
           <a:lstStyle/>
           <a:p>
             <a:pPr algn="ctr"/>
-            <a:endParaRPr lang="zh-TW" altLang="en-US"/>
+            <a:endParaRPr lang="zh-TW" altLang="en-US">
+              <a:solidFill>
+                <a:srgbClr val="FF0000"/>
+              </a:solidFill>
+            </a:endParaRPr>
           </a:p>
         </p:txBody>
       </p:sp>
@@ -6296,7 +8800,7 @@
         </p:nvSpPr>
         <p:spPr>
           <a:xfrm>
-            <a:off x="3207466" y="965461"/>
+            <a:off x="841338" y="899474"/>
             <a:ext cx="4192576" cy="4351257"/>
           </a:xfrm>
           <a:prstGeom prst="ellipse">
@@ -6305,7 +8809,10 @@
           <a:noFill/>
           <a:ln w="76200">
             <a:solidFill>
-              <a:schemeClr val="tx1"/>
+              <a:schemeClr val="tx2">
+                <a:lumMod val="50000"/>
+                <a:lumOff val="50000"/>
+              </a:schemeClr>
             </a:solidFill>
           </a:ln>
         </p:spPr>
@@ -6334,304 +8841,258 @@
           </a:p>
         </p:txBody>
       </p:sp>
+      <p:cxnSp>
+        <p:nvCxnSpPr>
+          <p:cNvPr id="6" name="直線單箭頭接點 5">
+            <a:extLst>
+              <a:ext uri="{FF2B5EF4-FFF2-40B4-BE49-F238E27FC236}">
+                <a16:creationId xmlns:a16="http://schemas.microsoft.com/office/drawing/2014/main" id="{CBF175BC-0BE6-C17C-423C-68A5F7E6D990}"/>
+              </a:ext>
+            </a:extLst>
+          </p:cNvPr>
+          <p:cNvCxnSpPr/>
+          <p:nvPr/>
+        </p:nvCxnSpPr>
+        <p:spPr>
+          <a:xfrm>
+            <a:off x="5073192" y="2961589"/>
+            <a:ext cx="2045616" cy="0"/>
+          </a:xfrm>
+          <a:prstGeom prst="straightConnector1">
+            <a:avLst/>
+          </a:prstGeom>
+          <a:ln w="76200">
+            <a:solidFill>
+              <a:schemeClr val="tx2">
+                <a:lumMod val="50000"/>
+                <a:lumOff val="50000"/>
+              </a:schemeClr>
+            </a:solidFill>
+            <a:tailEnd type="triangle"/>
+          </a:ln>
+        </p:spPr>
+        <p:style>
+          <a:lnRef idx="2">
+            <a:schemeClr val="accent1"/>
+          </a:lnRef>
+          <a:fillRef idx="0">
+            <a:schemeClr val="accent1"/>
+          </a:fillRef>
+          <a:effectRef idx="1">
+            <a:schemeClr val="accent1"/>
+          </a:effectRef>
+          <a:fontRef idx="minor">
+            <a:schemeClr val="tx1"/>
+          </a:fontRef>
+        </p:style>
+      </p:cxnSp>
+      <p:cxnSp>
+        <p:nvCxnSpPr>
+          <p:cNvPr id="7" name="直線單箭頭接點 6">
+            <a:extLst>
+              <a:ext uri="{FF2B5EF4-FFF2-40B4-BE49-F238E27FC236}">
+                <a16:creationId xmlns:a16="http://schemas.microsoft.com/office/drawing/2014/main" id="{1B6784BD-14B3-476D-9798-1E6034390B54}"/>
+              </a:ext>
+            </a:extLst>
+          </p:cNvPr>
+          <p:cNvCxnSpPr/>
+          <p:nvPr/>
+        </p:nvCxnSpPr>
+        <p:spPr>
+          <a:xfrm>
+            <a:off x="5535105" y="3989111"/>
+            <a:ext cx="2045616" cy="0"/>
+          </a:xfrm>
+          <a:prstGeom prst="straightConnector1">
+            <a:avLst/>
+          </a:prstGeom>
+          <a:ln w="76200">
+            <a:solidFill>
+              <a:srgbClr val="FF0000"/>
+            </a:solidFill>
+            <a:tailEnd type="triangle"/>
+          </a:ln>
+        </p:spPr>
+        <p:style>
+          <a:lnRef idx="2">
+            <a:schemeClr val="accent1"/>
+          </a:lnRef>
+          <a:fillRef idx="0">
+            <a:schemeClr val="accent1"/>
+          </a:fillRef>
+          <a:effectRef idx="1">
+            <a:schemeClr val="accent1"/>
+          </a:effectRef>
+          <a:fontRef idx="minor">
+            <a:schemeClr val="tx1"/>
+          </a:fontRef>
+        </p:style>
+      </p:cxnSp>
+      <p:cxnSp>
+        <p:nvCxnSpPr>
+          <p:cNvPr id="8" name="直線單箭頭接點 7">
+            <a:extLst>
+              <a:ext uri="{FF2B5EF4-FFF2-40B4-BE49-F238E27FC236}">
+                <a16:creationId xmlns:a16="http://schemas.microsoft.com/office/drawing/2014/main" id="{B9A211DA-9FE0-1497-77CA-1ACEEFE93041}"/>
+              </a:ext>
+            </a:extLst>
+          </p:cNvPr>
+          <p:cNvCxnSpPr/>
+          <p:nvPr/>
+        </p:nvCxnSpPr>
+        <p:spPr>
+          <a:xfrm>
+            <a:off x="5952246" y="1934066"/>
+            <a:ext cx="2045616" cy="0"/>
+          </a:xfrm>
+          <a:prstGeom prst="straightConnector1">
+            <a:avLst/>
+          </a:prstGeom>
+          <a:ln w="76200">
+            <a:solidFill>
+              <a:schemeClr val="tx1">
+                <a:lumMod val="75000"/>
+                <a:lumOff val="25000"/>
+              </a:schemeClr>
+            </a:solidFill>
+            <a:tailEnd type="triangle"/>
+          </a:ln>
+        </p:spPr>
+        <p:style>
+          <a:lnRef idx="2">
+            <a:schemeClr val="accent1"/>
+          </a:lnRef>
+          <a:fillRef idx="0">
+            <a:schemeClr val="accent1"/>
+          </a:fillRef>
+          <a:effectRef idx="1">
+            <a:schemeClr val="accent1"/>
+          </a:effectRef>
+          <a:fontRef idx="minor">
+            <a:schemeClr val="tx1"/>
+          </a:fontRef>
+        </p:style>
+      </p:cxnSp>
+      <p:sp>
+        <p:nvSpPr>
+          <p:cNvPr id="9" name="文字方塊 8">
+            <a:extLst>
+              <a:ext uri="{FF2B5EF4-FFF2-40B4-BE49-F238E27FC236}">
+                <a16:creationId xmlns:a16="http://schemas.microsoft.com/office/drawing/2014/main" id="{51225D7C-9F57-3F99-32E4-965E62B1109F}"/>
+              </a:ext>
+            </a:extLst>
+          </p:cNvPr>
+          <p:cNvSpPr txBox="1"/>
+          <p:nvPr/>
+        </p:nvSpPr>
+        <p:spPr>
+          <a:xfrm>
+            <a:off x="7118808" y="2546090"/>
+            <a:ext cx="3242821" cy="830997"/>
+          </a:xfrm>
+          <a:prstGeom prst="rect">
+            <a:avLst/>
+          </a:prstGeom>
+          <a:noFill/>
+        </p:spPr>
+        <p:txBody>
+          <a:bodyPr wrap="square" rtlCol="0">
+            <a:spAutoFit/>
+          </a:bodyPr>
+          <a:lstStyle/>
+          <a:p>
+            <a:r>
+              <a:rPr lang="en-US" altLang="zh-TW" sz="4800" b="1" dirty="0">
+                <a:solidFill>
+                  <a:schemeClr val="tx2">
+                    <a:lumMod val="50000"/>
+                    <a:lumOff val="50000"/>
+                  </a:schemeClr>
+                </a:solidFill>
+              </a:rPr>
+              <a:t>Utterance</a:t>
+            </a:r>
+          </a:p>
+        </p:txBody>
+      </p:sp>
+      <p:sp>
+        <p:nvSpPr>
+          <p:cNvPr id="10" name="文字方塊 9">
+            <a:extLst>
+              <a:ext uri="{FF2B5EF4-FFF2-40B4-BE49-F238E27FC236}">
+                <a16:creationId xmlns:a16="http://schemas.microsoft.com/office/drawing/2014/main" id="{23C18431-EB65-B1F0-7608-362872147D31}"/>
+              </a:ext>
+            </a:extLst>
+          </p:cNvPr>
+          <p:cNvSpPr txBox="1"/>
+          <p:nvPr/>
+        </p:nvSpPr>
+        <p:spPr>
+          <a:xfrm>
+            <a:off x="7580721" y="3573612"/>
+            <a:ext cx="3242821" cy="830997"/>
+          </a:xfrm>
+          <a:prstGeom prst="rect">
+            <a:avLst/>
+          </a:prstGeom>
+          <a:noFill/>
+        </p:spPr>
+        <p:txBody>
+          <a:bodyPr wrap="square" rtlCol="0">
+            <a:spAutoFit/>
+          </a:bodyPr>
+          <a:lstStyle/>
+          <a:p>
+            <a:r>
+              <a:rPr lang="en-US" altLang="zh-TW" sz="4800" b="1" dirty="0">
+                <a:solidFill>
+                  <a:srgbClr val="FF0000"/>
+                </a:solidFill>
+              </a:rPr>
+              <a:t>Intent</a:t>
+            </a:r>
+          </a:p>
+        </p:txBody>
+      </p:sp>
+      <p:sp>
+        <p:nvSpPr>
+          <p:cNvPr id="11" name="文字方塊 10">
+            <a:extLst>
+              <a:ext uri="{FF2B5EF4-FFF2-40B4-BE49-F238E27FC236}">
+                <a16:creationId xmlns:a16="http://schemas.microsoft.com/office/drawing/2014/main" id="{3578C3CD-03C3-BC2B-C62D-2273DAAB9B1B}"/>
+              </a:ext>
+            </a:extLst>
+          </p:cNvPr>
+          <p:cNvSpPr txBox="1"/>
+          <p:nvPr/>
+        </p:nvSpPr>
+        <p:spPr>
+          <a:xfrm>
+            <a:off x="8107841" y="1518567"/>
+            <a:ext cx="3242821" cy="830997"/>
+          </a:xfrm>
+          <a:prstGeom prst="rect">
+            <a:avLst/>
+          </a:prstGeom>
+          <a:noFill/>
+        </p:spPr>
+        <p:txBody>
+          <a:bodyPr wrap="square" rtlCol="0">
+            <a:spAutoFit/>
+          </a:bodyPr>
+          <a:lstStyle/>
+          <a:p>
+            <a:r>
+              <a:rPr lang="en-US" altLang="zh-TW" sz="4800" b="1" dirty="0"/>
+              <a:t>Context</a:t>
+            </a:r>
+          </a:p>
+        </p:txBody>
+      </p:sp>
     </p:spTree>
     <p:extLst>
       <p:ext uri="{BB962C8B-B14F-4D97-AF65-F5344CB8AC3E}">
         <p14:creationId xmlns:p14="http://schemas.microsoft.com/office/powerpoint/2010/main" val="2849218864"/>
-      </p:ext>
-    </p:extLst>
-  </p:cSld>
-  <p:clrMapOvr>
-    <a:masterClrMapping/>
-  </p:clrMapOvr>
-</p:sld>
-</file>
-
-<file path=ppt/slides/slide2.xml><?xml version="1.0" encoding="utf-8"?>
-<p:sld xmlns:a="http://schemas.openxmlformats.org/drawingml/2006/main" xmlns:r="http://schemas.openxmlformats.org/officeDocument/2006/relationships" xmlns:p="http://schemas.openxmlformats.org/presentationml/2006/main">
-  <p:cSld>
-    <p:spTree>
-      <p:nvGrpSpPr>
-        <p:cNvPr id="1" name=""/>
-        <p:cNvGrpSpPr/>
-        <p:nvPr/>
-      </p:nvGrpSpPr>
-      <p:grpSpPr>
-        <a:xfrm>
-          <a:off x="0" y="0"/>
-          <a:ext cx="0" cy="0"/>
-          <a:chOff x="0" y="0"/>
-          <a:chExt cx="0" cy="0"/>
-        </a:xfrm>
-      </p:grpSpPr>
-      <p:sp>
-        <p:nvSpPr>
-          <p:cNvPr id="2" name="標題 1">
-            <a:extLst>
-              <a:ext uri="{FF2B5EF4-FFF2-40B4-BE49-F238E27FC236}">
-                <a16:creationId xmlns:a16="http://schemas.microsoft.com/office/drawing/2014/main" id="{183022C8-FB43-6701-EFBC-4B9F3ABD5DD0}"/>
-              </a:ext>
-            </a:extLst>
-          </p:cNvPr>
-          <p:cNvSpPr>
-            <a:spLocks noGrp="1"/>
-          </p:cNvSpPr>
-          <p:nvPr>
-            <p:ph type="title"/>
-          </p:nvPr>
-        </p:nvSpPr>
-        <p:spPr>
-          <a:xfrm>
-            <a:off x="546370" y="30246"/>
-            <a:ext cx="10515600" cy="1325563"/>
-          </a:xfrm>
-        </p:spPr>
-        <p:txBody>
-          <a:bodyPr/>
-          <a:lstStyle/>
-          <a:p>
-            <a:r>
-              <a:rPr lang="en-US" altLang="zh-TW" dirty="0"/>
-              <a:t>Recap </a:t>
-            </a:r>
-            <a:endParaRPr lang="zh-TW" altLang="en-US" dirty="0"/>
-          </a:p>
-        </p:txBody>
-      </p:sp>
-      <p:pic>
-        <p:nvPicPr>
-          <p:cNvPr id="5" name="圖片 4">
-            <a:extLst>
-              <a:ext uri="{FF2B5EF4-FFF2-40B4-BE49-F238E27FC236}">
-                <a16:creationId xmlns:a16="http://schemas.microsoft.com/office/drawing/2014/main" id="{658155E0-135F-2DA5-B853-C24546B61A72}"/>
-              </a:ext>
-            </a:extLst>
-          </p:cNvPr>
-          <p:cNvPicPr>
-            <a:picLocks noChangeAspect="1"/>
-          </p:cNvPicPr>
-          <p:nvPr/>
-        </p:nvPicPr>
-        <p:blipFill>
-          <a:blip r:embed="rId2"/>
-          <a:stretch>
-            <a:fillRect/>
-          </a:stretch>
-        </p:blipFill>
-        <p:spPr>
-          <a:xfrm>
-            <a:off x="0" y="1355809"/>
-            <a:ext cx="12192000" cy="2690898"/>
-          </a:xfrm>
-          <a:prstGeom prst="rect">
-            <a:avLst/>
-          </a:prstGeom>
-        </p:spPr>
-      </p:pic>
-      <p:pic>
-        <p:nvPicPr>
-          <p:cNvPr id="6" name="圖片 5">
-            <a:extLst>
-              <a:ext uri="{FF2B5EF4-FFF2-40B4-BE49-F238E27FC236}">
-                <a16:creationId xmlns:a16="http://schemas.microsoft.com/office/drawing/2014/main" id="{17CDA668-59C9-D05E-A3B5-3070DB5639AA}"/>
-              </a:ext>
-            </a:extLst>
-          </p:cNvPr>
-          <p:cNvPicPr>
-            <a:picLocks noChangeAspect="1"/>
-          </p:cNvPicPr>
-          <p:nvPr/>
-        </p:nvPicPr>
-        <p:blipFill>
-          <a:blip r:embed="rId3"/>
-          <a:stretch>
-            <a:fillRect/>
-          </a:stretch>
-        </p:blipFill>
-        <p:spPr>
-          <a:xfrm>
-            <a:off x="0" y="4178480"/>
-            <a:ext cx="12192000" cy="2679520"/>
-          </a:xfrm>
-          <a:prstGeom prst="rect">
-            <a:avLst/>
-          </a:prstGeom>
-        </p:spPr>
-      </p:pic>
-      <p:sp>
-        <p:nvSpPr>
-          <p:cNvPr id="7" name="文字方塊 6">
-            <a:extLst>
-              <a:ext uri="{FF2B5EF4-FFF2-40B4-BE49-F238E27FC236}">
-                <a16:creationId xmlns:a16="http://schemas.microsoft.com/office/drawing/2014/main" id="{6B1BD0EB-5955-39A7-5712-DC7EA74FCE36}"/>
-              </a:ext>
-            </a:extLst>
-          </p:cNvPr>
-          <p:cNvSpPr txBox="1"/>
-          <p:nvPr/>
-        </p:nvSpPr>
-        <p:spPr>
-          <a:xfrm>
-            <a:off x="3808429" y="5607547"/>
-            <a:ext cx="2287571" cy="778213"/>
-          </a:xfrm>
-          <a:prstGeom prst="rect">
-            <a:avLst/>
-          </a:prstGeom>
-          <a:noFill/>
-          <a:ln w="57150">
-            <a:solidFill>
-              <a:srgbClr val="FF0000"/>
-            </a:solidFill>
-          </a:ln>
-        </p:spPr>
-        <p:txBody>
-          <a:bodyPr wrap="square" rtlCol="0">
-            <a:spAutoFit/>
-          </a:bodyPr>
-          <a:lstStyle/>
-          <a:p>
-            <a:endParaRPr lang="zh-TW" altLang="en-US" dirty="0"/>
-          </a:p>
-        </p:txBody>
-      </p:sp>
-      <p:sp>
-        <p:nvSpPr>
-          <p:cNvPr id="8" name="文字方塊 7">
-            <a:extLst>
-              <a:ext uri="{FF2B5EF4-FFF2-40B4-BE49-F238E27FC236}">
-                <a16:creationId xmlns:a16="http://schemas.microsoft.com/office/drawing/2014/main" id="{A067DC1D-838A-ACDF-5341-67D64D2A0018}"/>
-              </a:ext>
-            </a:extLst>
-          </p:cNvPr>
-          <p:cNvSpPr txBox="1"/>
-          <p:nvPr/>
-        </p:nvSpPr>
-        <p:spPr>
-          <a:xfrm>
-            <a:off x="3503629" y="2802739"/>
-            <a:ext cx="3111180" cy="778213"/>
-          </a:xfrm>
-          <a:prstGeom prst="rect">
-            <a:avLst/>
-          </a:prstGeom>
-          <a:noFill/>
-          <a:ln w="57150">
-            <a:solidFill>
-              <a:srgbClr val="FF0000"/>
-            </a:solidFill>
-          </a:ln>
-        </p:spPr>
-        <p:txBody>
-          <a:bodyPr wrap="square" rtlCol="0">
-            <a:spAutoFit/>
-          </a:bodyPr>
-          <a:lstStyle/>
-          <a:p>
-            <a:endParaRPr lang="zh-TW" altLang="en-US" dirty="0"/>
-          </a:p>
-        </p:txBody>
-      </p:sp>
-    </p:spTree>
-    <p:extLst>
-      <p:ext uri="{BB962C8B-B14F-4D97-AF65-F5344CB8AC3E}">
-        <p14:creationId xmlns:p14="http://schemas.microsoft.com/office/powerpoint/2010/main" val="1804866463"/>
-      </p:ext>
-    </p:extLst>
-  </p:cSld>
-  <p:clrMapOvr>
-    <a:masterClrMapping/>
-  </p:clrMapOvr>
-</p:sld>
-</file>
-
-<file path=ppt/slides/slide3.xml><?xml version="1.0" encoding="utf-8"?>
-<p:sld xmlns:a="http://schemas.openxmlformats.org/drawingml/2006/main" xmlns:r="http://schemas.openxmlformats.org/officeDocument/2006/relationships" xmlns:p="http://schemas.openxmlformats.org/presentationml/2006/main">
-  <p:cSld>
-    <p:spTree>
-      <p:nvGrpSpPr>
-        <p:cNvPr id="1" name=""/>
-        <p:cNvGrpSpPr/>
-        <p:nvPr/>
-      </p:nvGrpSpPr>
-      <p:grpSpPr>
-        <a:xfrm>
-          <a:off x="0" y="0"/>
-          <a:ext cx="0" cy="0"/>
-          <a:chOff x="0" y="0"/>
-          <a:chExt cx="0" cy="0"/>
-        </a:xfrm>
-      </p:grpSpPr>
-      <p:sp>
-        <p:nvSpPr>
-          <p:cNvPr id="2" name="標題 1">
-            <a:extLst>
-              <a:ext uri="{FF2B5EF4-FFF2-40B4-BE49-F238E27FC236}">
-                <a16:creationId xmlns:a16="http://schemas.microsoft.com/office/drawing/2014/main" id="{10D2B2BD-78D3-BC9A-B5AA-1BCD5F608DE9}"/>
-              </a:ext>
-            </a:extLst>
-          </p:cNvPr>
-          <p:cNvSpPr>
-            <a:spLocks noGrp="1"/>
-          </p:cNvSpPr>
-          <p:nvPr>
-            <p:ph type="title"/>
-          </p:nvPr>
-        </p:nvSpPr>
-        <p:spPr>
-          <a:xfrm>
-            <a:off x="0" y="0"/>
-            <a:ext cx="10515600" cy="1325563"/>
-          </a:xfrm>
-        </p:spPr>
-        <p:txBody>
-          <a:bodyPr/>
-          <a:lstStyle/>
-          <a:p>
-            <a:r>
-              <a:rPr lang="en-US" altLang="zh-TW" dirty="0"/>
-              <a:t>Why did this happen?</a:t>
-            </a:r>
-            <a:endParaRPr lang="zh-TW" altLang="en-US" dirty="0"/>
-          </a:p>
-        </p:txBody>
-      </p:sp>
-      <p:pic>
-        <p:nvPicPr>
-          <p:cNvPr id="6" name="內容版面配置區 5">
-            <a:extLst>
-              <a:ext uri="{FF2B5EF4-FFF2-40B4-BE49-F238E27FC236}">
-                <a16:creationId xmlns:a16="http://schemas.microsoft.com/office/drawing/2014/main" id="{27D6F125-0897-9F68-5225-0961BFC2B56C}"/>
-              </a:ext>
-            </a:extLst>
-          </p:cNvPr>
-          <p:cNvPicPr>
-            <a:picLocks noGrp="1" noChangeAspect="1"/>
-          </p:cNvPicPr>
-          <p:nvPr>
-            <p:ph idx="1"/>
-          </p:nvPr>
-        </p:nvPicPr>
-        <p:blipFill>
-          <a:blip r:embed="rId2"/>
-          <a:stretch>
-            <a:fillRect/>
-          </a:stretch>
-        </p:blipFill>
-        <p:spPr>
-          <a:xfrm>
-            <a:off x="1266217" y="1144638"/>
-            <a:ext cx="9659566" cy="5456203"/>
-          </a:xfrm>
-          <a:prstGeom prst="rect">
-            <a:avLst/>
-          </a:prstGeom>
-        </p:spPr>
-      </p:pic>
-    </p:spTree>
-    <p:extLst>
-      <p:ext uri="{BB962C8B-B14F-4D97-AF65-F5344CB8AC3E}">
-        <p14:creationId xmlns:p14="http://schemas.microsoft.com/office/powerpoint/2010/main" val="4076964032"/>
       </p:ext>
     </p:extLst>
   </p:cSld>
@@ -6660,129 +9121,74 @@
       </p:grpSpPr>
       <p:sp>
         <p:nvSpPr>
-          <p:cNvPr id="7" name="標題 1">
-            <a:extLst>
-              <a:ext uri="{FF2B5EF4-FFF2-40B4-BE49-F238E27FC236}">
-                <a16:creationId xmlns:a16="http://schemas.microsoft.com/office/drawing/2014/main" id="{866FF15D-2375-E4DA-B0B4-DB17B592AA9B}"/>
-              </a:ext>
-            </a:extLst>
-          </p:cNvPr>
-          <p:cNvSpPr txBox="1">
-            <a:spLocks/>
+          <p:cNvPr id="2" name="標題 1">
+            <a:extLst>
+              <a:ext uri="{FF2B5EF4-FFF2-40B4-BE49-F238E27FC236}">
+                <a16:creationId xmlns:a16="http://schemas.microsoft.com/office/drawing/2014/main" id="{10D2B2BD-78D3-BC9A-B5AA-1BCD5F608DE9}"/>
+              </a:ext>
+            </a:extLst>
+          </p:cNvPr>
+          <p:cNvSpPr>
+            <a:spLocks noGrp="1"/>
           </p:cNvSpPr>
-          <p:nvPr/>
-        </p:nvSpPr>
-        <p:spPr>
-          <a:xfrm>
-            <a:off x="546370" y="30246"/>
+          <p:nvPr>
+            <p:ph type="title"/>
+          </p:nvPr>
+        </p:nvSpPr>
+        <p:spPr>
+          <a:xfrm>
+            <a:off x="0" y="0"/>
             <a:ext cx="10515600" cy="1325563"/>
+          </a:xfrm>
+        </p:spPr>
+        <p:txBody>
+          <a:bodyPr/>
+          <a:lstStyle/>
+          <a:p>
+            <a:r>
+              <a:rPr lang="en-US" altLang="zh-TW" dirty="0"/>
+              <a:t>Why did this happen?</a:t>
+            </a:r>
+            <a:endParaRPr lang="zh-TW" altLang="en-US" dirty="0"/>
+          </a:p>
+        </p:txBody>
+      </p:sp>
+      <p:pic>
+        <p:nvPicPr>
+          <p:cNvPr id="6" name="內容版面配置區 5">
+            <a:extLst>
+              <a:ext uri="{FF2B5EF4-FFF2-40B4-BE49-F238E27FC236}">
+                <a16:creationId xmlns:a16="http://schemas.microsoft.com/office/drawing/2014/main" id="{27D6F125-0897-9F68-5225-0961BFC2B56C}"/>
+              </a:ext>
+            </a:extLst>
+          </p:cNvPr>
+          <p:cNvPicPr>
+            <a:picLocks noGrp="1" noChangeAspect="1"/>
+          </p:cNvPicPr>
+          <p:nvPr>
+            <p:ph idx="1"/>
+          </p:nvPr>
+        </p:nvPicPr>
+        <p:blipFill>
+          <a:blip r:embed="rId2"/>
+          <a:stretch>
+            <a:fillRect/>
+          </a:stretch>
+        </p:blipFill>
+        <p:spPr>
+          <a:xfrm>
+            <a:off x="1266217" y="1144638"/>
+            <a:ext cx="9659566" cy="5456203"/>
           </a:xfrm>
           <a:prstGeom prst="rect">
             <a:avLst/>
           </a:prstGeom>
         </p:spPr>
-        <p:txBody>
-          <a:bodyPr vert="horz" lIns="91440" tIns="45720" rIns="91440" bIns="45720" rtlCol="0" anchor="ctr">
-            <a:normAutofit/>
-          </a:bodyPr>
-          <a:lstStyle>
-            <a:lvl1pPr algn="l" defTabSz="914400" rtl="0" eaLnBrk="1" latinLnBrk="0" hangingPunct="1">
-              <a:lnSpc>
-                <a:spcPct val="90000"/>
-              </a:lnSpc>
-              <a:spcBef>
-                <a:spcPct val="0"/>
-              </a:spcBef>
-              <a:buNone/>
-              <a:defRPr sz="4400" kern="1200">
-                <a:solidFill>
-                  <a:schemeClr val="tx1"/>
-                </a:solidFill>
-                <a:latin typeface="+mj-lt"/>
-                <a:ea typeface="+mj-ea"/>
-                <a:cs typeface="+mj-cs"/>
-              </a:defRPr>
-            </a:lvl1pPr>
-          </a:lstStyle>
-          <a:p>
-            <a:r>
-              <a:rPr lang="en-US" altLang="zh-TW"/>
-              <a:t>Recap </a:t>
-            </a:r>
-            <a:endParaRPr lang="zh-TW" altLang="en-US" dirty="0"/>
-          </a:p>
-        </p:txBody>
-      </p:sp>
-      <p:pic>
-        <p:nvPicPr>
-          <p:cNvPr id="11" name="圖片 10">
-            <a:extLst>
-              <a:ext uri="{FF2B5EF4-FFF2-40B4-BE49-F238E27FC236}">
-                <a16:creationId xmlns:a16="http://schemas.microsoft.com/office/drawing/2014/main" id="{7DD958CE-BC6D-3245-B335-89851D863B99}"/>
-              </a:ext>
-            </a:extLst>
-          </p:cNvPr>
-          <p:cNvPicPr>
-            <a:picLocks noChangeAspect="1"/>
-          </p:cNvPicPr>
-          <p:nvPr/>
-        </p:nvPicPr>
-        <p:blipFill rotWithShape="1">
-          <a:blip r:embed="rId2"/>
-          <a:srcRect l="541"/>
-          <a:stretch/>
-        </p:blipFill>
-        <p:spPr>
-          <a:xfrm>
-            <a:off x="0" y="1272016"/>
-            <a:ext cx="12192000" cy="4313968"/>
-          </a:xfrm>
-          <a:prstGeom prst="rect">
-            <a:avLst/>
-          </a:prstGeom>
-        </p:spPr>
       </p:pic>
-      <p:sp>
-        <p:nvSpPr>
-          <p:cNvPr id="12" name="文字方塊 11">
-            <a:extLst>
-              <a:ext uri="{FF2B5EF4-FFF2-40B4-BE49-F238E27FC236}">
-                <a16:creationId xmlns:a16="http://schemas.microsoft.com/office/drawing/2014/main" id="{2AD0FE81-179A-8C08-AC6A-C17584F5F9F0}"/>
-              </a:ext>
-            </a:extLst>
-          </p:cNvPr>
-          <p:cNvSpPr txBox="1"/>
-          <p:nvPr/>
-        </p:nvSpPr>
-        <p:spPr>
-          <a:xfrm>
-            <a:off x="194821" y="4301600"/>
-            <a:ext cx="1982771" cy="1090531"/>
-          </a:xfrm>
-          <a:prstGeom prst="rect">
-            <a:avLst/>
-          </a:prstGeom>
-          <a:noFill/>
-          <a:ln w="57150">
-            <a:solidFill>
-              <a:srgbClr val="FF0000"/>
-            </a:solidFill>
-          </a:ln>
-        </p:spPr>
-        <p:txBody>
-          <a:bodyPr wrap="square" rtlCol="0">
-            <a:spAutoFit/>
-          </a:bodyPr>
-          <a:lstStyle/>
-          <a:p>
-            <a:endParaRPr lang="zh-TW" altLang="en-US" dirty="0"/>
-          </a:p>
-        </p:txBody>
-      </p:sp>
     </p:spTree>
     <p:extLst>
       <p:ext uri="{BB962C8B-B14F-4D97-AF65-F5344CB8AC3E}">
-        <p14:creationId xmlns:p14="http://schemas.microsoft.com/office/powerpoint/2010/main" val="734970341"/>
+        <p14:creationId xmlns:p14="http://schemas.microsoft.com/office/powerpoint/2010/main" val="4076964032"/>
       </p:ext>
     </p:extLst>
   </p:cSld>
@@ -6811,33 +9217,54 @@
       </p:grpSpPr>
       <p:sp>
         <p:nvSpPr>
-          <p:cNvPr id="2" name="標題 1">
-            <a:extLst>
-              <a:ext uri="{FF2B5EF4-FFF2-40B4-BE49-F238E27FC236}">
-                <a16:creationId xmlns:a16="http://schemas.microsoft.com/office/drawing/2014/main" id="{10D2B2BD-78D3-BC9A-B5AA-1BCD5F608DE9}"/>
-              </a:ext>
-            </a:extLst>
-          </p:cNvPr>
-          <p:cNvSpPr>
-            <a:spLocks noGrp="1"/>
+          <p:cNvPr id="7" name="標題 1">
+            <a:extLst>
+              <a:ext uri="{FF2B5EF4-FFF2-40B4-BE49-F238E27FC236}">
+                <a16:creationId xmlns:a16="http://schemas.microsoft.com/office/drawing/2014/main" id="{866FF15D-2375-E4DA-B0B4-DB17B592AA9B}"/>
+              </a:ext>
+            </a:extLst>
+          </p:cNvPr>
+          <p:cNvSpPr txBox="1">
+            <a:spLocks/>
           </p:cNvSpPr>
-          <p:nvPr>
-            <p:ph type="title"/>
-          </p:nvPr>
-        </p:nvSpPr>
-        <p:spPr>
-          <a:xfrm>
-            <a:off x="0" y="0"/>
+          <p:nvPr/>
+        </p:nvSpPr>
+        <p:spPr>
+          <a:xfrm>
+            <a:off x="546370" y="30246"/>
             <a:ext cx="10515600" cy="1325563"/>
           </a:xfrm>
-        </p:spPr>
-        <p:txBody>
-          <a:bodyPr/>
-          <a:lstStyle/>
-          <a:p>
-            <a:r>
-              <a:rPr lang="en-US" altLang="zh-TW" dirty="0"/>
-              <a:t>Why did this happen?</a:t>
+          <a:prstGeom prst="rect">
+            <a:avLst/>
+          </a:prstGeom>
+        </p:spPr>
+        <p:txBody>
+          <a:bodyPr vert="horz" lIns="91440" tIns="45720" rIns="91440" bIns="45720" rtlCol="0" anchor="ctr">
+            <a:normAutofit/>
+          </a:bodyPr>
+          <a:lstStyle>
+            <a:lvl1pPr algn="l" defTabSz="914400" rtl="0" eaLnBrk="1" latinLnBrk="0" hangingPunct="1">
+              <a:lnSpc>
+                <a:spcPct val="90000"/>
+              </a:lnSpc>
+              <a:spcBef>
+                <a:spcPct val="0"/>
+              </a:spcBef>
+              <a:buNone/>
+              <a:defRPr sz="4400" kern="1200">
+                <a:solidFill>
+                  <a:schemeClr val="tx1"/>
+                </a:solidFill>
+                <a:latin typeface="+mj-lt"/>
+                <a:ea typeface="+mj-ea"/>
+                <a:cs typeface="+mj-cs"/>
+              </a:defRPr>
+            </a:lvl1pPr>
+          </a:lstStyle>
+          <a:p>
+            <a:r>
+              <a:rPr lang="en-US" altLang="zh-TW"/>
+              <a:t>Recap </a:t>
             </a:r>
             <a:endParaRPr lang="zh-TW" altLang="en-US" dirty="0"/>
           </a:p>
@@ -6845,10 +9272,10 @@
       </p:sp>
       <p:pic>
         <p:nvPicPr>
-          <p:cNvPr id="9" name="圖片 8">
-            <a:extLst>
-              <a:ext uri="{FF2B5EF4-FFF2-40B4-BE49-F238E27FC236}">
-                <a16:creationId xmlns:a16="http://schemas.microsoft.com/office/drawing/2014/main" id="{815F5632-213B-7119-110A-64069134950D}"/>
+          <p:cNvPr id="11" name="圖片 10">
+            <a:extLst>
+              <a:ext uri="{FF2B5EF4-FFF2-40B4-BE49-F238E27FC236}">
+                <a16:creationId xmlns:a16="http://schemas.microsoft.com/office/drawing/2014/main" id="{7DD958CE-BC6D-3245-B335-89851D863B99}"/>
               </a:ext>
             </a:extLst>
           </p:cNvPr>
@@ -6857,86 +9284,62 @@
           </p:cNvPicPr>
           <p:nvPr/>
         </p:nvPicPr>
-        <p:blipFill>
+        <p:blipFill rotWithShape="1">
           <a:blip r:embed="rId2"/>
-          <a:stretch>
-            <a:fillRect/>
-          </a:stretch>
+          <a:srcRect l="541"/>
+          <a:stretch/>
         </p:blipFill>
         <p:spPr>
           <a:xfrm>
-            <a:off x="0" y="1230346"/>
-            <a:ext cx="12210664" cy="2031328"/>
+            <a:off x="0" y="1272016"/>
+            <a:ext cx="12192000" cy="4313968"/>
           </a:xfrm>
           <a:prstGeom prst="rect">
             <a:avLst/>
           </a:prstGeom>
         </p:spPr>
       </p:pic>
-      <p:pic>
-        <p:nvPicPr>
-          <p:cNvPr id="11" name="圖片 10">
-            <a:extLst>
-              <a:ext uri="{FF2B5EF4-FFF2-40B4-BE49-F238E27FC236}">
-                <a16:creationId xmlns:a16="http://schemas.microsoft.com/office/drawing/2014/main" id="{F4616C95-1DCD-F802-CCDF-04039EA09964}"/>
-              </a:ext>
-            </a:extLst>
-          </p:cNvPr>
-          <p:cNvPicPr>
-            <a:picLocks noChangeAspect="1"/>
-          </p:cNvPicPr>
+      <p:sp>
+        <p:nvSpPr>
+          <p:cNvPr id="12" name="文字方塊 11">
+            <a:extLst>
+              <a:ext uri="{FF2B5EF4-FFF2-40B4-BE49-F238E27FC236}">
+                <a16:creationId xmlns:a16="http://schemas.microsoft.com/office/drawing/2014/main" id="{2AD0FE81-179A-8C08-AC6A-C17584F5F9F0}"/>
+              </a:ext>
+            </a:extLst>
+          </p:cNvPr>
+          <p:cNvSpPr txBox="1"/>
           <p:nvPr/>
-        </p:nvPicPr>
-        <p:blipFill>
-          <a:blip r:embed="rId3"/>
-          <a:stretch>
-            <a:fillRect/>
-          </a:stretch>
-        </p:blipFill>
-        <p:spPr>
-          <a:xfrm>
-            <a:off x="0" y="3348350"/>
-            <a:ext cx="12192000" cy="747359"/>
+        </p:nvSpPr>
+        <p:spPr>
+          <a:xfrm>
+            <a:off x="194821" y="4301600"/>
+            <a:ext cx="1982771" cy="1090531"/>
           </a:xfrm>
           <a:prstGeom prst="rect">
             <a:avLst/>
           </a:prstGeom>
-        </p:spPr>
-      </p:pic>
-      <p:pic>
-        <p:nvPicPr>
-          <p:cNvPr id="13" name="圖片 12">
-            <a:extLst>
-              <a:ext uri="{FF2B5EF4-FFF2-40B4-BE49-F238E27FC236}">
-                <a16:creationId xmlns:a16="http://schemas.microsoft.com/office/drawing/2014/main" id="{5FB5E039-56D1-BC31-8B70-F153254B8592}"/>
-              </a:ext>
-            </a:extLst>
-          </p:cNvPr>
-          <p:cNvPicPr>
-            <a:picLocks noChangeAspect="1"/>
-          </p:cNvPicPr>
-          <p:nvPr/>
-        </p:nvPicPr>
-        <p:blipFill>
-          <a:blip r:embed="rId4"/>
-          <a:stretch>
-            <a:fillRect/>
-          </a:stretch>
-        </p:blipFill>
-        <p:spPr>
-          <a:xfrm>
-            <a:off x="0" y="4182385"/>
-            <a:ext cx="12223602" cy="2133574"/>
-          </a:xfrm>
-          <a:prstGeom prst="rect">
-            <a:avLst/>
-          </a:prstGeom>
-        </p:spPr>
-      </p:pic>
+          <a:noFill/>
+          <a:ln w="57150">
+            <a:solidFill>
+              <a:srgbClr val="FF0000"/>
+            </a:solidFill>
+          </a:ln>
+        </p:spPr>
+        <p:txBody>
+          <a:bodyPr wrap="square" rtlCol="0">
+            <a:spAutoFit/>
+          </a:bodyPr>
+          <a:lstStyle/>
+          <a:p>
+            <a:endParaRPr lang="zh-TW" altLang="en-US" dirty="0"/>
+          </a:p>
+        </p:txBody>
+      </p:sp>
     </p:spTree>
     <p:extLst>
       <p:ext uri="{BB962C8B-B14F-4D97-AF65-F5344CB8AC3E}">
-        <p14:creationId xmlns:p14="http://schemas.microsoft.com/office/powerpoint/2010/main" val="1859976713"/>
+        <p14:creationId xmlns:p14="http://schemas.microsoft.com/office/powerpoint/2010/main" val="734970341"/>
       </p:ext>
     </p:extLst>
   </p:cSld>
@@ -6968,7 +9371,7 @@
           <p:cNvPr id="2" name="標題 1">
             <a:extLst>
               <a:ext uri="{FF2B5EF4-FFF2-40B4-BE49-F238E27FC236}">
-                <a16:creationId xmlns:a16="http://schemas.microsoft.com/office/drawing/2014/main" id="{C4058BC1-340C-EA8C-74D7-C2E9F34EAE94}"/>
+                <a16:creationId xmlns:a16="http://schemas.microsoft.com/office/drawing/2014/main" id="{10D2B2BD-78D3-BC9A-B5AA-1BCD5F608DE9}"/>
               </a:ext>
             </a:extLst>
           </p:cNvPr>
@@ -6976,26 +9379,121 @@
             <a:spLocks noGrp="1"/>
           </p:cNvSpPr>
           <p:nvPr>
-            <p:ph type="ctrTitle"/>
+            <p:ph type="title"/>
           </p:nvPr>
         </p:nvSpPr>
-        <p:spPr/>
+        <p:spPr>
+          <a:xfrm>
+            <a:off x="0" y="0"/>
+            <a:ext cx="10515600" cy="1325563"/>
+          </a:xfrm>
+        </p:spPr>
         <p:txBody>
           <a:bodyPr/>
           <a:lstStyle/>
           <a:p>
             <a:r>
               <a:rPr lang="en-US" altLang="zh-TW" dirty="0"/>
-              <a:t>What About GPTs/LLMs ?</a:t>
+              <a:t>Why did this happen?</a:t>
             </a:r>
             <a:endParaRPr lang="zh-TW" altLang="en-US" dirty="0"/>
           </a:p>
         </p:txBody>
       </p:sp>
+      <p:pic>
+        <p:nvPicPr>
+          <p:cNvPr id="9" name="圖片 8">
+            <a:extLst>
+              <a:ext uri="{FF2B5EF4-FFF2-40B4-BE49-F238E27FC236}">
+                <a16:creationId xmlns:a16="http://schemas.microsoft.com/office/drawing/2014/main" id="{815F5632-213B-7119-110A-64069134950D}"/>
+              </a:ext>
+            </a:extLst>
+          </p:cNvPr>
+          <p:cNvPicPr>
+            <a:picLocks noChangeAspect="1"/>
+          </p:cNvPicPr>
+          <p:nvPr/>
+        </p:nvPicPr>
+        <p:blipFill>
+          <a:blip r:embed="rId2"/>
+          <a:stretch>
+            <a:fillRect/>
+          </a:stretch>
+        </p:blipFill>
+        <p:spPr>
+          <a:xfrm>
+            <a:off x="0" y="1230346"/>
+            <a:ext cx="12210664" cy="2031328"/>
+          </a:xfrm>
+          <a:prstGeom prst="rect">
+            <a:avLst/>
+          </a:prstGeom>
+        </p:spPr>
+      </p:pic>
+      <p:pic>
+        <p:nvPicPr>
+          <p:cNvPr id="11" name="圖片 10">
+            <a:extLst>
+              <a:ext uri="{FF2B5EF4-FFF2-40B4-BE49-F238E27FC236}">
+                <a16:creationId xmlns:a16="http://schemas.microsoft.com/office/drawing/2014/main" id="{F4616C95-1DCD-F802-CCDF-04039EA09964}"/>
+              </a:ext>
+            </a:extLst>
+          </p:cNvPr>
+          <p:cNvPicPr>
+            <a:picLocks noChangeAspect="1"/>
+          </p:cNvPicPr>
+          <p:nvPr/>
+        </p:nvPicPr>
+        <p:blipFill>
+          <a:blip r:embed="rId3"/>
+          <a:stretch>
+            <a:fillRect/>
+          </a:stretch>
+        </p:blipFill>
+        <p:spPr>
+          <a:xfrm>
+            <a:off x="0" y="3348350"/>
+            <a:ext cx="12192000" cy="747359"/>
+          </a:xfrm>
+          <a:prstGeom prst="rect">
+            <a:avLst/>
+          </a:prstGeom>
+        </p:spPr>
+      </p:pic>
+      <p:pic>
+        <p:nvPicPr>
+          <p:cNvPr id="13" name="圖片 12">
+            <a:extLst>
+              <a:ext uri="{FF2B5EF4-FFF2-40B4-BE49-F238E27FC236}">
+                <a16:creationId xmlns:a16="http://schemas.microsoft.com/office/drawing/2014/main" id="{5FB5E039-56D1-BC31-8B70-F153254B8592}"/>
+              </a:ext>
+            </a:extLst>
+          </p:cNvPr>
+          <p:cNvPicPr>
+            <a:picLocks noChangeAspect="1"/>
+          </p:cNvPicPr>
+          <p:nvPr/>
+        </p:nvPicPr>
+        <p:blipFill>
+          <a:blip r:embed="rId4"/>
+          <a:stretch>
+            <a:fillRect/>
+          </a:stretch>
+        </p:blipFill>
+        <p:spPr>
+          <a:xfrm>
+            <a:off x="0" y="4182385"/>
+            <a:ext cx="12223602" cy="2133574"/>
+          </a:xfrm>
+          <a:prstGeom prst="rect">
+            <a:avLst/>
+          </a:prstGeom>
+        </p:spPr>
+      </p:pic>
     </p:spTree>
     <p:extLst>
       <p:ext uri="{BB962C8B-B14F-4D97-AF65-F5344CB8AC3E}">
-        <p14:creationId xmlns:p14="http://schemas.microsoft.com/office/powerpoint/2010/main" val="2555335071"/>
+        <p14:creationId xmlns:p14="http://schemas.microsoft.com/office/powerpoint/2010/main" val="1859976713"/>
       </p:ext>
     </p:extLst>
   </p:cSld>
@@ -7022,80 +9520,185 @@
           <a:chExt cx="0" cy="0"/>
         </a:xfrm>
       </p:grpSpPr>
-      <p:pic>
-        <p:nvPicPr>
-          <p:cNvPr id="4" name="圖片 3"/>
-          <p:cNvPicPr>
-            <a:picLocks noChangeAspect="1"/>
-          </p:cNvPicPr>
+      <p:sp>
+        <p:nvSpPr>
+          <p:cNvPr id="2" name="標題 1">
+            <a:extLst>
+              <a:ext uri="{FF2B5EF4-FFF2-40B4-BE49-F238E27FC236}">
+                <a16:creationId xmlns:a16="http://schemas.microsoft.com/office/drawing/2014/main" id="{10D2B2BD-78D3-BC9A-B5AA-1BCD5F608DE9}"/>
+              </a:ext>
+            </a:extLst>
+          </p:cNvPr>
+          <p:cNvSpPr>
+            <a:spLocks noGrp="1"/>
+          </p:cNvSpPr>
+          <p:nvPr>
+            <p:ph type="title"/>
+          </p:nvPr>
+        </p:nvSpPr>
+        <p:spPr>
+          <a:xfrm>
+            <a:off x="838200" y="2766218"/>
+            <a:ext cx="10515600" cy="1325563"/>
+          </a:xfrm>
+        </p:spPr>
+        <p:txBody>
+          <a:bodyPr>
+            <a:noAutofit/>
+          </a:bodyPr>
+          <a:lstStyle/>
+          <a:p>
+            <a:pPr algn="ctr"/>
+            <a:r>
+              <a:rPr lang="en-US" altLang="zh-TW" sz="5400" b="1" dirty="0">
+                <a:solidFill>
+                  <a:srgbClr val="FF0000"/>
+                </a:solidFill>
+                <a:latin typeface="微軟正黑體" panose="020B0604030504040204" pitchFamily="34" charset="-120"/>
+                <a:ea typeface="微軟正黑體" panose="020B0604030504040204" pitchFamily="34" charset="-120"/>
+              </a:rPr>
+              <a:t>[</a:t>
+            </a:r>
+            <a:r>
+              <a:rPr lang="zh-TW" altLang="en-US" sz="5400" b="1" dirty="0">
+                <a:latin typeface="微軟正黑體" panose="020B0604030504040204" pitchFamily="34" charset="-120"/>
+                <a:ea typeface="微軟正黑體" panose="020B0604030504040204" pitchFamily="34" charset="-120"/>
+              </a:rPr>
+              <a:t>小明跟小華</a:t>
+            </a:r>
+            <a:r>
+              <a:rPr lang="en-US" altLang="zh-TW" sz="5400" b="1" dirty="0">
+                <a:solidFill>
+                  <a:srgbClr val="FF0000"/>
+                </a:solidFill>
+                <a:latin typeface="微軟正黑體" panose="020B0604030504040204" pitchFamily="34" charset="-120"/>
+                <a:ea typeface="微軟正黑體" panose="020B0604030504040204" pitchFamily="34" charset="-120"/>
+              </a:rPr>
+              <a:t>][</a:t>
+            </a:r>
+            <a:r>
+              <a:rPr lang="zh-TW" altLang="en-US" sz="5400" b="1" dirty="0">
+                <a:latin typeface="微軟正黑體" panose="020B0604030504040204" pitchFamily="34" charset="-120"/>
+                <a:ea typeface="微軟正黑體" panose="020B0604030504040204" pitchFamily="34" charset="-120"/>
+              </a:rPr>
+              <a:t>去台北</a:t>
+            </a:r>
+            <a:r>
+              <a:rPr lang="en-US" altLang="zh-TW" sz="5400" b="1" dirty="0">
+                <a:solidFill>
+                  <a:srgbClr val="FF0000"/>
+                </a:solidFill>
+                <a:latin typeface="微軟正黑體" panose="020B0604030504040204" pitchFamily="34" charset="-120"/>
+                <a:ea typeface="微軟正黑體" panose="020B0604030504040204" pitchFamily="34" charset="-120"/>
+              </a:rPr>
+              <a:t>]</a:t>
+            </a:r>
+            <a:br>
+              <a:rPr lang="en-US" altLang="zh-TW" sz="5400" b="1" dirty="0">
+                <a:latin typeface="微軟正黑體" panose="020B0604030504040204" pitchFamily="34" charset="-120"/>
+                <a:ea typeface="微軟正黑體" panose="020B0604030504040204" pitchFamily="34" charset="-120"/>
+              </a:rPr>
+            </a:br>
+            <a:r>
+              <a:rPr lang="en-US" altLang="zh-TW" sz="5400" b="1" dirty="0">
+                <a:solidFill>
+                  <a:srgbClr val="FF0000"/>
+                </a:solidFill>
+                <a:latin typeface="微軟正黑體" panose="020B0604030504040204" pitchFamily="34" charset="-120"/>
+                <a:ea typeface="微軟正黑體" panose="020B0604030504040204" pitchFamily="34" charset="-120"/>
+              </a:rPr>
+              <a:t>[</a:t>
+            </a:r>
+            <a:r>
+              <a:rPr lang="zh-TW" altLang="en-US" sz="5400" b="1" dirty="0">
+                <a:latin typeface="微軟正黑體" panose="020B0604030504040204" pitchFamily="34" charset="-120"/>
+                <a:ea typeface="微軟正黑體" panose="020B0604030504040204" pitchFamily="34" charset="-120"/>
+              </a:rPr>
+              <a:t>小明</a:t>
+            </a:r>
+            <a:r>
+              <a:rPr lang="en-US" altLang="zh-TW" sz="5400" b="1" dirty="0">
+                <a:solidFill>
+                  <a:srgbClr val="FF0000"/>
+                </a:solidFill>
+                <a:latin typeface="微軟正黑體" panose="020B0604030504040204" pitchFamily="34" charset="-120"/>
+                <a:ea typeface="微軟正黑體" panose="020B0604030504040204" pitchFamily="34" charset="-120"/>
+              </a:rPr>
+              <a:t>][</a:t>
+            </a:r>
+            <a:r>
+              <a:rPr lang="zh-TW" altLang="en-US" sz="5400" b="1" dirty="0">
+                <a:latin typeface="微軟正黑體" panose="020B0604030504040204" pitchFamily="34" charset="-120"/>
+                <a:ea typeface="微軟正黑體" panose="020B0604030504040204" pitchFamily="34" charset="-120"/>
+              </a:rPr>
+              <a:t>跟小華去台北</a:t>
+            </a:r>
+            <a:r>
+              <a:rPr lang="en-US" altLang="zh-TW" sz="5400" b="1" dirty="0">
+                <a:solidFill>
+                  <a:srgbClr val="FF0000"/>
+                </a:solidFill>
+                <a:latin typeface="微軟正黑體" panose="020B0604030504040204" pitchFamily="34" charset="-120"/>
+                <a:ea typeface="微軟正黑體" panose="020B0604030504040204" pitchFamily="34" charset="-120"/>
+              </a:rPr>
+              <a:t>]</a:t>
+            </a:r>
+            <a:endParaRPr lang="zh-TW" altLang="en-US" sz="5400" b="1" dirty="0">
+              <a:solidFill>
+                <a:srgbClr val="FF0000"/>
+              </a:solidFill>
+              <a:latin typeface="微軟正黑體" panose="020B0604030504040204" pitchFamily="34" charset="-120"/>
+              <a:ea typeface="微軟正黑體" panose="020B0604030504040204" pitchFamily="34" charset="-120"/>
+            </a:endParaRPr>
+          </a:p>
+        </p:txBody>
+      </p:sp>
+      <p:sp>
+        <p:nvSpPr>
+          <p:cNvPr id="4" name="文字方塊 3">
+            <a:extLst>
+              <a:ext uri="{FF2B5EF4-FFF2-40B4-BE49-F238E27FC236}">
+                <a16:creationId xmlns:a16="http://schemas.microsoft.com/office/drawing/2014/main" id="{32DE1EB5-522B-BA8B-804F-CAFB9B567927}"/>
+              </a:ext>
+            </a:extLst>
+          </p:cNvPr>
+          <p:cNvSpPr txBox="1"/>
           <p:nvPr/>
-        </p:nvPicPr>
-        <p:blipFill>
-          <a:blip r:embed="rId2"/>
-          <a:stretch>
-            <a:fillRect/>
-          </a:stretch>
-        </p:blipFill>
-        <p:spPr>
-          <a:xfrm>
-            <a:off x="2414073" y="542522"/>
-            <a:ext cx="7363853" cy="5772956"/>
-          </a:xfrm>
-          <a:prstGeom prst="rect">
-            <a:avLst/>
-          </a:prstGeom>
-        </p:spPr>
-      </p:pic>
-      <p:sp>
-        <p:nvSpPr>
-          <p:cNvPr id="6" name="矩形 5"/>
-          <p:cNvSpPr/>
-          <p:nvPr/>
-        </p:nvSpPr>
-        <p:spPr>
-          <a:xfrm>
-            <a:off x="2414073" y="5261956"/>
-            <a:ext cx="7363853" cy="1053522"/>
+        </p:nvSpPr>
+        <p:spPr>
+          <a:xfrm>
+            <a:off x="197963" y="111278"/>
+            <a:ext cx="4769963" cy="1323439"/>
           </a:xfrm>
           <a:prstGeom prst="rect">
             <a:avLst/>
           </a:prstGeom>
           <a:noFill/>
-          <a:ln w="76200">
-            <a:solidFill>
-              <a:srgbClr val="FF0000"/>
-            </a:solidFill>
-          </a:ln>
-        </p:spPr>
-        <p:style>
-          <a:lnRef idx="2">
-            <a:schemeClr val="accent1">
-              <a:shade val="50000"/>
-            </a:schemeClr>
-          </a:lnRef>
-          <a:fillRef idx="1">
-            <a:schemeClr val="accent1"/>
-          </a:fillRef>
-          <a:effectRef idx="0">
-            <a:schemeClr val="accent1"/>
-          </a:effectRef>
-          <a:fontRef idx="minor">
-            <a:schemeClr val="lt1"/>
-          </a:fontRef>
-        </p:style>
-        <p:txBody>
-          <a:bodyPr rtlCol="0" anchor="ctr"/>
+        </p:spPr>
+        <p:txBody>
+          <a:bodyPr wrap="square" rtlCol="0">
+            <a:spAutoFit/>
+          </a:bodyPr>
           <a:lstStyle/>
           <a:p>
-            <a:pPr algn="ctr"/>
-            <a:endParaRPr lang="zh-TW" altLang="en-US"/>
+            <a:r>
+              <a:rPr lang="en-US" altLang="zh-TW" sz="4000" b="1" dirty="0"/>
+              <a:t>Follow</a:t>
+            </a:r>
+          </a:p>
+          <a:p>
+            <a:r>
+              <a:rPr lang="en-US" altLang="zh-TW" sz="4000" b="1" dirty="0"/>
+              <a:t>And</a:t>
+            </a:r>
+            <a:endParaRPr lang="zh-TW" altLang="en-US" sz="4000" b="1" dirty="0"/>
           </a:p>
         </p:txBody>
       </p:sp>
     </p:spTree>
     <p:extLst>
       <p:ext uri="{BB962C8B-B14F-4D97-AF65-F5344CB8AC3E}">
-        <p14:creationId xmlns:p14="http://schemas.microsoft.com/office/powerpoint/2010/main" val="220535420"/>
+        <p14:creationId xmlns:p14="http://schemas.microsoft.com/office/powerpoint/2010/main" val="3774254324"/>
       </p:ext>
     </p:extLst>
   </p:cSld>
@@ -7122,39 +9725,39 @@
           <a:chExt cx="0" cy="0"/>
         </a:xfrm>
       </p:grpSpPr>
-      <p:pic>
-        <p:nvPicPr>
-          <p:cNvPr id="3" name="圖片 2">
-            <a:extLst>
-              <a:ext uri="{FF2B5EF4-FFF2-40B4-BE49-F238E27FC236}">
-                <a16:creationId xmlns:a16="http://schemas.microsoft.com/office/drawing/2014/main" id="{D2DE8264-8BE0-29AA-9411-DB9739D99C21}"/>
-              </a:ext>
-            </a:extLst>
-          </p:cNvPr>
-          <p:cNvPicPr>
-            <a:picLocks noChangeAspect="1"/>
-          </p:cNvPicPr>
-          <p:nvPr/>
-        </p:nvPicPr>
-        <p:blipFill rotWithShape="1">
-          <a:blip r:embed="rId2"/>
-          <a:srcRect l="1096" t="3161" b="23437"/>
-          <a:stretch/>
-        </p:blipFill>
-        <p:spPr>
-          <a:xfrm>
-            <a:off x="2269671" y="912043"/>
-            <a:ext cx="7652657" cy="5033914"/>
-          </a:xfrm>
-          <a:prstGeom prst="rect">
-            <a:avLst/>
-          </a:prstGeom>
-        </p:spPr>
-      </p:pic>
+      <p:sp>
+        <p:nvSpPr>
+          <p:cNvPr id="2" name="標題 1">
+            <a:extLst>
+              <a:ext uri="{FF2B5EF4-FFF2-40B4-BE49-F238E27FC236}">
+                <a16:creationId xmlns:a16="http://schemas.microsoft.com/office/drawing/2014/main" id="{C4058BC1-340C-EA8C-74D7-C2E9F34EAE94}"/>
+              </a:ext>
+            </a:extLst>
+          </p:cNvPr>
+          <p:cNvSpPr>
+            <a:spLocks noGrp="1"/>
+          </p:cNvSpPr>
+          <p:nvPr>
+            <p:ph type="ctrTitle"/>
+          </p:nvPr>
+        </p:nvSpPr>
+        <p:spPr/>
+        <p:txBody>
+          <a:bodyPr/>
+          <a:lstStyle/>
+          <a:p>
+            <a:r>
+              <a:rPr lang="en-US" altLang="zh-TW" dirty="0"/>
+              <a:t>What About GPTs/LLMs ?</a:t>
+            </a:r>
+            <a:endParaRPr lang="zh-TW" altLang="en-US" dirty="0"/>
+          </a:p>
+        </p:txBody>
+      </p:sp>
     </p:spTree>
     <p:extLst>
       <p:ext uri="{BB962C8B-B14F-4D97-AF65-F5344CB8AC3E}">
-        <p14:creationId xmlns:p14="http://schemas.microsoft.com/office/powerpoint/2010/main" val="4289466124"/>
+        <p14:creationId xmlns:p14="http://schemas.microsoft.com/office/powerpoint/2010/main" val="2555335071"/>
       </p:ext>
     </p:extLst>
   </p:cSld>
@@ -7183,10 +9786,10 @@
       </p:grpSpPr>
       <p:pic>
         <p:nvPicPr>
-          <p:cNvPr id="4" name="圖片 3">
-            <a:extLst>
-              <a:ext uri="{FF2B5EF4-FFF2-40B4-BE49-F238E27FC236}">
-                <a16:creationId xmlns:a16="http://schemas.microsoft.com/office/drawing/2014/main" id="{712A2C9B-FCA3-D006-CD7E-ADA5863472BE}"/>
+          <p:cNvPr id="3" name="圖片 2">
+            <a:extLst>
+              <a:ext uri="{FF2B5EF4-FFF2-40B4-BE49-F238E27FC236}">
+                <a16:creationId xmlns:a16="http://schemas.microsoft.com/office/drawing/2014/main" id="{D2DE8264-8BE0-29AA-9411-DB9739D99C21}"/>
               </a:ext>
             </a:extLst>
           </p:cNvPr>
@@ -7197,13 +9800,13 @@
         </p:nvPicPr>
         <p:blipFill rotWithShape="1">
           <a:blip r:embed="rId2"/>
-          <a:srcRect t="3266"/>
+          <a:srcRect l="1096" t="3161" b="23437"/>
           <a:stretch/>
         </p:blipFill>
         <p:spPr>
           <a:xfrm>
-            <a:off x="1399519" y="728959"/>
-            <a:ext cx="9392961" cy="5400082"/>
+            <a:off x="2269671" y="912043"/>
+            <a:ext cx="7652657" cy="5033914"/>
           </a:xfrm>
           <a:prstGeom prst="rect">
             <a:avLst/>
@@ -7213,7 +9816,7 @@
     </p:spTree>
     <p:extLst>
       <p:ext uri="{BB962C8B-B14F-4D97-AF65-F5344CB8AC3E}">
-        <p14:creationId xmlns:p14="http://schemas.microsoft.com/office/powerpoint/2010/main" val="1256939223"/>
+        <p14:creationId xmlns:p14="http://schemas.microsoft.com/office/powerpoint/2010/main" val="4289466124"/>
       </p:ext>
     </p:extLst>
   </p:cSld>

--- a/Week07_Comparison/WEEK07.pptx
+++ b/Week07_Comparison/WEEK07.pptx
@@ -19,23 +19,25 @@
     <p:sldId id="281" r:id="rId13"/>
     <p:sldId id="288" r:id="rId14"/>
     <p:sldId id="287" r:id="rId15"/>
-    <p:sldId id="264" r:id="rId16"/>
-    <p:sldId id="272" r:id="rId17"/>
-    <p:sldId id="289" r:id="rId18"/>
-    <p:sldId id="290" r:id="rId19"/>
-    <p:sldId id="285" r:id="rId20"/>
-    <p:sldId id="262" r:id="rId21"/>
-    <p:sldId id="261" r:id="rId22"/>
-    <p:sldId id="286" r:id="rId23"/>
-    <p:sldId id="283" r:id="rId24"/>
-    <p:sldId id="282" r:id="rId25"/>
-    <p:sldId id="263" r:id="rId26"/>
-    <p:sldId id="266" r:id="rId27"/>
-    <p:sldId id="265" r:id="rId28"/>
-    <p:sldId id="269" r:id="rId29"/>
-    <p:sldId id="268" r:id="rId30"/>
-    <p:sldId id="270" r:id="rId31"/>
-    <p:sldId id="271" r:id="rId32"/>
+    <p:sldId id="292" r:id="rId16"/>
+    <p:sldId id="264" r:id="rId17"/>
+    <p:sldId id="272" r:id="rId18"/>
+    <p:sldId id="289" r:id="rId19"/>
+    <p:sldId id="290" r:id="rId20"/>
+    <p:sldId id="285" r:id="rId21"/>
+    <p:sldId id="262" r:id="rId22"/>
+    <p:sldId id="261" r:id="rId23"/>
+    <p:sldId id="286" r:id="rId24"/>
+    <p:sldId id="283" r:id="rId25"/>
+    <p:sldId id="282" r:id="rId26"/>
+    <p:sldId id="263" r:id="rId27"/>
+    <p:sldId id="266" r:id="rId28"/>
+    <p:sldId id="265" r:id="rId29"/>
+    <p:sldId id="269" r:id="rId30"/>
+    <p:sldId id="268" r:id="rId31"/>
+    <p:sldId id="270" r:id="rId32"/>
+    <p:sldId id="271" r:id="rId33"/>
+    <p:sldId id="291" r:id="rId34"/>
   </p:sldIdLst>
   <p:sldSz cx="12192000" cy="6858000"/>
   <p:notesSz cx="6858000" cy="9144000"/>
@@ -3969,37 +3971,72 @@
       </p:sp>
       <p:pic>
         <p:nvPicPr>
-          <p:cNvPr id="3" name="線上媒體 2" title="【生成式AI導論 2024】第10講：今日的語言模型是如何做文字接龍的 — 淺談Transformer (已經熟悉 Transformer 的同學可略過本講)">
-            <a:hlinkClick r:id="" action="ppaction://media"/>
-            <a:extLst>
-              <a:ext uri="{FF2B5EF4-FFF2-40B4-BE49-F238E27FC236}">
-                <a16:creationId xmlns:a16="http://schemas.microsoft.com/office/drawing/2014/main" id="{24D5BD58-C015-2442-09D4-93AE8FA949A5}"/>
+          <p:cNvPr id="5" name="圖片 4">
+            <a:extLst>
+              <a:ext uri="{FF2B5EF4-FFF2-40B4-BE49-F238E27FC236}">
+                <a16:creationId xmlns:a16="http://schemas.microsoft.com/office/drawing/2014/main" id="{376C7919-2D3A-25DC-C4B0-E0AD95435DA7}"/>
               </a:ext>
             </a:extLst>
           </p:cNvPr>
           <p:cNvPicPr>
-            <a:picLocks noRot="1" noChangeAspect="1"/>
+            <a:picLocks noChangeAspect="1"/>
           </p:cNvPicPr>
-          <p:nvPr>
-            <a:videoFile r:link="rId1"/>
-          </p:nvPr>
+          <p:nvPr/>
         </p:nvPicPr>
         <p:blipFill>
-          <a:blip r:embed="rId3"/>
+          <a:blip r:embed="rId2"/>
           <a:stretch>
             <a:fillRect/>
           </a:stretch>
         </p:blipFill>
         <p:spPr>
           <a:xfrm>
-            <a:off x="1248845" y="1187034"/>
-            <a:ext cx="9694310" cy="5473003"/>
+            <a:off x="3634737" y="993301"/>
+            <a:ext cx="4922525" cy="5864699"/>
           </a:xfrm>
           <a:prstGeom prst="rect">
             <a:avLst/>
           </a:prstGeom>
         </p:spPr>
       </p:pic>
+      <p:sp>
+        <p:nvSpPr>
+          <p:cNvPr id="7" name="文字方塊 6">
+            <a:extLst>
+              <a:ext uri="{FF2B5EF4-FFF2-40B4-BE49-F238E27FC236}">
+                <a16:creationId xmlns:a16="http://schemas.microsoft.com/office/drawing/2014/main" id="{FAB7CD73-FD6F-4989-0F34-76965A832EAB}"/>
+              </a:ext>
+            </a:extLst>
+          </p:cNvPr>
+          <p:cNvSpPr txBox="1"/>
+          <p:nvPr/>
+        </p:nvSpPr>
+        <p:spPr>
+          <a:xfrm>
+            <a:off x="7641209" y="6536926"/>
+            <a:ext cx="4550790" cy="246221"/>
+          </a:xfrm>
+          <a:prstGeom prst="rect">
+            <a:avLst/>
+          </a:prstGeom>
+          <a:noFill/>
+        </p:spPr>
+        <p:txBody>
+          <a:bodyPr wrap="square">
+            <a:spAutoFit/>
+          </a:bodyPr>
+          <a:lstStyle/>
+          <a:p>
+            <a:r>
+              <a:rPr lang="zh-TW" altLang="en-US" sz="1000" b="1" dirty="0">
+                <a:latin typeface="Times New Roman" panose="02020603050405020304" pitchFamily="18" charset="0"/>
+                <a:cs typeface="Times New Roman" panose="02020603050405020304" pitchFamily="18" charset="0"/>
+              </a:rPr>
+              <a:t>https://medium.com/ching-i/transformer-attention-is-all-you-need-c7967f38af14</a:t>
+            </a:r>
+          </a:p>
+        </p:txBody>
+      </p:sp>
     </p:spTree>
     <p:extLst>
       <p:ext uri="{BB962C8B-B14F-4D97-AF65-F5344CB8AC3E}">
@@ -4010,145 +4047,108 @@
   <p:clrMapOvr>
     <a:masterClrMapping/>
   </p:clrMapOvr>
-  <p:timing>
-    <p:tnLst>
-      <p:par>
-        <p:cTn id="1" dur="indefinite" restart="never" nodeType="tmRoot">
-          <p:childTnLst>
-            <p:seq concurrent="1" nextAc="seek">
-              <p:cTn id="2" dur="indefinite" nodeType="mainSeq">
-                <p:childTnLst>
-                  <p:par>
-                    <p:cTn id="3" fill="hold">
-                      <p:stCondLst>
-                        <p:cond delay="indefinite"/>
-                      </p:stCondLst>
-                      <p:childTnLst>
-                        <p:par>
-                          <p:cTn id="4" fill="hold">
-                            <p:stCondLst>
-                              <p:cond delay="0"/>
-                            </p:stCondLst>
-                            <p:childTnLst>
-                              <p:par>
-                                <p:cTn id="5" presetID="1" presetClass="mediacall" presetSubtype="0" fill="hold" nodeType="clickEffect">
-                                  <p:stCondLst>
-                                    <p:cond delay="0"/>
-                                  </p:stCondLst>
-                                  <p:childTnLst>
-                                    <p:cmd type="call" cmd="playFrom(0.0)">
-                                      <p:cBhvr>
-                                        <p:cTn id="6" dur="1" fill="hold"/>
-                                        <p:tgtEl>
-                                          <p:spTgt spid="3"/>
-                                        </p:tgtEl>
-                                      </p:cBhvr>
-                                    </p:cmd>
-                                  </p:childTnLst>
-                                </p:cTn>
-                              </p:par>
-                            </p:childTnLst>
-                          </p:cTn>
-                        </p:par>
-                      </p:childTnLst>
-                    </p:cTn>
-                  </p:par>
-                </p:childTnLst>
-              </p:cTn>
-              <p:prevCondLst>
-                <p:cond evt="onPrev" delay="0">
-                  <p:tgtEl>
-                    <p:sldTgt/>
-                  </p:tgtEl>
-                </p:cond>
-              </p:prevCondLst>
-              <p:nextCondLst>
-                <p:cond evt="onNext" delay="0">
-                  <p:tgtEl>
-                    <p:sldTgt/>
-                  </p:tgtEl>
-                </p:cond>
-              </p:nextCondLst>
-            </p:seq>
-            <p:video>
-              <p:cMediaNode vol="80000">
-                <p:cTn id="7" fill="hold" display="0">
-                  <p:stCondLst>
-                    <p:cond delay="indefinite"/>
-                  </p:stCondLst>
-                </p:cTn>
-                <p:tgtEl>
-                  <p:spTgt spid="3"/>
-                </p:tgtEl>
-              </p:cMediaNode>
-            </p:video>
-            <p:seq concurrent="1" nextAc="seek">
-              <p:cTn id="8" restart="whenNotActive" fill="hold" evtFilter="cancelBubble" nodeType="interactiveSeq">
-                <p:stCondLst>
-                  <p:cond evt="onClick" delay="0">
-                    <p:tgtEl>
-                      <p:spTgt spid="3"/>
-                    </p:tgtEl>
-                  </p:cond>
-                </p:stCondLst>
-                <p:endSync evt="end" delay="0">
-                  <p:rtn val="all"/>
-                </p:endSync>
-                <p:childTnLst>
-                  <p:par>
-                    <p:cTn id="9" fill="hold">
-                      <p:stCondLst>
-                        <p:cond delay="0"/>
-                      </p:stCondLst>
-                      <p:childTnLst>
-                        <p:par>
-                          <p:cTn id="10" fill="hold">
-                            <p:stCondLst>
-                              <p:cond delay="0"/>
-                            </p:stCondLst>
-                            <p:childTnLst>
-                              <p:par>
-                                <p:cTn id="11" presetID="2" presetClass="mediacall" presetSubtype="0" fill="hold" nodeType="clickEffect">
-                                  <p:stCondLst>
-                                    <p:cond delay="0"/>
-                                  </p:stCondLst>
-                                  <p:childTnLst>
-                                    <p:cmd type="call" cmd="togglePause">
-                                      <p:cBhvr>
-                                        <p:cTn id="12" dur="1" fill="hold"/>
-                                        <p:tgtEl>
-                                          <p:spTgt spid="3"/>
-                                        </p:tgtEl>
-                                      </p:cBhvr>
-                                    </p:cmd>
-                                  </p:childTnLst>
-                                </p:cTn>
-                              </p:par>
-                            </p:childTnLst>
-                          </p:cTn>
-                        </p:par>
-                      </p:childTnLst>
-                    </p:cTn>
-                  </p:par>
-                </p:childTnLst>
-              </p:cTn>
-              <p:nextCondLst>
-                <p:cond evt="onClick" delay="0">
-                  <p:tgtEl>
-                    <p:spTgt spid="3"/>
-                  </p:tgtEl>
-                </p:cond>
-              </p:nextCondLst>
-            </p:seq>
-          </p:childTnLst>
-        </p:cTn>
-      </p:par>
-    </p:tnLst>
-  </p:timing>
 </p:sld>
 </file>
 
 <file path=ppt/slides/slide15.xml><?xml version="1.0" encoding="utf-8"?>
+<p:sld xmlns:a="http://schemas.openxmlformats.org/drawingml/2006/main" xmlns:r="http://schemas.openxmlformats.org/officeDocument/2006/relationships" xmlns:p="http://schemas.openxmlformats.org/presentationml/2006/main">
+  <p:cSld>
+    <p:spTree>
+      <p:nvGrpSpPr>
+        <p:cNvPr id="1" name=""/>
+        <p:cNvGrpSpPr/>
+        <p:nvPr/>
+      </p:nvGrpSpPr>
+      <p:grpSpPr>
+        <a:xfrm>
+          <a:off x="0" y="0"/>
+          <a:ext cx="0" cy="0"/>
+          <a:chOff x="0" y="0"/>
+          <a:chExt cx="0" cy="0"/>
+        </a:xfrm>
+      </p:grpSpPr>
+      <p:sp>
+        <p:nvSpPr>
+          <p:cNvPr id="2" name="標題 1">
+            <a:extLst>
+              <a:ext uri="{FF2B5EF4-FFF2-40B4-BE49-F238E27FC236}">
+                <a16:creationId xmlns:a16="http://schemas.microsoft.com/office/drawing/2014/main" id="{C4058BC1-340C-EA8C-74D7-C2E9F34EAE94}"/>
+              </a:ext>
+            </a:extLst>
+          </p:cNvPr>
+          <p:cNvSpPr>
+            <a:spLocks noGrp="1"/>
+          </p:cNvSpPr>
+          <p:nvPr>
+            <p:ph type="ctrTitle"/>
+          </p:nvPr>
+        </p:nvSpPr>
+        <p:spPr>
+          <a:xfrm>
+            <a:off x="0" y="197963"/>
+            <a:ext cx="12192000" cy="955774"/>
+          </a:xfrm>
+        </p:spPr>
+        <p:txBody>
+          <a:bodyPr>
+            <a:normAutofit/>
+          </a:bodyPr>
+          <a:lstStyle/>
+          <a:p>
+            <a:r>
+              <a:rPr lang="en-US" altLang="zh-TW" b="1" dirty="0">
+                <a:solidFill>
+                  <a:srgbClr val="FF0000"/>
+                </a:solidFill>
+              </a:rPr>
+              <a:t>G</a:t>
+            </a:r>
+            <a:r>
+              <a:rPr lang="en-US" altLang="zh-TW" b="1" dirty="0"/>
+              <a:t>enerative </a:t>
+            </a:r>
+            <a:r>
+              <a:rPr lang="en-US" altLang="zh-TW" b="1" dirty="0">
+                <a:solidFill>
+                  <a:srgbClr val="FF0000"/>
+                </a:solidFill>
+              </a:rPr>
+              <a:t>P</a:t>
+            </a:r>
+            <a:r>
+              <a:rPr lang="en-US" altLang="zh-TW" b="1" dirty="0"/>
+              <a:t>retrained </a:t>
+            </a:r>
+            <a:r>
+              <a:rPr lang="en-US" altLang="zh-TW" b="1" dirty="0">
+                <a:solidFill>
+                  <a:srgbClr val="FF0000"/>
+                </a:solidFill>
+              </a:rPr>
+              <a:t>T</a:t>
+            </a:r>
+            <a:r>
+              <a:rPr lang="en-US" altLang="zh-TW" b="1" dirty="0"/>
+              <a:t>ransformer</a:t>
+            </a:r>
+            <a:endParaRPr lang="zh-TW" altLang="en-US" b="1" dirty="0"/>
+          </a:p>
+        </p:txBody>
+      </p:sp>
+    </p:spTree>
+    <p:extLst>
+      <p:ext uri="{BB962C8B-B14F-4D97-AF65-F5344CB8AC3E}">
+        <p14:creationId xmlns:p14="http://schemas.microsoft.com/office/powerpoint/2010/main" val="405715410"/>
+      </p:ext>
+    </p:extLst>
+  </p:cSld>
+  <p:clrMapOvr>
+    <a:masterClrMapping/>
+  </p:clrMapOvr>
+</p:sld>
+</file>
+
+<file path=ppt/slides/slide16.xml><?xml version="1.0" encoding="utf-8"?>
 <p:sld xmlns:a="http://schemas.openxmlformats.org/drawingml/2006/main" xmlns:r="http://schemas.openxmlformats.org/officeDocument/2006/relationships" xmlns:p="http://schemas.openxmlformats.org/presentationml/2006/main">
   <p:cSld>
     <p:spTree>
@@ -4444,108 +4444,6 @@
 </p:sld>
 </file>
 
-<file path=ppt/slides/slide16.xml><?xml version="1.0" encoding="utf-8"?>
-<p:sld xmlns:a="http://schemas.openxmlformats.org/drawingml/2006/main" xmlns:r="http://schemas.openxmlformats.org/officeDocument/2006/relationships" xmlns:p="http://schemas.openxmlformats.org/presentationml/2006/main">
-  <p:cSld>
-    <p:spTree>
-      <p:nvGrpSpPr>
-        <p:cNvPr id="1" name=""/>
-        <p:cNvGrpSpPr/>
-        <p:nvPr/>
-      </p:nvGrpSpPr>
-      <p:grpSpPr>
-        <a:xfrm>
-          <a:off x="0" y="0"/>
-          <a:ext cx="0" cy="0"/>
-          <a:chOff x="0" y="0"/>
-          <a:chExt cx="0" cy="0"/>
-        </a:xfrm>
-      </p:grpSpPr>
-      <p:sp>
-        <p:nvSpPr>
-          <p:cNvPr id="2" name="標題 1"/>
-          <p:cNvSpPr>
-            <a:spLocks noGrp="1"/>
-          </p:cNvSpPr>
-          <p:nvPr>
-            <p:ph type="title"/>
-          </p:nvPr>
-        </p:nvSpPr>
-        <p:spPr/>
-        <p:txBody>
-          <a:bodyPr/>
-          <a:lstStyle/>
-          <a:p>
-            <a:r>
-              <a:rPr lang="en-US" altLang="zh-TW" dirty="0">
-                <a:latin typeface="Arial Rounded MT Bold" panose="020F0704030504030204" pitchFamily="34" charset="0"/>
-              </a:rPr>
-              <a:t>How </a:t>
-            </a:r>
-            <a:r>
-              <a:rPr lang="en-US" altLang="zh-TW" dirty="0">
-                <a:solidFill>
-                  <a:srgbClr val="FF0000"/>
-                </a:solidFill>
-                <a:latin typeface="Arial Rounded MT Bold" panose="020F0704030504030204" pitchFamily="34" charset="0"/>
-              </a:rPr>
-              <a:t>Large</a:t>
-            </a:r>
-            <a:r>
-              <a:rPr lang="en-US" altLang="zh-TW" dirty="0">
-                <a:latin typeface="Arial Rounded MT Bold" panose="020F0704030504030204" pitchFamily="34" charset="0"/>
-              </a:rPr>
-              <a:t>?</a:t>
-            </a:r>
-            <a:endParaRPr lang="zh-TW" altLang="en-US" dirty="0">
-              <a:latin typeface="Arial Rounded MT Bold" panose="020F0704030504030204" pitchFamily="34" charset="0"/>
-            </a:endParaRPr>
-          </a:p>
-        </p:txBody>
-      </p:sp>
-      <p:pic>
-        <p:nvPicPr>
-          <p:cNvPr id="4" name="圖片 3">
-            <a:extLst>
-              <a:ext uri="{FF2B5EF4-FFF2-40B4-BE49-F238E27FC236}">
-                <a16:creationId xmlns:a16="http://schemas.microsoft.com/office/drawing/2014/main" id="{459D3F5F-747B-132D-249F-380D6D1C1130}"/>
-              </a:ext>
-            </a:extLst>
-          </p:cNvPr>
-          <p:cNvPicPr>
-            <a:picLocks noChangeAspect="1"/>
-          </p:cNvPicPr>
-          <p:nvPr/>
-        </p:nvPicPr>
-        <p:blipFill>
-          <a:blip r:embed="rId2"/>
-          <a:stretch>
-            <a:fillRect/>
-          </a:stretch>
-        </p:blipFill>
-        <p:spPr>
-          <a:xfrm>
-            <a:off x="780308" y="1690688"/>
-            <a:ext cx="10631384" cy="4505954"/>
-          </a:xfrm>
-          <a:prstGeom prst="rect">
-            <a:avLst/>
-          </a:prstGeom>
-        </p:spPr>
-      </p:pic>
-    </p:spTree>
-    <p:extLst>
-      <p:ext uri="{BB962C8B-B14F-4D97-AF65-F5344CB8AC3E}">
-        <p14:creationId xmlns:p14="http://schemas.microsoft.com/office/powerpoint/2010/main" val="2761689719"/>
-      </p:ext>
-    </p:extLst>
-  </p:cSld>
-  <p:clrMapOvr>
-    <a:masterClrMapping/>
-  </p:clrMapOvr>
-</p:sld>
-</file>
-
 <file path=ppt/slides/slide17.xml><?xml version="1.0" encoding="utf-8"?>
 <p:sld xmlns:a="http://schemas.openxmlformats.org/drawingml/2006/main" xmlns:r="http://schemas.openxmlformats.org/officeDocument/2006/relationships" xmlns:p="http://schemas.openxmlformats.org/presentationml/2006/main">
   <p:cSld>
@@ -4563,12 +4461,54 @@
           <a:chExt cx="0" cy="0"/>
         </a:xfrm>
       </p:grpSpPr>
+      <p:sp>
+        <p:nvSpPr>
+          <p:cNvPr id="2" name="標題 1"/>
+          <p:cNvSpPr>
+            <a:spLocks noGrp="1"/>
+          </p:cNvSpPr>
+          <p:nvPr>
+            <p:ph type="title"/>
+          </p:nvPr>
+        </p:nvSpPr>
+        <p:spPr/>
+        <p:txBody>
+          <a:bodyPr/>
+          <a:lstStyle/>
+          <a:p>
+            <a:r>
+              <a:rPr lang="en-US" altLang="zh-TW" dirty="0">
+                <a:latin typeface="Arial Rounded MT Bold" panose="020F0704030504030204" pitchFamily="34" charset="0"/>
+              </a:rPr>
+              <a:t>How </a:t>
+            </a:r>
+            <a:r>
+              <a:rPr lang="en-US" altLang="zh-TW" dirty="0">
+                <a:solidFill>
+                  <a:srgbClr val="FF0000"/>
+                </a:solidFill>
+                <a:latin typeface="Arial Rounded MT Bold" panose="020F0704030504030204" pitchFamily="34" charset="0"/>
+              </a:rPr>
+              <a:t>Large</a:t>
+            </a:r>
+            <a:r>
+              <a:rPr lang="en-US" altLang="zh-TW" dirty="0">
+                <a:latin typeface="Arial Rounded MT Bold" panose="020F0704030504030204" pitchFamily="34" charset="0"/>
+              </a:rPr>
+              <a:t>?</a:t>
+            </a:r>
+            <a:endParaRPr lang="zh-TW" altLang="en-US" dirty="0">
+              <a:latin typeface="Arial Rounded MT Bold" panose="020F0704030504030204" pitchFamily="34" charset="0"/>
+            </a:endParaRPr>
+          </a:p>
+        </p:txBody>
+      </p:sp>
       <p:pic>
         <p:nvPicPr>
-          <p:cNvPr id="5" name="圖片 4">
-            <a:extLst>
-              <a:ext uri="{FF2B5EF4-FFF2-40B4-BE49-F238E27FC236}">
-                <a16:creationId xmlns:a16="http://schemas.microsoft.com/office/drawing/2014/main" id="{47F6DB68-990A-3260-7062-C83C7A746A00}"/>
+          <p:cNvPr id="4" name="圖片 3">
+            <a:extLst>
+              <a:ext uri="{FF2B5EF4-FFF2-40B4-BE49-F238E27FC236}">
+                <a16:creationId xmlns:a16="http://schemas.microsoft.com/office/drawing/2014/main" id="{459D3F5F-747B-132D-249F-380D6D1C1130}"/>
               </a:ext>
             </a:extLst>
           </p:cNvPr>
@@ -4585,129 +4525,18 @@
         </p:blipFill>
         <p:spPr>
           <a:xfrm>
-            <a:off x="2015558" y="1547322"/>
-            <a:ext cx="8160884" cy="4945553"/>
+            <a:off x="780308" y="1690688"/>
+            <a:ext cx="10631384" cy="4505954"/>
           </a:xfrm>
           <a:prstGeom prst="rect">
             <a:avLst/>
           </a:prstGeom>
         </p:spPr>
       </p:pic>
-      <p:sp>
-        <p:nvSpPr>
-          <p:cNvPr id="6" name="文字方塊 5">
-            <a:extLst>
-              <a:ext uri="{FF2B5EF4-FFF2-40B4-BE49-F238E27FC236}">
-                <a16:creationId xmlns:a16="http://schemas.microsoft.com/office/drawing/2014/main" id="{F76C9D7B-B564-57D1-5FD7-FE9F92596234}"/>
-              </a:ext>
-            </a:extLst>
-          </p:cNvPr>
-          <p:cNvSpPr txBox="1"/>
-          <p:nvPr/>
-        </p:nvSpPr>
-        <p:spPr>
-          <a:xfrm>
-            <a:off x="3506771" y="5825765"/>
-            <a:ext cx="5863472" cy="395926"/>
-          </a:xfrm>
-          <a:prstGeom prst="rect">
-            <a:avLst/>
-          </a:prstGeom>
-          <a:noFill/>
-          <a:ln w="38100">
-            <a:solidFill>
-              <a:srgbClr val="FF0000"/>
-            </a:solidFill>
-          </a:ln>
-        </p:spPr>
-        <p:txBody>
-          <a:bodyPr wrap="square" rtlCol="0">
-            <a:spAutoFit/>
-          </a:bodyPr>
-          <a:lstStyle/>
-          <a:p>
-            <a:endParaRPr lang="zh-TW" altLang="en-US" dirty="0"/>
-          </a:p>
-        </p:txBody>
-      </p:sp>
-      <p:sp>
-        <p:nvSpPr>
-          <p:cNvPr id="7" name="標題 1">
-            <a:extLst>
-              <a:ext uri="{FF2B5EF4-FFF2-40B4-BE49-F238E27FC236}">
-                <a16:creationId xmlns:a16="http://schemas.microsoft.com/office/drawing/2014/main" id="{533767C0-EAA3-3A66-CE38-AB590B3428DB}"/>
-              </a:ext>
-            </a:extLst>
-          </p:cNvPr>
-          <p:cNvSpPr txBox="1">
-            <a:spLocks/>
-          </p:cNvSpPr>
-          <p:nvPr/>
-        </p:nvSpPr>
-        <p:spPr>
-          <a:xfrm>
-            <a:off x="443845" y="221759"/>
-            <a:ext cx="10515600" cy="1325563"/>
-          </a:xfrm>
-          <a:prstGeom prst="rect">
-            <a:avLst/>
-          </a:prstGeom>
-        </p:spPr>
-        <p:txBody>
-          <a:bodyPr vert="horz" lIns="91440" tIns="45720" rIns="91440" bIns="45720" rtlCol="0" anchor="ctr">
-            <a:normAutofit/>
-          </a:bodyPr>
-          <a:lstStyle>
-            <a:lvl1pPr algn="l" defTabSz="914400" rtl="0" eaLnBrk="1" latinLnBrk="0" hangingPunct="1">
-              <a:lnSpc>
-                <a:spcPct val="90000"/>
-              </a:lnSpc>
-              <a:spcBef>
-                <a:spcPct val="0"/>
-              </a:spcBef>
-              <a:buNone/>
-              <a:defRPr sz="4400" kern="1200">
-                <a:solidFill>
-                  <a:schemeClr val="tx1"/>
-                </a:solidFill>
-                <a:latin typeface="+mj-lt"/>
-                <a:ea typeface="+mj-ea"/>
-                <a:cs typeface="+mj-cs"/>
-              </a:defRPr>
-            </a:lvl1pPr>
-          </a:lstStyle>
-          <a:p>
-            <a:r>
-              <a:rPr lang="en-US" altLang="zh-TW" dirty="0">
-                <a:latin typeface="Arial Rounded MT Bold" panose="020F0704030504030204" pitchFamily="34" charset="0"/>
-              </a:rPr>
-              <a:t>How </a:t>
-            </a:r>
-            <a:r>
-              <a:rPr lang="en-US" altLang="zh-TW" dirty="0">
-                <a:solidFill>
-                  <a:srgbClr val="FF0000"/>
-                </a:solidFill>
-                <a:latin typeface="Arial Rounded MT Bold" panose="020F0704030504030204" pitchFamily="34" charset="0"/>
-              </a:rPr>
-              <a:t>Large</a:t>
-            </a:r>
-            <a:r>
-              <a:rPr lang="en-US" altLang="zh-TW" dirty="0">
-                <a:latin typeface="Arial Rounded MT Bold" panose="020F0704030504030204" pitchFamily="34" charset="0"/>
-              </a:rPr>
-              <a:t>?</a:t>
-            </a:r>
-            <a:endParaRPr lang="zh-TW" altLang="en-US" dirty="0">
-              <a:latin typeface="Arial Rounded MT Bold" panose="020F0704030504030204" pitchFamily="34" charset="0"/>
-            </a:endParaRPr>
-          </a:p>
-        </p:txBody>
-      </p:sp>
     </p:spTree>
     <p:extLst>
       <p:ext uri="{BB962C8B-B14F-4D97-AF65-F5344CB8AC3E}">
-        <p14:creationId xmlns:p14="http://schemas.microsoft.com/office/powerpoint/2010/main" val="3442378871"/>
+        <p14:creationId xmlns:p14="http://schemas.microsoft.com/office/powerpoint/2010/main" val="2761689719"/>
       </p:ext>
     </p:extLst>
   </p:cSld>
@@ -4734,88 +4563,12 @@
           <a:chExt cx="0" cy="0"/>
         </a:xfrm>
       </p:grpSpPr>
-      <p:sp>
-        <p:nvSpPr>
-          <p:cNvPr id="5" name="文字方塊 4">
-            <a:extLst>
-              <a:ext uri="{FF2B5EF4-FFF2-40B4-BE49-F238E27FC236}">
-                <a16:creationId xmlns:a16="http://schemas.microsoft.com/office/drawing/2014/main" id="{F03C9F37-4803-EA57-444A-48CF94FF72D3}"/>
-              </a:ext>
-            </a:extLst>
-          </p:cNvPr>
-          <p:cNvSpPr txBox="1"/>
-          <p:nvPr/>
-        </p:nvSpPr>
-        <p:spPr>
-          <a:xfrm>
-            <a:off x="8074844" y="6136508"/>
-            <a:ext cx="7605074" cy="246221"/>
-          </a:xfrm>
-          <a:prstGeom prst="rect">
-            <a:avLst/>
-          </a:prstGeom>
-          <a:noFill/>
-        </p:spPr>
-        <p:txBody>
-          <a:bodyPr wrap="square">
-            <a:spAutoFit/>
-          </a:bodyPr>
-          <a:lstStyle/>
-          <a:p>
-            <a:r>
-              <a:rPr lang="zh-TW" altLang="en-US" sz="1000" dirty="0">
-                <a:latin typeface="Times New Roman" panose="02020603050405020304" pitchFamily="18" charset="0"/>
-                <a:cs typeface="Times New Roman" panose="02020603050405020304" pitchFamily="18" charset="0"/>
-              </a:rPr>
-              <a:t>https://medium.com/@daniellefranca96/gpt4-all-details-leaked-48fa20f9a4a</a:t>
-            </a:r>
-          </a:p>
-        </p:txBody>
-      </p:sp>
-      <p:sp>
-        <p:nvSpPr>
-          <p:cNvPr id="8" name="文字方塊 7">
-            <a:extLst>
-              <a:ext uri="{FF2B5EF4-FFF2-40B4-BE49-F238E27FC236}">
-                <a16:creationId xmlns:a16="http://schemas.microsoft.com/office/drawing/2014/main" id="{3CC8587C-0DFB-A603-D9A2-048331ECE0C0}"/>
-              </a:ext>
-            </a:extLst>
-          </p:cNvPr>
-          <p:cNvSpPr txBox="1"/>
-          <p:nvPr/>
-        </p:nvSpPr>
-        <p:spPr>
-          <a:xfrm>
-            <a:off x="8074844" y="5864356"/>
-            <a:ext cx="8038707" cy="246221"/>
-          </a:xfrm>
-          <a:prstGeom prst="rect">
-            <a:avLst/>
-          </a:prstGeom>
-          <a:noFill/>
-        </p:spPr>
-        <p:txBody>
-          <a:bodyPr wrap="square">
-            <a:spAutoFit/>
-          </a:bodyPr>
-          <a:lstStyle/>
-          <a:p>
-            <a:r>
-              <a:rPr lang="zh-TW" altLang="en-US" sz="1000" dirty="0">
-                <a:latin typeface="Times New Roman" panose="02020603050405020304" pitchFamily="18" charset="0"/>
-                <a:cs typeface="Times New Roman" panose="02020603050405020304" pitchFamily="18" charset="0"/>
-              </a:rPr>
-              <a:t>https://towardsdatascience.com/the-carbon-footprint-of-gpt-4-d6c676eb21ae</a:t>
-            </a:r>
-          </a:p>
-        </p:txBody>
-      </p:sp>
       <p:pic>
         <p:nvPicPr>
-          <p:cNvPr id="10" name="圖片 9">
-            <a:extLst>
-              <a:ext uri="{FF2B5EF4-FFF2-40B4-BE49-F238E27FC236}">
-                <a16:creationId xmlns:a16="http://schemas.microsoft.com/office/drawing/2014/main" id="{57BE804F-FF29-64EA-91C2-FEB9FD4D04B2}"/>
+          <p:cNvPr id="5" name="圖片 4">
+            <a:extLst>
+              <a:ext uri="{FF2B5EF4-FFF2-40B4-BE49-F238E27FC236}">
+                <a16:creationId xmlns:a16="http://schemas.microsoft.com/office/drawing/2014/main" id="{47F6DB68-990A-3260-7062-C83C7A746A00}"/>
               </a:ext>
             </a:extLst>
           </p:cNvPr>
@@ -4832,8 +4585,8 @@
         </p:blipFill>
         <p:spPr>
           <a:xfrm>
-            <a:off x="699952" y="1492107"/>
-            <a:ext cx="5396048" cy="4223208"/>
+            <a:off x="2015558" y="1547322"/>
+            <a:ext cx="8160884" cy="4945553"/>
           </a:xfrm>
           <a:prstGeom prst="rect">
             <a:avLst/>
@@ -4842,10 +4595,10 @@
       </p:pic>
       <p:sp>
         <p:nvSpPr>
-          <p:cNvPr id="14" name="文字方塊 13">
-            <a:extLst>
-              <a:ext uri="{FF2B5EF4-FFF2-40B4-BE49-F238E27FC236}">
-                <a16:creationId xmlns:a16="http://schemas.microsoft.com/office/drawing/2014/main" id="{8F595FCC-C08E-E7EF-01B8-926FEEFCAE6F}"/>
+          <p:cNvPr id="6" name="文字方塊 5">
+            <a:extLst>
+              <a:ext uri="{FF2B5EF4-FFF2-40B4-BE49-F238E27FC236}">
+                <a16:creationId xmlns:a16="http://schemas.microsoft.com/office/drawing/2014/main" id="{F76C9D7B-B564-57D1-5FD7-FE9F92596234}"/>
               </a:ext>
             </a:extLst>
           </p:cNvPr>
@@ -4854,66 +4607,35 @@
         </p:nvSpPr>
         <p:spPr>
           <a:xfrm>
-            <a:off x="8074843" y="6369764"/>
-            <a:ext cx="7290847" cy="246221"/>
+            <a:off x="3506771" y="5825765"/>
+            <a:ext cx="5863472" cy="395926"/>
           </a:xfrm>
           <a:prstGeom prst="rect">
             <a:avLst/>
           </a:prstGeom>
           <a:noFill/>
-        </p:spPr>
-        <p:txBody>
-          <a:bodyPr wrap="square">
+          <a:ln w="38100">
+            <a:solidFill>
+              <a:srgbClr val="FF0000"/>
+            </a:solidFill>
+          </a:ln>
+        </p:spPr>
+        <p:txBody>
+          <a:bodyPr wrap="square" rtlCol="0">
             <a:spAutoFit/>
           </a:bodyPr>
           <a:lstStyle/>
           <a:p>
-            <a:r>
-              <a:rPr lang="zh-TW" altLang="en-US" sz="1000" dirty="0">
-                <a:latin typeface="Times New Roman" panose="02020603050405020304" pitchFamily="18" charset="0"/>
-                <a:cs typeface="Times New Roman" panose="02020603050405020304" pitchFamily="18" charset="0"/>
-              </a:rPr>
-              <a:t>https://www.energy.gov/eere/articles/how-much-power-1-gigawatt</a:t>
-            </a:r>
-          </a:p>
-        </p:txBody>
-      </p:sp>
-      <p:pic>
-        <p:nvPicPr>
-          <p:cNvPr id="16" name="圖片 15">
-            <a:extLst>
-              <a:ext uri="{FF2B5EF4-FFF2-40B4-BE49-F238E27FC236}">
-                <a16:creationId xmlns:a16="http://schemas.microsoft.com/office/drawing/2014/main" id="{4C38958E-0984-05CF-EFA5-90EDDE1E8E4C}"/>
-              </a:ext>
-            </a:extLst>
-          </p:cNvPr>
-          <p:cNvPicPr>
-            <a:picLocks noChangeAspect="1"/>
-          </p:cNvPicPr>
-          <p:nvPr/>
-        </p:nvPicPr>
-        <p:blipFill>
-          <a:blip r:embed="rId3"/>
-          <a:stretch>
-            <a:fillRect/>
-          </a:stretch>
-        </p:blipFill>
-        <p:spPr>
-          <a:xfrm>
-            <a:off x="5964611" y="1758726"/>
-            <a:ext cx="6027254" cy="3956589"/>
-          </a:xfrm>
-          <a:prstGeom prst="rect">
-            <a:avLst/>
-          </a:prstGeom>
-        </p:spPr>
-      </p:pic>
-      <p:sp>
-        <p:nvSpPr>
-          <p:cNvPr id="11" name="標題 1">
-            <a:extLst>
-              <a:ext uri="{FF2B5EF4-FFF2-40B4-BE49-F238E27FC236}">
-                <a16:creationId xmlns:a16="http://schemas.microsoft.com/office/drawing/2014/main" id="{06D83507-5D66-6E51-FA85-A215200B8C16}"/>
+            <a:endParaRPr lang="zh-TW" altLang="en-US" dirty="0"/>
+          </a:p>
+        </p:txBody>
+      </p:sp>
+      <p:sp>
+        <p:nvSpPr>
+          <p:cNvPr id="7" name="標題 1">
+            <a:extLst>
+              <a:ext uri="{FF2B5EF4-FFF2-40B4-BE49-F238E27FC236}">
+                <a16:creationId xmlns:a16="http://schemas.microsoft.com/office/drawing/2014/main" id="{533767C0-EAA3-3A66-CE38-AB590B3428DB}"/>
               </a:ext>
             </a:extLst>
           </p:cNvPr>
@@ -4985,7 +4707,7 @@
     </p:spTree>
     <p:extLst>
       <p:ext uri="{BB962C8B-B14F-4D97-AF65-F5344CB8AC3E}">
-        <p14:creationId xmlns:p14="http://schemas.microsoft.com/office/powerpoint/2010/main" val="193977794"/>
+        <p14:creationId xmlns:p14="http://schemas.microsoft.com/office/powerpoint/2010/main" val="3442378871"/>
       </p:ext>
     </p:extLst>
   </p:cSld>
@@ -5012,12 +4734,88 @@
           <a:chExt cx="0" cy="0"/>
         </a:xfrm>
       </p:grpSpPr>
+      <p:sp>
+        <p:nvSpPr>
+          <p:cNvPr id="5" name="文字方塊 4">
+            <a:extLst>
+              <a:ext uri="{FF2B5EF4-FFF2-40B4-BE49-F238E27FC236}">
+                <a16:creationId xmlns:a16="http://schemas.microsoft.com/office/drawing/2014/main" id="{F03C9F37-4803-EA57-444A-48CF94FF72D3}"/>
+              </a:ext>
+            </a:extLst>
+          </p:cNvPr>
+          <p:cNvSpPr txBox="1"/>
+          <p:nvPr/>
+        </p:nvSpPr>
+        <p:spPr>
+          <a:xfrm>
+            <a:off x="8074844" y="6136508"/>
+            <a:ext cx="7605074" cy="246221"/>
+          </a:xfrm>
+          <a:prstGeom prst="rect">
+            <a:avLst/>
+          </a:prstGeom>
+          <a:noFill/>
+        </p:spPr>
+        <p:txBody>
+          <a:bodyPr wrap="square">
+            <a:spAutoFit/>
+          </a:bodyPr>
+          <a:lstStyle/>
+          <a:p>
+            <a:r>
+              <a:rPr lang="zh-TW" altLang="en-US" sz="1000" dirty="0">
+                <a:latin typeface="Times New Roman" panose="02020603050405020304" pitchFamily="18" charset="0"/>
+                <a:cs typeface="Times New Roman" panose="02020603050405020304" pitchFamily="18" charset="0"/>
+              </a:rPr>
+              <a:t>https://medium.com/@daniellefranca96/gpt4-all-details-leaked-48fa20f9a4a</a:t>
+            </a:r>
+          </a:p>
+        </p:txBody>
+      </p:sp>
+      <p:sp>
+        <p:nvSpPr>
+          <p:cNvPr id="8" name="文字方塊 7">
+            <a:extLst>
+              <a:ext uri="{FF2B5EF4-FFF2-40B4-BE49-F238E27FC236}">
+                <a16:creationId xmlns:a16="http://schemas.microsoft.com/office/drawing/2014/main" id="{3CC8587C-0DFB-A603-D9A2-048331ECE0C0}"/>
+              </a:ext>
+            </a:extLst>
+          </p:cNvPr>
+          <p:cNvSpPr txBox="1"/>
+          <p:nvPr/>
+        </p:nvSpPr>
+        <p:spPr>
+          <a:xfrm>
+            <a:off x="8074844" y="5864356"/>
+            <a:ext cx="8038707" cy="246221"/>
+          </a:xfrm>
+          <a:prstGeom prst="rect">
+            <a:avLst/>
+          </a:prstGeom>
+          <a:noFill/>
+        </p:spPr>
+        <p:txBody>
+          <a:bodyPr wrap="square">
+            <a:spAutoFit/>
+          </a:bodyPr>
+          <a:lstStyle/>
+          <a:p>
+            <a:r>
+              <a:rPr lang="zh-TW" altLang="en-US" sz="1000" dirty="0">
+                <a:latin typeface="Times New Roman" panose="02020603050405020304" pitchFamily="18" charset="0"/>
+                <a:cs typeface="Times New Roman" panose="02020603050405020304" pitchFamily="18" charset="0"/>
+              </a:rPr>
+              <a:t>https://towardsdatascience.com/the-carbon-footprint-of-gpt-4-d6c676eb21ae</a:t>
+            </a:r>
+          </a:p>
+        </p:txBody>
+      </p:sp>
       <p:pic>
         <p:nvPicPr>
-          <p:cNvPr id="12" name="圖片 11">
-            <a:extLst>
-              <a:ext uri="{FF2B5EF4-FFF2-40B4-BE49-F238E27FC236}">
-                <a16:creationId xmlns:a16="http://schemas.microsoft.com/office/drawing/2014/main" id="{774F5C51-5EA4-D294-28C7-2B9E15C95451}"/>
+          <p:cNvPr id="10" name="圖片 9">
+            <a:extLst>
+              <a:ext uri="{FF2B5EF4-FFF2-40B4-BE49-F238E27FC236}">
+                <a16:creationId xmlns:a16="http://schemas.microsoft.com/office/drawing/2014/main" id="{57BE804F-FF29-64EA-91C2-FEB9FD4D04B2}"/>
               </a:ext>
             </a:extLst>
           </p:cNvPr>
@@ -5034,20 +4832,58 @@
         </p:blipFill>
         <p:spPr>
           <a:xfrm>
-            <a:off x="0" y="5007100"/>
-            <a:ext cx="12192000" cy="1850900"/>
+            <a:off x="699952" y="1492107"/>
+            <a:ext cx="5396048" cy="4223208"/>
           </a:xfrm>
           <a:prstGeom prst="rect">
             <a:avLst/>
           </a:prstGeom>
         </p:spPr>
       </p:pic>
+      <p:sp>
+        <p:nvSpPr>
+          <p:cNvPr id="14" name="文字方塊 13">
+            <a:extLst>
+              <a:ext uri="{FF2B5EF4-FFF2-40B4-BE49-F238E27FC236}">
+                <a16:creationId xmlns:a16="http://schemas.microsoft.com/office/drawing/2014/main" id="{8F595FCC-C08E-E7EF-01B8-926FEEFCAE6F}"/>
+              </a:ext>
+            </a:extLst>
+          </p:cNvPr>
+          <p:cNvSpPr txBox="1"/>
+          <p:nvPr/>
+        </p:nvSpPr>
+        <p:spPr>
+          <a:xfrm>
+            <a:off x="8074843" y="6369764"/>
+            <a:ext cx="7290847" cy="246221"/>
+          </a:xfrm>
+          <a:prstGeom prst="rect">
+            <a:avLst/>
+          </a:prstGeom>
+          <a:noFill/>
+        </p:spPr>
+        <p:txBody>
+          <a:bodyPr wrap="square">
+            <a:spAutoFit/>
+          </a:bodyPr>
+          <a:lstStyle/>
+          <a:p>
+            <a:r>
+              <a:rPr lang="zh-TW" altLang="en-US" sz="1000" dirty="0">
+                <a:latin typeface="Times New Roman" panose="02020603050405020304" pitchFamily="18" charset="0"/>
+                <a:cs typeface="Times New Roman" panose="02020603050405020304" pitchFamily="18" charset="0"/>
+              </a:rPr>
+              <a:t>https://www.energy.gov/eere/articles/how-much-power-1-gigawatt</a:t>
+            </a:r>
+          </a:p>
+        </p:txBody>
+      </p:sp>
       <p:pic>
         <p:nvPicPr>
-          <p:cNvPr id="3" name="圖片 2" descr="一張含有 符號, 標誌, 字型, 圖形 的圖片&#10;&#10;自動產生的描述">
-            <a:extLst>
-              <a:ext uri="{FF2B5EF4-FFF2-40B4-BE49-F238E27FC236}">
-                <a16:creationId xmlns:a16="http://schemas.microsoft.com/office/drawing/2014/main" id="{2BA04D94-BE08-5B51-A5B0-065D9551C64C}"/>
+          <p:cNvPr id="16" name="圖片 15">
+            <a:extLst>
+              <a:ext uri="{FF2B5EF4-FFF2-40B4-BE49-F238E27FC236}">
+                <a16:creationId xmlns:a16="http://schemas.microsoft.com/office/drawing/2014/main" id="{4C38958E-0984-05CF-EFA5-90EDDE1E8E4C}"/>
               </a:ext>
             </a:extLst>
           </p:cNvPr>
@@ -5057,91 +4893,99 @@
           <p:nvPr/>
         </p:nvPicPr>
         <p:blipFill>
-          <a:blip r:embed="rId3">
-            <a:extLst>
-              <a:ext uri="{28A0092B-C50C-407E-A947-70E740481C1C}">
-                <a14:useLocalDpi xmlns:a14="http://schemas.microsoft.com/office/drawing/2010/main" val="0"/>
-              </a:ext>
-            </a:extLst>
-          </a:blip>
+          <a:blip r:embed="rId3"/>
           <a:stretch>
             <a:fillRect/>
           </a:stretch>
         </p:blipFill>
         <p:spPr>
           <a:xfrm>
-            <a:off x="0" y="0"/>
-            <a:ext cx="1649691" cy="1649691"/>
+            <a:off x="5964611" y="1758726"/>
+            <a:ext cx="6027254" cy="3956589"/>
           </a:xfrm>
           <a:prstGeom prst="rect">
             <a:avLst/>
           </a:prstGeom>
         </p:spPr>
       </p:pic>
-      <p:pic>
-        <p:nvPicPr>
-          <p:cNvPr id="10" name="圖片 9">
-            <a:extLst>
-              <a:ext uri="{FF2B5EF4-FFF2-40B4-BE49-F238E27FC236}">
-                <a16:creationId xmlns:a16="http://schemas.microsoft.com/office/drawing/2014/main" id="{60559B37-E538-7B1F-F20E-14833F2231AE}"/>
-              </a:ext>
-            </a:extLst>
-          </p:cNvPr>
-          <p:cNvPicPr>
-            <a:picLocks noChangeAspect="1"/>
-          </p:cNvPicPr>
+      <p:sp>
+        <p:nvSpPr>
+          <p:cNvPr id="11" name="標題 1">
+            <a:extLst>
+              <a:ext uri="{FF2B5EF4-FFF2-40B4-BE49-F238E27FC236}">
+                <a16:creationId xmlns:a16="http://schemas.microsoft.com/office/drawing/2014/main" id="{06D83507-5D66-6E51-FA85-A215200B8C16}"/>
+              </a:ext>
+            </a:extLst>
+          </p:cNvPr>
+          <p:cNvSpPr txBox="1">
+            <a:spLocks/>
+          </p:cNvSpPr>
           <p:nvPr/>
-        </p:nvPicPr>
-        <p:blipFill>
-          <a:blip r:embed="rId4"/>
-          <a:stretch>
-            <a:fillRect/>
-          </a:stretch>
-        </p:blipFill>
-        <p:spPr>
-          <a:xfrm>
-            <a:off x="1649691" y="-37707"/>
-            <a:ext cx="7106642" cy="3667637"/>
+        </p:nvSpPr>
+        <p:spPr>
+          <a:xfrm>
+            <a:off x="443845" y="221759"/>
+            <a:ext cx="10515600" cy="1325563"/>
           </a:xfrm>
           <a:prstGeom prst="rect">
             <a:avLst/>
           </a:prstGeom>
         </p:spPr>
-      </p:pic>
-      <p:pic>
-        <p:nvPicPr>
-          <p:cNvPr id="5" name="圖片 4">
-            <a:extLst>
-              <a:ext uri="{FF2B5EF4-FFF2-40B4-BE49-F238E27FC236}">
-                <a16:creationId xmlns:a16="http://schemas.microsoft.com/office/drawing/2014/main" id="{F238A100-DF56-D39B-6B72-D36699DF39F8}"/>
-              </a:ext>
-            </a:extLst>
-          </p:cNvPr>
-          <p:cNvPicPr>
-            <a:picLocks noChangeAspect="1"/>
-          </p:cNvPicPr>
-          <p:nvPr/>
-        </p:nvPicPr>
-        <p:blipFill>
-          <a:blip r:embed="rId5"/>
-          <a:stretch>
-            <a:fillRect/>
-          </a:stretch>
-        </p:blipFill>
-        <p:spPr>
-          <a:xfrm>
-            <a:off x="-44586" y="3357409"/>
-            <a:ext cx="1694277" cy="1649691"/>
-          </a:xfrm>
-          <a:prstGeom prst="rect">
-            <a:avLst/>
-          </a:prstGeom>
-        </p:spPr>
-      </p:pic>
+        <p:txBody>
+          <a:bodyPr vert="horz" lIns="91440" tIns="45720" rIns="91440" bIns="45720" rtlCol="0" anchor="ctr">
+            <a:normAutofit/>
+          </a:bodyPr>
+          <a:lstStyle>
+            <a:lvl1pPr algn="l" defTabSz="914400" rtl="0" eaLnBrk="1" latinLnBrk="0" hangingPunct="1">
+              <a:lnSpc>
+                <a:spcPct val="90000"/>
+              </a:lnSpc>
+              <a:spcBef>
+                <a:spcPct val="0"/>
+              </a:spcBef>
+              <a:buNone/>
+              <a:defRPr sz="4400" kern="1200">
+                <a:solidFill>
+                  <a:schemeClr val="tx1"/>
+                </a:solidFill>
+                <a:latin typeface="+mj-lt"/>
+                <a:ea typeface="+mj-ea"/>
+                <a:cs typeface="+mj-cs"/>
+              </a:defRPr>
+            </a:lvl1pPr>
+          </a:lstStyle>
+          <a:p>
+            <a:r>
+              <a:rPr lang="en-US" altLang="zh-TW" dirty="0">
+                <a:latin typeface="Arial Rounded MT Bold" panose="020F0704030504030204" pitchFamily="34" charset="0"/>
+              </a:rPr>
+              <a:t>How </a:t>
+            </a:r>
+            <a:r>
+              <a:rPr lang="en-US" altLang="zh-TW" dirty="0">
+                <a:solidFill>
+                  <a:srgbClr val="FF0000"/>
+                </a:solidFill>
+                <a:latin typeface="Arial Rounded MT Bold" panose="020F0704030504030204" pitchFamily="34" charset="0"/>
+              </a:rPr>
+              <a:t>Large</a:t>
+            </a:r>
+            <a:r>
+              <a:rPr lang="en-US" altLang="zh-TW" dirty="0">
+                <a:latin typeface="Arial Rounded MT Bold" panose="020F0704030504030204" pitchFamily="34" charset="0"/>
+              </a:rPr>
+              <a:t>?</a:t>
+            </a:r>
+            <a:endParaRPr lang="zh-TW" altLang="en-US" dirty="0">
+              <a:latin typeface="Arial Rounded MT Bold" panose="020F0704030504030204" pitchFamily="34" charset="0"/>
+            </a:endParaRPr>
+          </a:p>
+        </p:txBody>
+      </p:sp>
     </p:spTree>
     <p:extLst>
       <p:ext uri="{BB962C8B-B14F-4D97-AF65-F5344CB8AC3E}">
-        <p14:creationId xmlns:p14="http://schemas.microsoft.com/office/powerpoint/2010/main" val="1078132520"/>
+        <p14:creationId xmlns:p14="http://schemas.microsoft.com/office/powerpoint/2010/main" val="193977794"/>
       </p:ext>
     </p:extLst>
   </p:cSld>
@@ -5189,7 +5033,11 @@
           <a:bodyPr/>
           <a:lstStyle/>
           <a:p>
-            <a:endParaRPr lang="zh-TW" altLang="en-US"/>
+            <a:r>
+              <a:rPr lang="en-US" altLang="zh-TW" dirty="0"/>
+              <a:t>Roadmap</a:t>
+            </a:r>
+            <a:endParaRPr lang="zh-TW" altLang="en-US" dirty="0"/>
           </a:p>
         </p:txBody>
       </p:sp>
@@ -5214,7 +5062,41 @@
           <a:bodyPr/>
           <a:lstStyle/>
           <a:p>
-            <a:endParaRPr lang="zh-TW" altLang="en-US"/>
+            <a:pPr marL="0" indent="0">
+              <a:buNone/>
+            </a:pPr>
+            <a:r>
+              <a:rPr lang="en-US" altLang="zh-TW" dirty="0"/>
+              <a:t>1. Recap</a:t>
+            </a:r>
+          </a:p>
+          <a:p>
+            <a:pPr marL="0" indent="0">
+              <a:buNone/>
+            </a:pPr>
+            <a:r>
+              <a:rPr lang="en-US" altLang="zh-TW" dirty="0"/>
+              <a:t>2. LLMs/GPTs</a:t>
+            </a:r>
+          </a:p>
+          <a:p>
+            <a:pPr marL="0" indent="0">
+              <a:buNone/>
+            </a:pPr>
+            <a:r>
+              <a:rPr lang="en-US" altLang="zh-TW" dirty="0"/>
+              <a:t>3. Comparison</a:t>
+            </a:r>
+          </a:p>
+          <a:p>
+            <a:pPr marL="0" indent="0">
+              <a:buNone/>
+            </a:pPr>
+            <a:r>
+              <a:rPr lang="en-US" altLang="zh-TW" dirty="0"/>
+              <a:t>4. LOKI</a:t>
+            </a:r>
+            <a:endParaRPr lang="zh-TW" altLang="en-US" dirty="0"/>
           </a:p>
         </p:txBody>
       </p:sp>
@@ -5248,6 +5130,162 @@
           <a:chExt cx="0" cy="0"/>
         </a:xfrm>
       </p:grpSpPr>
+      <p:pic>
+        <p:nvPicPr>
+          <p:cNvPr id="12" name="圖片 11">
+            <a:extLst>
+              <a:ext uri="{FF2B5EF4-FFF2-40B4-BE49-F238E27FC236}">
+                <a16:creationId xmlns:a16="http://schemas.microsoft.com/office/drawing/2014/main" id="{774F5C51-5EA4-D294-28C7-2B9E15C95451}"/>
+              </a:ext>
+            </a:extLst>
+          </p:cNvPr>
+          <p:cNvPicPr>
+            <a:picLocks noChangeAspect="1"/>
+          </p:cNvPicPr>
+          <p:nvPr/>
+        </p:nvPicPr>
+        <p:blipFill>
+          <a:blip r:embed="rId2"/>
+          <a:stretch>
+            <a:fillRect/>
+          </a:stretch>
+        </p:blipFill>
+        <p:spPr>
+          <a:xfrm>
+            <a:off x="0" y="5007100"/>
+            <a:ext cx="12192000" cy="1850900"/>
+          </a:xfrm>
+          <a:prstGeom prst="rect">
+            <a:avLst/>
+          </a:prstGeom>
+        </p:spPr>
+      </p:pic>
+      <p:pic>
+        <p:nvPicPr>
+          <p:cNvPr id="3" name="圖片 2" descr="一張含有 符號, 標誌, 字型, 圖形 的圖片&#10;&#10;自動產生的描述">
+            <a:extLst>
+              <a:ext uri="{FF2B5EF4-FFF2-40B4-BE49-F238E27FC236}">
+                <a16:creationId xmlns:a16="http://schemas.microsoft.com/office/drawing/2014/main" id="{2BA04D94-BE08-5B51-A5B0-065D9551C64C}"/>
+              </a:ext>
+            </a:extLst>
+          </p:cNvPr>
+          <p:cNvPicPr>
+            <a:picLocks noChangeAspect="1"/>
+          </p:cNvPicPr>
+          <p:nvPr/>
+        </p:nvPicPr>
+        <p:blipFill>
+          <a:blip r:embed="rId3">
+            <a:extLst>
+              <a:ext uri="{28A0092B-C50C-407E-A947-70E740481C1C}">
+                <a14:useLocalDpi xmlns:a14="http://schemas.microsoft.com/office/drawing/2010/main" val="0"/>
+              </a:ext>
+            </a:extLst>
+          </a:blip>
+          <a:stretch>
+            <a:fillRect/>
+          </a:stretch>
+        </p:blipFill>
+        <p:spPr>
+          <a:xfrm>
+            <a:off x="0" y="0"/>
+            <a:ext cx="1649691" cy="1649691"/>
+          </a:xfrm>
+          <a:prstGeom prst="rect">
+            <a:avLst/>
+          </a:prstGeom>
+        </p:spPr>
+      </p:pic>
+      <p:pic>
+        <p:nvPicPr>
+          <p:cNvPr id="10" name="圖片 9">
+            <a:extLst>
+              <a:ext uri="{FF2B5EF4-FFF2-40B4-BE49-F238E27FC236}">
+                <a16:creationId xmlns:a16="http://schemas.microsoft.com/office/drawing/2014/main" id="{60559B37-E538-7B1F-F20E-14833F2231AE}"/>
+              </a:ext>
+            </a:extLst>
+          </p:cNvPr>
+          <p:cNvPicPr>
+            <a:picLocks noChangeAspect="1"/>
+          </p:cNvPicPr>
+          <p:nvPr/>
+        </p:nvPicPr>
+        <p:blipFill>
+          <a:blip r:embed="rId4"/>
+          <a:stretch>
+            <a:fillRect/>
+          </a:stretch>
+        </p:blipFill>
+        <p:spPr>
+          <a:xfrm>
+            <a:off x="1649691" y="-37707"/>
+            <a:ext cx="7106642" cy="3667637"/>
+          </a:xfrm>
+          <a:prstGeom prst="rect">
+            <a:avLst/>
+          </a:prstGeom>
+        </p:spPr>
+      </p:pic>
+      <p:pic>
+        <p:nvPicPr>
+          <p:cNvPr id="5" name="圖片 4">
+            <a:extLst>
+              <a:ext uri="{FF2B5EF4-FFF2-40B4-BE49-F238E27FC236}">
+                <a16:creationId xmlns:a16="http://schemas.microsoft.com/office/drawing/2014/main" id="{F238A100-DF56-D39B-6B72-D36699DF39F8}"/>
+              </a:ext>
+            </a:extLst>
+          </p:cNvPr>
+          <p:cNvPicPr>
+            <a:picLocks noChangeAspect="1"/>
+          </p:cNvPicPr>
+          <p:nvPr/>
+        </p:nvPicPr>
+        <p:blipFill>
+          <a:blip r:embed="rId5"/>
+          <a:stretch>
+            <a:fillRect/>
+          </a:stretch>
+        </p:blipFill>
+        <p:spPr>
+          <a:xfrm>
+            <a:off x="-44586" y="3357409"/>
+            <a:ext cx="1694277" cy="1649691"/>
+          </a:xfrm>
+          <a:prstGeom prst="rect">
+            <a:avLst/>
+          </a:prstGeom>
+        </p:spPr>
+      </p:pic>
+    </p:spTree>
+    <p:extLst>
+      <p:ext uri="{BB962C8B-B14F-4D97-AF65-F5344CB8AC3E}">
+        <p14:creationId xmlns:p14="http://schemas.microsoft.com/office/powerpoint/2010/main" val="1078132520"/>
+      </p:ext>
+    </p:extLst>
+  </p:cSld>
+  <p:clrMapOvr>
+    <a:masterClrMapping/>
+  </p:clrMapOvr>
+</p:sld>
+</file>
+
+<file path=ppt/slides/slide21.xml><?xml version="1.0" encoding="utf-8"?>
+<p:sld xmlns:a="http://schemas.openxmlformats.org/drawingml/2006/main" xmlns:r="http://schemas.openxmlformats.org/officeDocument/2006/relationships" xmlns:p="http://schemas.openxmlformats.org/presentationml/2006/main">
+  <p:cSld>
+    <p:spTree>
+      <p:nvGrpSpPr>
+        <p:cNvPr id="1" name=""/>
+        <p:cNvGrpSpPr/>
+        <p:nvPr/>
+      </p:nvGrpSpPr>
+      <p:grpSpPr>
+        <a:xfrm>
+          <a:off x="0" y="0"/>
+          <a:ext cx="0" cy="0"/>
+          <a:chOff x="0" y="0"/>
+          <a:chExt cx="0" cy="0"/>
+        </a:xfrm>
+      </p:grpSpPr>
       <p:sp>
         <p:nvSpPr>
           <p:cNvPr id="2" name="標題 1">
@@ -5290,7 +5328,7 @@
 </p:sld>
 </file>
 
-<file path=ppt/slides/slide21.xml><?xml version="1.0" encoding="utf-8"?>
+<file path=ppt/slides/slide22.xml><?xml version="1.0" encoding="utf-8"?>
 <p:sld xmlns:a="http://schemas.openxmlformats.org/drawingml/2006/main" xmlns:r="http://schemas.openxmlformats.org/officeDocument/2006/relationships" xmlns:p="http://schemas.openxmlformats.org/presentationml/2006/main">
   <p:cSld>
     <p:spTree>
@@ -5390,65 +5428,6 @@
 </p:sld>
 </file>
 
-<file path=ppt/slides/slide22.xml><?xml version="1.0" encoding="utf-8"?>
-<p:sld xmlns:a="http://schemas.openxmlformats.org/drawingml/2006/main" xmlns:r="http://schemas.openxmlformats.org/officeDocument/2006/relationships" xmlns:p="http://schemas.openxmlformats.org/presentationml/2006/main">
-  <p:cSld>
-    <p:spTree>
-      <p:nvGrpSpPr>
-        <p:cNvPr id="1" name=""/>
-        <p:cNvGrpSpPr/>
-        <p:nvPr/>
-      </p:nvGrpSpPr>
-      <p:grpSpPr>
-        <a:xfrm>
-          <a:off x="0" y="0"/>
-          <a:ext cx="0" cy="0"/>
-          <a:chOff x="0" y="0"/>
-          <a:chExt cx="0" cy="0"/>
-        </a:xfrm>
-      </p:grpSpPr>
-      <p:sp>
-        <p:nvSpPr>
-          <p:cNvPr id="2" name="標題 1">
-            <a:extLst>
-              <a:ext uri="{FF2B5EF4-FFF2-40B4-BE49-F238E27FC236}">
-                <a16:creationId xmlns:a16="http://schemas.microsoft.com/office/drawing/2014/main" id="{10D2B2BD-78D3-BC9A-B5AA-1BCD5F608DE9}"/>
-              </a:ext>
-            </a:extLst>
-          </p:cNvPr>
-          <p:cNvSpPr>
-            <a:spLocks noGrp="1"/>
-          </p:cNvSpPr>
-          <p:nvPr>
-            <p:ph type="title"/>
-          </p:nvPr>
-        </p:nvSpPr>
-        <p:spPr/>
-        <p:txBody>
-          <a:bodyPr/>
-          <a:lstStyle/>
-          <a:p>
-            <a:r>
-              <a:rPr lang="en-US" altLang="zh-TW" dirty="0"/>
-              <a:t>Why did this happen?</a:t>
-            </a:r>
-            <a:endParaRPr lang="zh-TW" altLang="en-US" dirty="0"/>
-          </a:p>
-        </p:txBody>
-      </p:sp>
-    </p:spTree>
-    <p:extLst>
-      <p:ext uri="{BB962C8B-B14F-4D97-AF65-F5344CB8AC3E}">
-        <p14:creationId xmlns:p14="http://schemas.microsoft.com/office/powerpoint/2010/main" val="4026776249"/>
-      </p:ext>
-    </p:extLst>
-  </p:cSld>
-  <p:clrMapOvr>
-    <a:masterClrMapping/>
-  </p:clrMapOvr>
-</p:sld>
-</file>
-
 <file path=ppt/slides/slide23.xml><?xml version="1.0" encoding="utf-8"?>
 <p:sld xmlns:a="http://schemas.openxmlformats.org/drawingml/2006/main" xmlns:r="http://schemas.openxmlformats.org/officeDocument/2006/relationships" xmlns:p="http://schemas.openxmlformats.org/presentationml/2006/main">
   <p:cSld>
@@ -5466,95 +5445,39 @@
           <a:chExt cx="0" cy="0"/>
         </a:xfrm>
       </p:grpSpPr>
-      <p:pic>
-        <p:nvPicPr>
-          <p:cNvPr id="7" name="圖片 6" descr="一張含有 文字, 虛構小說, 海報, 虛構角色 的圖片&#10;&#10;自動產生的描述">
-            <a:extLst>
-              <a:ext uri="{FF2B5EF4-FFF2-40B4-BE49-F238E27FC236}">
-                <a16:creationId xmlns:a16="http://schemas.microsoft.com/office/drawing/2014/main" id="{326E9A78-07A9-11BE-C1F5-9E7DD5D7F20B}"/>
-              </a:ext>
-            </a:extLst>
-          </p:cNvPr>
-          <p:cNvPicPr>
-            <a:picLocks noChangeAspect="1"/>
-          </p:cNvPicPr>
-          <p:nvPr/>
-        </p:nvPicPr>
-        <p:blipFill>
-          <a:blip r:embed="rId2">
-            <a:extLst>
-              <a:ext uri="{28A0092B-C50C-407E-A947-70E740481C1C}">
-                <a14:useLocalDpi xmlns:a14="http://schemas.microsoft.com/office/drawing/2010/main" val="0"/>
-              </a:ext>
-            </a:extLst>
-          </a:blip>
-          <a:stretch>
-            <a:fillRect/>
-          </a:stretch>
-        </p:blipFill>
-        <p:spPr>
-          <a:xfrm>
-            <a:off x="0" y="0"/>
-            <a:ext cx="4072832" cy="6858000"/>
-          </a:xfrm>
-          <a:prstGeom prst="rect">
-            <a:avLst/>
-          </a:prstGeom>
-        </p:spPr>
-      </p:pic>
-      <p:sp>
-        <p:nvSpPr>
-          <p:cNvPr id="8" name="文字方塊 7">
-            <a:extLst>
-              <a:ext uri="{FF2B5EF4-FFF2-40B4-BE49-F238E27FC236}">
-                <a16:creationId xmlns:a16="http://schemas.microsoft.com/office/drawing/2014/main" id="{B6BFE548-5DF5-8971-A251-F28CD005B1E9}"/>
-              </a:ext>
-            </a:extLst>
-          </p:cNvPr>
-          <p:cNvSpPr txBox="1"/>
-          <p:nvPr/>
-        </p:nvSpPr>
-        <p:spPr>
-          <a:xfrm>
-            <a:off x="4336330" y="188537"/>
-            <a:ext cx="6617616" cy="1200329"/>
-          </a:xfrm>
-          <a:prstGeom prst="rect">
-            <a:avLst/>
-          </a:prstGeom>
-          <a:noFill/>
-        </p:spPr>
-        <p:txBody>
-          <a:bodyPr wrap="square" rtlCol="0">
-            <a:spAutoFit/>
-          </a:bodyPr>
+      <p:sp>
+        <p:nvSpPr>
+          <p:cNvPr id="2" name="標題 1">
+            <a:extLst>
+              <a:ext uri="{FF2B5EF4-FFF2-40B4-BE49-F238E27FC236}">
+                <a16:creationId xmlns:a16="http://schemas.microsoft.com/office/drawing/2014/main" id="{10D2B2BD-78D3-BC9A-B5AA-1BCD5F608DE9}"/>
+              </a:ext>
+            </a:extLst>
+          </p:cNvPr>
+          <p:cNvSpPr>
+            <a:spLocks noGrp="1"/>
+          </p:cNvSpPr>
+          <p:nvPr>
+            <p:ph type="title"/>
+          </p:nvPr>
+        </p:nvSpPr>
+        <p:spPr/>
+        <p:txBody>
+          <a:bodyPr/>
           <a:lstStyle/>
           <a:p>
             <a:r>
-              <a:rPr lang="en-US" altLang="zh-TW" sz="3600" b="1" dirty="0">
-                <a:solidFill>
-                  <a:srgbClr val="FF0000"/>
-                </a:solidFill>
-              </a:rPr>
-              <a:t>We don’t just listen, </a:t>
-            </a:r>
-          </a:p>
-          <a:p>
-            <a:r>
-              <a:rPr lang="en-US" altLang="zh-TW" sz="3600" b="1" dirty="0">
-                <a:solidFill>
-                  <a:srgbClr val="FF0000"/>
-                </a:solidFill>
-              </a:rPr>
-              <a:t>we think together.</a:t>
-            </a:r>
+              <a:rPr lang="en-US" altLang="zh-TW" dirty="0"/>
+              <a:t>Why did this happen?</a:t>
+            </a:r>
+            <a:endParaRPr lang="zh-TW" altLang="en-US" dirty="0"/>
           </a:p>
         </p:txBody>
       </p:sp>
     </p:spTree>
     <p:extLst>
       <p:ext uri="{BB962C8B-B14F-4D97-AF65-F5344CB8AC3E}">
-        <p14:creationId xmlns:p14="http://schemas.microsoft.com/office/powerpoint/2010/main" val="353623656"/>
+        <p14:creationId xmlns:p14="http://schemas.microsoft.com/office/powerpoint/2010/main" val="4026776249"/>
       </p:ext>
     </p:extLst>
   </p:cSld>
@@ -5583,45 +5506,10 @@
       </p:grpSpPr>
       <p:pic>
         <p:nvPicPr>
-          <p:cNvPr id="6" name="圖片 5" descr="一張含有 文字, 輪, 運動配備, 服裝 的圖片&#10;&#10;自動產生的描述">
-            <a:extLst>
-              <a:ext uri="{FF2B5EF4-FFF2-40B4-BE49-F238E27FC236}">
-                <a16:creationId xmlns:a16="http://schemas.microsoft.com/office/drawing/2014/main" id="{AF6FC504-8C31-EC22-D151-A33796F3C364}"/>
-              </a:ext>
-            </a:extLst>
-          </p:cNvPr>
-          <p:cNvPicPr>
-            <a:picLocks noChangeAspect="1"/>
-          </p:cNvPicPr>
-          <p:nvPr/>
-        </p:nvPicPr>
-        <p:blipFill rotWithShape="1">
-          <a:blip r:embed="rId2">
-            <a:extLst>
-              <a:ext uri="{28A0092B-C50C-407E-A947-70E740481C1C}">
-                <a14:useLocalDpi xmlns:a14="http://schemas.microsoft.com/office/drawing/2010/main" val="0"/>
-              </a:ext>
-            </a:extLst>
-          </a:blip>
-          <a:srcRect t="22964"/>
-          <a:stretch/>
-        </p:blipFill>
-        <p:spPr>
-          <a:xfrm>
-            <a:off x="0" y="0"/>
-            <a:ext cx="6359094" cy="6858000"/>
-          </a:xfrm>
-          <a:prstGeom prst="rect">
-            <a:avLst/>
-          </a:prstGeom>
-        </p:spPr>
-      </p:pic>
-      <p:pic>
-        <p:nvPicPr>
-          <p:cNvPr id="8" name="圖片 7">
-            <a:extLst>
-              <a:ext uri="{FF2B5EF4-FFF2-40B4-BE49-F238E27FC236}">
-                <a16:creationId xmlns:a16="http://schemas.microsoft.com/office/drawing/2014/main" id="{6BB72CF2-633B-19FD-DD5E-113BB924DC41}"/>
+          <p:cNvPr id="7" name="圖片 6" descr="一張含有 文字, 虛構小說, 海報, 虛構角色 的圖片&#10;&#10;自動產生的描述">
+            <a:extLst>
+              <a:ext uri="{FF2B5EF4-FFF2-40B4-BE49-F238E27FC236}">
+                <a16:creationId xmlns:a16="http://schemas.microsoft.com/office/drawing/2014/main" id="{326E9A78-07A9-11BE-C1F5-9E7DD5D7F20B}"/>
               </a:ext>
             </a:extLst>
           </p:cNvPr>
@@ -5631,267 +5519,80 @@
           <p:nvPr/>
         </p:nvPicPr>
         <p:blipFill>
-          <a:blip r:embed="rId3"/>
+          <a:blip r:embed="rId2">
+            <a:extLst>
+              <a:ext uri="{28A0092B-C50C-407E-A947-70E740481C1C}">
+                <a14:useLocalDpi xmlns:a14="http://schemas.microsoft.com/office/drawing/2010/main" val="0"/>
+              </a:ext>
+            </a:extLst>
+          </a:blip>
           <a:stretch>
             <a:fillRect/>
           </a:stretch>
         </p:blipFill>
         <p:spPr>
           <a:xfrm>
-            <a:off x="6376960" y="2903457"/>
-            <a:ext cx="5815040" cy="1894788"/>
+            <a:off x="0" y="0"/>
+            <a:ext cx="4072832" cy="6858000"/>
           </a:xfrm>
           <a:prstGeom prst="rect">
             <a:avLst/>
           </a:prstGeom>
         </p:spPr>
       </p:pic>
-      <p:cxnSp>
-        <p:nvCxnSpPr>
-          <p:cNvPr id="12" name="直線接點 11">
-            <a:extLst>
-              <a:ext uri="{FF2B5EF4-FFF2-40B4-BE49-F238E27FC236}">
-                <a16:creationId xmlns:a16="http://schemas.microsoft.com/office/drawing/2014/main" id="{64F211CA-4E37-7F68-9429-805D0A8AE67D}"/>
-              </a:ext>
-            </a:extLst>
-          </p:cNvPr>
-          <p:cNvCxnSpPr/>
+      <p:sp>
+        <p:nvSpPr>
+          <p:cNvPr id="8" name="文字方塊 7">
+            <a:extLst>
+              <a:ext uri="{FF2B5EF4-FFF2-40B4-BE49-F238E27FC236}">
+                <a16:creationId xmlns:a16="http://schemas.microsoft.com/office/drawing/2014/main" id="{B6BFE548-5DF5-8971-A251-F28CD005B1E9}"/>
+              </a:ext>
+            </a:extLst>
+          </p:cNvPr>
+          <p:cNvSpPr txBox="1"/>
           <p:nvPr/>
-        </p:nvCxnSpPr>
-        <p:spPr>
-          <a:xfrm>
-            <a:off x="11245190" y="3648172"/>
-            <a:ext cx="320511" cy="0"/>
-          </a:xfrm>
-          <a:prstGeom prst="line">
-            <a:avLst/>
-          </a:prstGeom>
-          <a:ln w="57150">
-            <a:solidFill>
-              <a:srgbClr val="FF0000"/>
-            </a:solidFill>
-          </a:ln>
-        </p:spPr>
-        <p:style>
-          <a:lnRef idx="2">
-            <a:schemeClr val="accent1"/>
-          </a:lnRef>
-          <a:fillRef idx="0">
-            <a:schemeClr val="accent1"/>
-          </a:fillRef>
-          <a:effectRef idx="1">
-            <a:schemeClr val="accent1"/>
-          </a:effectRef>
-          <a:fontRef idx="minor">
-            <a:schemeClr val="tx1"/>
-          </a:fontRef>
-        </p:style>
-      </p:cxnSp>
-      <p:cxnSp>
-        <p:nvCxnSpPr>
-          <p:cNvPr id="13" name="直線接點 12">
-            <a:extLst>
-              <a:ext uri="{FF2B5EF4-FFF2-40B4-BE49-F238E27FC236}">
-                <a16:creationId xmlns:a16="http://schemas.microsoft.com/office/drawing/2014/main" id="{CFC89D52-4D28-4AB0-D695-89678C127690}"/>
-              </a:ext>
-            </a:extLst>
-          </p:cNvPr>
-          <p:cNvCxnSpPr>
-            <a:cxnSpLocks/>
-          </p:cNvCxnSpPr>
-          <p:nvPr/>
-        </p:nvCxnSpPr>
-        <p:spPr>
-          <a:xfrm>
-            <a:off x="6816163" y="3923121"/>
-            <a:ext cx="4749538" cy="0"/>
-          </a:xfrm>
-          <a:prstGeom prst="line">
-            <a:avLst/>
-          </a:prstGeom>
-          <a:ln w="57150">
-            <a:solidFill>
-              <a:srgbClr val="FF0000"/>
-            </a:solidFill>
-          </a:ln>
-        </p:spPr>
-        <p:style>
-          <a:lnRef idx="2">
-            <a:schemeClr val="accent1"/>
-          </a:lnRef>
-          <a:fillRef idx="0">
-            <a:schemeClr val="accent1"/>
-          </a:fillRef>
-          <a:effectRef idx="1">
-            <a:schemeClr val="accent1"/>
-          </a:effectRef>
-          <a:fontRef idx="minor">
-            <a:schemeClr val="tx1"/>
-          </a:fontRef>
-        </p:style>
-      </p:cxnSp>
-      <p:cxnSp>
-        <p:nvCxnSpPr>
-          <p:cNvPr id="15" name="直線接點 14">
-            <a:extLst>
-              <a:ext uri="{FF2B5EF4-FFF2-40B4-BE49-F238E27FC236}">
-                <a16:creationId xmlns:a16="http://schemas.microsoft.com/office/drawing/2014/main" id="{6DD254DA-41F4-991B-4D06-6E12F9263018}"/>
-              </a:ext>
-            </a:extLst>
-          </p:cNvPr>
-          <p:cNvCxnSpPr>
-            <a:cxnSpLocks/>
-          </p:cNvCxnSpPr>
-          <p:nvPr/>
-        </p:nvCxnSpPr>
-        <p:spPr>
-          <a:xfrm>
-            <a:off x="6816163" y="4188643"/>
-            <a:ext cx="4429027" cy="0"/>
-          </a:xfrm>
-          <a:prstGeom prst="line">
-            <a:avLst/>
-          </a:prstGeom>
-          <a:ln w="57150">
-            <a:solidFill>
-              <a:srgbClr val="FF0000"/>
-            </a:solidFill>
-          </a:ln>
-        </p:spPr>
-        <p:style>
-          <a:lnRef idx="2">
-            <a:schemeClr val="accent1"/>
-          </a:lnRef>
-          <a:fillRef idx="0">
-            <a:schemeClr val="accent1"/>
-          </a:fillRef>
-          <a:effectRef idx="1">
-            <a:schemeClr val="accent1"/>
-          </a:effectRef>
-          <a:fontRef idx="minor">
-            <a:schemeClr val="tx1"/>
-          </a:fontRef>
-        </p:style>
-      </p:cxnSp>
-      <p:cxnSp>
-        <p:nvCxnSpPr>
-          <p:cNvPr id="16" name="直線接點 15">
-            <a:extLst>
-              <a:ext uri="{FF2B5EF4-FFF2-40B4-BE49-F238E27FC236}">
-                <a16:creationId xmlns:a16="http://schemas.microsoft.com/office/drawing/2014/main" id="{2DFDF37C-BFF1-BB1E-D071-3B1E96253BE0}"/>
-              </a:ext>
-            </a:extLst>
-          </p:cNvPr>
-          <p:cNvCxnSpPr>
-            <a:cxnSpLocks/>
-          </p:cNvCxnSpPr>
-          <p:nvPr/>
-        </p:nvCxnSpPr>
-        <p:spPr>
-          <a:xfrm>
-            <a:off x="6816163" y="4454165"/>
-            <a:ext cx="4966355" cy="0"/>
-          </a:xfrm>
-          <a:prstGeom prst="line">
-            <a:avLst/>
-          </a:prstGeom>
-          <a:ln w="57150">
-            <a:solidFill>
-              <a:srgbClr val="FF0000"/>
-            </a:solidFill>
-          </a:ln>
-        </p:spPr>
-        <p:style>
-          <a:lnRef idx="2">
-            <a:schemeClr val="accent1"/>
-          </a:lnRef>
-          <a:fillRef idx="0">
-            <a:schemeClr val="accent1"/>
-          </a:fillRef>
-          <a:effectRef idx="1">
-            <a:schemeClr val="accent1"/>
-          </a:effectRef>
-          <a:fontRef idx="minor">
-            <a:schemeClr val="tx1"/>
-          </a:fontRef>
-        </p:style>
-      </p:cxnSp>
-      <p:cxnSp>
-        <p:nvCxnSpPr>
-          <p:cNvPr id="17" name="直線接點 16">
-            <a:extLst>
-              <a:ext uri="{FF2B5EF4-FFF2-40B4-BE49-F238E27FC236}">
-                <a16:creationId xmlns:a16="http://schemas.microsoft.com/office/drawing/2014/main" id="{C5E9A16C-C9F7-7B58-6DD7-CD3008E34C3B}"/>
-              </a:ext>
-            </a:extLst>
-          </p:cNvPr>
-          <p:cNvCxnSpPr>
-            <a:cxnSpLocks/>
-          </p:cNvCxnSpPr>
-          <p:nvPr/>
-        </p:nvCxnSpPr>
-        <p:spPr>
-          <a:xfrm>
-            <a:off x="6816163" y="4710260"/>
-            <a:ext cx="1054231" cy="0"/>
-          </a:xfrm>
-          <a:prstGeom prst="line">
-            <a:avLst/>
-          </a:prstGeom>
-          <a:ln w="57150">
-            <a:solidFill>
-              <a:srgbClr val="FF0000"/>
-            </a:solidFill>
-          </a:ln>
-        </p:spPr>
-        <p:style>
-          <a:lnRef idx="2">
-            <a:schemeClr val="accent1"/>
-          </a:lnRef>
-          <a:fillRef idx="0">
-            <a:schemeClr val="accent1"/>
-          </a:fillRef>
-          <a:effectRef idx="1">
-            <a:schemeClr val="accent1"/>
-          </a:effectRef>
-          <a:fontRef idx="minor">
-            <a:schemeClr val="tx1"/>
-          </a:fontRef>
-        </p:style>
-      </p:cxnSp>
-      <p:pic>
-        <p:nvPicPr>
-          <p:cNvPr id="22" name="圖片 21">
-            <a:extLst>
-              <a:ext uri="{FF2B5EF4-FFF2-40B4-BE49-F238E27FC236}">
-                <a16:creationId xmlns:a16="http://schemas.microsoft.com/office/drawing/2014/main" id="{027A07BD-66B2-3A8C-0DED-9F590507BD33}"/>
-              </a:ext>
-            </a:extLst>
-          </p:cNvPr>
-          <p:cNvPicPr>
-            <a:picLocks noChangeAspect="1"/>
-          </p:cNvPicPr>
-          <p:nvPr/>
-        </p:nvPicPr>
-        <p:blipFill rotWithShape="1">
-          <a:blip r:embed="rId4"/>
-          <a:srcRect l="2202" t="8376" r="1499" b="4933"/>
-          <a:stretch/>
-        </p:blipFill>
-        <p:spPr>
-          <a:xfrm>
-            <a:off x="6456405" y="-34564"/>
-            <a:ext cx="5656150" cy="2815472"/>
+        </p:nvSpPr>
+        <p:spPr>
+          <a:xfrm>
+            <a:off x="4336330" y="188537"/>
+            <a:ext cx="6617616" cy="1200329"/>
           </a:xfrm>
           <a:prstGeom prst="rect">
             <a:avLst/>
           </a:prstGeom>
-        </p:spPr>
-      </p:pic>
+          <a:noFill/>
+        </p:spPr>
+        <p:txBody>
+          <a:bodyPr wrap="square" rtlCol="0">
+            <a:spAutoFit/>
+          </a:bodyPr>
+          <a:lstStyle/>
+          <a:p>
+            <a:r>
+              <a:rPr lang="en-US" altLang="zh-TW" sz="3600" b="1" dirty="0">
+                <a:solidFill>
+                  <a:srgbClr val="FF0000"/>
+                </a:solidFill>
+              </a:rPr>
+              <a:t>We don’t just listen, </a:t>
+            </a:r>
+          </a:p>
+          <a:p>
+            <a:r>
+              <a:rPr lang="en-US" altLang="zh-TW" sz="3600" b="1" dirty="0">
+                <a:solidFill>
+                  <a:srgbClr val="FF0000"/>
+                </a:solidFill>
+              </a:rPr>
+              <a:t>we think together.</a:t>
+            </a:r>
+          </a:p>
+        </p:txBody>
+      </p:sp>
     </p:spTree>
     <p:extLst>
       <p:ext uri="{BB962C8B-B14F-4D97-AF65-F5344CB8AC3E}">
-        <p14:creationId xmlns:p14="http://schemas.microsoft.com/office/powerpoint/2010/main" val="2153739365"/>
+        <p14:creationId xmlns:p14="http://schemas.microsoft.com/office/powerpoint/2010/main" val="353623656"/>
       </p:ext>
     </p:extLst>
   </p:cSld>
@@ -5918,91 +5619,317 @@
           <a:chExt cx="0" cy="0"/>
         </a:xfrm>
       </p:grpSpPr>
-      <p:sp>
-        <p:nvSpPr>
-          <p:cNvPr id="2" name="標題 1">
-            <a:extLst>
-              <a:ext uri="{FF2B5EF4-FFF2-40B4-BE49-F238E27FC236}">
-                <a16:creationId xmlns:a16="http://schemas.microsoft.com/office/drawing/2014/main" id="{C4058BC1-340C-EA8C-74D7-C2E9F34EAE94}"/>
-              </a:ext>
-            </a:extLst>
-          </p:cNvPr>
-          <p:cNvSpPr>
-            <a:spLocks noGrp="1"/>
-          </p:cNvSpPr>
-          <p:nvPr>
-            <p:ph type="ctrTitle"/>
-          </p:nvPr>
-        </p:nvSpPr>
-        <p:spPr>
-          <a:xfrm>
-            <a:off x="3066853" y="2102701"/>
-            <a:ext cx="6058293" cy="1804186"/>
-          </a:xfrm>
-        </p:spPr>
-        <p:txBody>
-          <a:bodyPr/>
-          <a:lstStyle/>
-          <a:p>
-            <a:r>
-              <a:rPr lang="en-US" altLang="zh-TW" dirty="0">
-                <a:solidFill>
-                  <a:srgbClr val="FF0000"/>
-                </a:solidFill>
-              </a:rPr>
-              <a:t>L</a:t>
-            </a:r>
-            <a:r>
-              <a:rPr lang="en-US" altLang="zh-TW" dirty="0"/>
-              <a:t>inguistic </a:t>
-            </a:r>
-            <a:r>
-              <a:rPr lang="en-US" altLang="zh-TW" dirty="0">
-                <a:solidFill>
-                  <a:srgbClr val="FF0000"/>
-                </a:solidFill>
-              </a:rPr>
-              <a:t>O</a:t>
-            </a:r>
-            <a:r>
-              <a:rPr lang="en-US" altLang="zh-TW" dirty="0"/>
-              <a:t>riented</a:t>
-            </a:r>
-            <a:br>
-              <a:rPr lang="en-US" altLang="zh-TW" dirty="0"/>
-            </a:br>
-            <a:r>
-              <a:rPr lang="en-US" altLang="zh-TW" dirty="0">
-                <a:solidFill>
-                  <a:srgbClr val="FF0000"/>
-                </a:solidFill>
-              </a:rPr>
-              <a:t>K</a:t>
-            </a:r>
-            <a:r>
-              <a:rPr lang="en-US" altLang="zh-TW" dirty="0"/>
-              <a:t>eyword </a:t>
-            </a:r>
-            <a:r>
-              <a:rPr lang="en-US" altLang="zh-TW" dirty="0">
-                <a:solidFill>
-                  <a:srgbClr val="FF0000"/>
-                </a:solidFill>
-              </a:rPr>
-              <a:t>I</a:t>
-            </a:r>
-            <a:r>
-              <a:rPr lang="en-US" altLang="zh-TW" dirty="0"/>
-              <a:t>nterface</a:t>
-            </a:r>
-            <a:endParaRPr lang="zh-TW" altLang="en-US" dirty="0"/>
-          </a:p>
-        </p:txBody>
-      </p:sp>
+      <p:pic>
+        <p:nvPicPr>
+          <p:cNvPr id="6" name="圖片 5" descr="一張含有 文字, 輪, 運動配備, 服裝 的圖片&#10;&#10;自動產生的描述">
+            <a:extLst>
+              <a:ext uri="{FF2B5EF4-FFF2-40B4-BE49-F238E27FC236}">
+                <a16:creationId xmlns:a16="http://schemas.microsoft.com/office/drawing/2014/main" id="{AF6FC504-8C31-EC22-D151-A33796F3C364}"/>
+              </a:ext>
+            </a:extLst>
+          </p:cNvPr>
+          <p:cNvPicPr>
+            <a:picLocks noChangeAspect="1"/>
+          </p:cNvPicPr>
+          <p:nvPr/>
+        </p:nvPicPr>
+        <p:blipFill rotWithShape="1">
+          <a:blip r:embed="rId2">
+            <a:extLst>
+              <a:ext uri="{28A0092B-C50C-407E-A947-70E740481C1C}">
+                <a14:useLocalDpi xmlns:a14="http://schemas.microsoft.com/office/drawing/2010/main" val="0"/>
+              </a:ext>
+            </a:extLst>
+          </a:blip>
+          <a:srcRect t="22964"/>
+          <a:stretch/>
+        </p:blipFill>
+        <p:spPr>
+          <a:xfrm>
+            <a:off x="0" y="0"/>
+            <a:ext cx="6359094" cy="6858000"/>
+          </a:xfrm>
+          <a:prstGeom prst="rect">
+            <a:avLst/>
+          </a:prstGeom>
+        </p:spPr>
+      </p:pic>
+      <p:pic>
+        <p:nvPicPr>
+          <p:cNvPr id="8" name="圖片 7">
+            <a:extLst>
+              <a:ext uri="{FF2B5EF4-FFF2-40B4-BE49-F238E27FC236}">
+                <a16:creationId xmlns:a16="http://schemas.microsoft.com/office/drawing/2014/main" id="{6BB72CF2-633B-19FD-DD5E-113BB924DC41}"/>
+              </a:ext>
+            </a:extLst>
+          </p:cNvPr>
+          <p:cNvPicPr>
+            <a:picLocks noChangeAspect="1"/>
+          </p:cNvPicPr>
+          <p:nvPr/>
+        </p:nvPicPr>
+        <p:blipFill>
+          <a:blip r:embed="rId3"/>
+          <a:stretch>
+            <a:fillRect/>
+          </a:stretch>
+        </p:blipFill>
+        <p:spPr>
+          <a:xfrm>
+            <a:off x="6376960" y="2903457"/>
+            <a:ext cx="5815040" cy="1894788"/>
+          </a:xfrm>
+          <a:prstGeom prst="rect">
+            <a:avLst/>
+          </a:prstGeom>
+        </p:spPr>
+      </p:pic>
+      <p:cxnSp>
+        <p:nvCxnSpPr>
+          <p:cNvPr id="12" name="直線接點 11">
+            <a:extLst>
+              <a:ext uri="{FF2B5EF4-FFF2-40B4-BE49-F238E27FC236}">
+                <a16:creationId xmlns:a16="http://schemas.microsoft.com/office/drawing/2014/main" id="{64F211CA-4E37-7F68-9429-805D0A8AE67D}"/>
+              </a:ext>
+            </a:extLst>
+          </p:cNvPr>
+          <p:cNvCxnSpPr/>
+          <p:nvPr/>
+        </p:nvCxnSpPr>
+        <p:spPr>
+          <a:xfrm>
+            <a:off x="11245190" y="3648172"/>
+            <a:ext cx="320511" cy="0"/>
+          </a:xfrm>
+          <a:prstGeom prst="line">
+            <a:avLst/>
+          </a:prstGeom>
+          <a:ln w="57150">
+            <a:solidFill>
+              <a:srgbClr val="FF0000"/>
+            </a:solidFill>
+          </a:ln>
+        </p:spPr>
+        <p:style>
+          <a:lnRef idx="2">
+            <a:schemeClr val="accent1"/>
+          </a:lnRef>
+          <a:fillRef idx="0">
+            <a:schemeClr val="accent1"/>
+          </a:fillRef>
+          <a:effectRef idx="1">
+            <a:schemeClr val="accent1"/>
+          </a:effectRef>
+          <a:fontRef idx="minor">
+            <a:schemeClr val="tx1"/>
+          </a:fontRef>
+        </p:style>
+      </p:cxnSp>
+      <p:cxnSp>
+        <p:nvCxnSpPr>
+          <p:cNvPr id="13" name="直線接點 12">
+            <a:extLst>
+              <a:ext uri="{FF2B5EF4-FFF2-40B4-BE49-F238E27FC236}">
+                <a16:creationId xmlns:a16="http://schemas.microsoft.com/office/drawing/2014/main" id="{CFC89D52-4D28-4AB0-D695-89678C127690}"/>
+              </a:ext>
+            </a:extLst>
+          </p:cNvPr>
+          <p:cNvCxnSpPr>
+            <a:cxnSpLocks/>
+          </p:cNvCxnSpPr>
+          <p:nvPr/>
+        </p:nvCxnSpPr>
+        <p:spPr>
+          <a:xfrm>
+            <a:off x="6816163" y="3923121"/>
+            <a:ext cx="4749538" cy="0"/>
+          </a:xfrm>
+          <a:prstGeom prst="line">
+            <a:avLst/>
+          </a:prstGeom>
+          <a:ln w="57150">
+            <a:solidFill>
+              <a:srgbClr val="FF0000"/>
+            </a:solidFill>
+          </a:ln>
+        </p:spPr>
+        <p:style>
+          <a:lnRef idx="2">
+            <a:schemeClr val="accent1"/>
+          </a:lnRef>
+          <a:fillRef idx="0">
+            <a:schemeClr val="accent1"/>
+          </a:fillRef>
+          <a:effectRef idx="1">
+            <a:schemeClr val="accent1"/>
+          </a:effectRef>
+          <a:fontRef idx="minor">
+            <a:schemeClr val="tx1"/>
+          </a:fontRef>
+        </p:style>
+      </p:cxnSp>
+      <p:cxnSp>
+        <p:nvCxnSpPr>
+          <p:cNvPr id="15" name="直線接點 14">
+            <a:extLst>
+              <a:ext uri="{FF2B5EF4-FFF2-40B4-BE49-F238E27FC236}">
+                <a16:creationId xmlns:a16="http://schemas.microsoft.com/office/drawing/2014/main" id="{6DD254DA-41F4-991B-4D06-6E12F9263018}"/>
+              </a:ext>
+            </a:extLst>
+          </p:cNvPr>
+          <p:cNvCxnSpPr>
+            <a:cxnSpLocks/>
+          </p:cNvCxnSpPr>
+          <p:nvPr/>
+        </p:nvCxnSpPr>
+        <p:spPr>
+          <a:xfrm>
+            <a:off x="6816163" y="4188643"/>
+            <a:ext cx="4429027" cy="0"/>
+          </a:xfrm>
+          <a:prstGeom prst="line">
+            <a:avLst/>
+          </a:prstGeom>
+          <a:ln w="57150">
+            <a:solidFill>
+              <a:srgbClr val="FF0000"/>
+            </a:solidFill>
+          </a:ln>
+        </p:spPr>
+        <p:style>
+          <a:lnRef idx="2">
+            <a:schemeClr val="accent1"/>
+          </a:lnRef>
+          <a:fillRef idx="0">
+            <a:schemeClr val="accent1"/>
+          </a:fillRef>
+          <a:effectRef idx="1">
+            <a:schemeClr val="accent1"/>
+          </a:effectRef>
+          <a:fontRef idx="minor">
+            <a:schemeClr val="tx1"/>
+          </a:fontRef>
+        </p:style>
+      </p:cxnSp>
+      <p:cxnSp>
+        <p:nvCxnSpPr>
+          <p:cNvPr id="16" name="直線接點 15">
+            <a:extLst>
+              <a:ext uri="{FF2B5EF4-FFF2-40B4-BE49-F238E27FC236}">
+                <a16:creationId xmlns:a16="http://schemas.microsoft.com/office/drawing/2014/main" id="{2DFDF37C-BFF1-BB1E-D071-3B1E96253BE0}"/>
+              </a:ext>
+            </a:extLst>
+          </p:cNvPr>
+          <p:cNvCxnSpPr>
+            <a:cxnSpLocks/>
+          </p:cNvCxnSpPr>
+          <p:nvPr/>
+        </p:nvCxnSpPr>
+        <p:spPr>
+          <a:xfrm>
+            <a:off x="6816163" y="4454165"/>
+            <a:ext cx="4966355" cy="0"/>
+          </a:xfrm>
+          <a:prstGeom prst="line">
+            <a:avLst/>
+          </a:prstGeom>
+          <a:ln w="57150">
+            <a:solidFill>
+              <a:srgbClr val="FF0000"/>
+            </a:solidFill>
+          </a:ln>
+        </p:spPr>
+        <p:style>
+          <a:lnRef idx="2">
+            <a:schemeClr val="accent1"/>
+          </a:lnRef>
+          <a:fillRef idx="0">
+            <a:schemeClr val="accent1"/>
+          </a:fillRef>
+          <a:effectRef idx="1">
+            <a:schemeClr val="accent1"/>
+          </a:effectRef>
+          <a:fontRef idx="minor">
+            <a:schemeClr val="tx1"/>
+          </a:fontRef>
+        </p:style>
+      </p:cxnSp>
+      <p:cxnSp>
+        <p:nvCxnSpPr>
+          <p:cNvPr id="17" name="直線接點 16">
+            <a:extLst>
+              <a:ext uri="{FF2B5EF4-FFF2-40B4-BE49-F238E27FC236}">
+                <a16:creationId xmlns:a16="http://schemas.microsoft.com/office/drawing/2014/main" id="{C5E9A16C-C9F7-7B58-6DD7-CD3008E34C3B}"/>
+              </a:ext>
+            </a:extLst>
+          </p:cNvPr>
+          <p:cNvCxnSpPr>
+            <a:cxnSpLocks/>
+          </p:cNvCxnSpPr>
+          <p:nvPr/>
+        </p:nvCxnSpPr>
+        <p:spPr>
+          <a:xfrm>
+            <a:off x="6816163" y="4710260"/>
+            <a:ext cx="1054231" cy="0"/>
+          </a:xfrm>
+          <a:prstGeom prst="line">
+            <a:avLst/>
+          </a:prstGeom>
+          <a:ln w="57150">
+            <a:solidFill>
+              <a:srgbClr val="FF0000"/>
+            </a:solidFill>
+          </a:ln>
+        </p:spPr>
+        <p:style>
+          <a:lnRef idx="2">
+            <a:schemeClr val="accent1"/>
+          </a:lnRef>
+          <a:fillRef idx="0">
+            <a:schemeClr val="accent1"/>
+          </a:fillRef>
+          <a:effectRef idx="1">
+            <a:schemeClr val="accent1"/>
+          </a:effectRef>
+          <a:fontRef idx="minor">
+            <a:schemeClr val="tx1"/>
+          </a:fontRef>
+        </p:style>
+      </p:cxnSp>
+      <p:pic>
+        <p:nvPicPr>
+          <p:cNvPr id="22" name="圖片 21">
+            <a:extLst>
+              <a:ext uri="{FF2B5EF4-FFF2-40B4-BE49-F238E27FC236}">
+                <a16:creationId xmlns:a16="http://schemas.microsoft.com/office/drawing/2014/main" id="{027A07BD-66B2-3A8C-0DED-9F590507BD33}"/>
+              </a:ext>
+            </a:extLst>
+          </p:cNvPr>
+          <p:cNvPicPr>
+            <a:picLocks noChangeAspect="1"/>
+          </p:cNvPicPr>
+          <p:nvPr/>
+        </p:nvPicPr>
+        <p:blipFill rotWithShape="1">
+          <a:blip r:embed="rId4"/>
+          <a:srcRect l="2202" t="8376" r="1499" b="4933"/>
+          <a:stretch/>
+        </p:blipFill>
+        <p:spPr>
+          <a:xfrm>
+            <a:off x="6456405" y="-34564"/>
+            <a:ext cx="5656150" cy="2815472"/>
+          </a:xfrm>
+          <a:prstGeom prst="rect">
+            <a:avLst/>
+          </a:prstGeom>
+        </p:spPr>
+      </p:pic>
     </p:spTree>
     <p:extLst>
       <p:ext uri="{BB962C8B-B14F-4D97-AF65-F5344CB8AC3E}">
-        <p14:creationId xmlns:p14="http://schemas.microsoft.com/office/powerpoint/2010/main" val="3003501381"/>
+        <p14:creationId xmlns:p14="http://schemas.microsoft.com/office/powerpoint/2010/main" val="2153739365"/>
       </p:ext>
     </p:extLst>
   </p:cSld>
@@ -6029,6 +5956,117 @@
           <a:chExt cx="0" cy="0"/>
         </a:xfrm>
       </p:grpSpPr>
+      <p:sp>
+        <p:nvSpPr>
+          <p:cNvPr id="2" name="標題 1">
+            <a:extLst>
+              <a:ext uri="{FF2B5EF4-FFF2-40B4-BE49-F238E27FC236}">
+                <a16:creationId xmlns:a16="http://schemas.microsoft.com/office/drawing/2014/main" id="{C4058BC1-340C-EA8C-74D7-C2E9F34EAE94}"/>
+              </a:ext>
+            </a:extLst>
+          </p:cNvPr>
+          <p:cNvSpPr>
+            <a:spLocks noGrp="1"/>
+          </p:cNvSpPr>
+          <p:nvPr>
+            <p:ph type="ctrTitle"/>
+          </p:nvPr>
+        </p:nvSpPr>
+        <p:spPr>
+          <a:xfrm>
+            <a:off x="3066853" y="2102701"/>
+            <a:ext cx="6058293" cy="1804186"/>
+          </a:xfrm>
+        </p:spPr>
+        <p:txBody>
+          <a:bodyPr/>
+          <a:lstStyle/>
+          <a:p>
+            <a:r>
+              <a:rPr lang="en-US" altLang="zh-TW" dirty="0">
+                <a:solidFill>
+                  <a:srgbClr val="FF0000"/>
+                </a:solidFill>
+              </a:rPr>
+              <a:t>L</a:t>
+            </a:r>
+            <a:r>
+              <a:rPr lang="en-US" altLang="zh-TW" dirty="0"/>
+              <a:t>inguistic </a:t>
+            </a:r>
+            <a:r>
+              <a:rPr lang="en-US" altLang="zh-TW" dirty="0">
+                <a:solidFill>
+                  <a:srgbClr val="FF0000"/>
+                </a:solidFill>
+              </a:rPr>
+              <a:t>O</a:t>
+            </a:r>
+            <a:r>
+              <a:rPr lang="en-US" altLang="zh-TW" dirty="0"/>
+              <a:t>riented</a:t>
+            </a:r>
+            <a:br>
+              <a:rPr lang="en-US" altLang="zh-TW" dirty="0"/>
+            </a:br>
+            <a:r>
+              <a:rPr lang="en-US" altLang="zh-TW" dirty="0">
+                <a:solidFill>
+                  <a:srgbClr val="FF0000"/>
+                </a:solidFill>
+              </a:rPr>
+              <a:t>K</a:t>
+            </a:r>
+            <a:r>
+              <a:rPr lang="en-US" altLang="zh-TW" dirty="0"/>
+              <a:t>eyword </a:t>
+            </a:r>
+            <a:r>
+              <a:rPr lang="en-US" altLang="zh-TW" dirty="0">
+                <a:solidFill>
+                  <a:srgbClr val="FF0000"/>
+                </a:solidFill>
+              </a:rPr>
+              <a:t>I</a:t>
+            </a:r>
+            <a:r>
+              <a:rPr lang="en-US" altLang="zh-TW" dirty="0"/>
+              <a:t>nterface</a:t>
+            </a:r>
+            <a:endParaRPr lang="zh-TW" altLang="en-US" dirty="0"/>
+          </a:p>
+        </p:txBody>
+      </p:sp>
+    </p:spTree>
+    <p:extLst>
+      <p:ext uri="{BB962C8B-B14F-4D97-AF65-F5344CB8AC3E}">
+        <p14:creationId xmlns:p14="http://schemas.microsoft.com/office/powerpoint/2010/main" val="3003501381"/>
+      </p:ext>
+    </p:extLst>
+  </p:cSld>
+  <p:clrMapOvr>
+    <a:masterClrMapping/>
+  </p:clrMapOvr>
+</p:sld>
+</file>
+
+<file path=ppt/slides/slide27.xml><?xml version="1.0" encoding="utf-8"?>
+<p:sld xmlns:a="http://schemas.openxmlformats.org/drawingml/2006/main" xmlns:r="http://schemas.openxmlformats.org/officeDocument/2006/relationships" xmlns:p="http://schemas.openxmlformats.org/presentationml/2006/main">
+  <p:cSld>
+    <p:spTree>
+      <p:nvGrpSpPr>
+        <p:cNvPr id="1" name=""/>
+        <p:cNvGrpSpPr/>
+        <p:nvPr/>
+      </p:nvGrpSpPr>
+      <p:grpSpPr>
+        <a:xfrm>
+          <a:off x="0" y="0"/>
+          <a:ext cx="0" cy="0"/>
+          <a:chOff x="0" y="0"/>
+          <a:chExt cx="0" cy="0"/>
+        </a:xfrm>
+      </p:grpSpPr>
       <p:pic>
         <p:nvPicPr>
           <p:cNvPr id="6" name="圖片 5" descr="一張含有 服裝, 人員, 文字, 足部穿著 的圖片&#10;&#10;自動產生的描述">
@@ -6191,7 +6229,7 @@
 </p:sld>
 </file>
 
-<file path=ppt/slides/slide27.xml><?xml version="1.0" encoding="utf-8"?>
+<file path=ppt/slides/slide28.xml><?xml version="1.0" encoding="utf-8"?>
 <p:sld xmlns:a="http://schemas.openxmlformats.org/drawingml/2006/main" xmlns:r="http://schemas.openxmlformats.org/officeDocument/2006/relationships" xmlns:p="http://schemas.openxmlformats.org/presentationml/2006/main">
   <p:cSld>
     <p:spTree>
@@ -6807,7 +6845,7 @@
 </p:sld>
 </file>
 
-<file path=ppt/slides/slide28.xml><?xml version="1.0" encoding="utf-8"?>
+<file path=ppt/slides/slide29.xml><?xml version="1.0" encoding="utf-8"?>
 <p:sld xmlns:a="http://schemas.openxmlformats.org/drawingml/2006/main" xmlns:r="http://schemas.openxmlformats.org/officeDocument/2006/relationships" xmlns:p="http://schemas.openxmlformats.org/presentationml/2006/main">
   <p:cSld>
     <p:spTree>
@@ -7191,7 +7229,205 @@
 </p:sld>
 </file>
 
-<file path=ppt/slides/slide29.xml><?xml version="1.0" encoding="utf-8"?>
+<file path=ppt/slides/slide3.xml><?xml version="1.0" encoding="utf-8"?>
+<p:sld xmlns:a="http://schemas.openxmlformats.org/drawingml/2006/main" xmlns:r="http://schemas.openxmlformats.org/officeDocument/2006/relationships" xmlns:p="http://schemas.openxmlformats.org/presentationml/2006/main">
+  <p:cSld>
+    <p:spTree>
+      <p:nvGrpSpPr>
+        <p:cNvPr id="1" name=""/>
+        <p:cNvGrpSpPr/>
+        <p:nvPr/>
+      </p:nvGrpSpPr>
+      <p:grpSpPr>
+        <a:xfrm>
+          <a:off x="0" y="0"/>
+          <a:ext cx="0" cy="0"/>
+          <a:chOff x="0" y="0"/>
+          <a:chExt cx="0" cy="0"/>
+        </a:xfrm>
+      </p:grpSpPr>
+      <p:sp>
+        <p:nvSpPr>
+          <p:cNvPr id="2" name="標題 1">
+            <a:extLst>
+              <a:ext uri="{FF2B5EF4-FFF2-40B4-BE49-F238E27FC236}">
+                <a16:creationId xmlns:a16="http://schemas.microsoft.com/office/drawing/2014/main" id="{183022C8-FB43-6701-EFBC-4B9F3ABD5DD0}"/>
+              </a:ext>
+            </a:extLst>
+          </p:cNvPr>
+          <p:cNvSpPr>
+            <a:spLocks noGrp="1"/>
+          </p:cNvSpPr>
+          <p:nvPr>
+            <p:ph type="title"/>
+          </p:nvPr>
+        </p:nvSpPr>
+        <p:spPr>
+          <a:xfrm>
+            <a:off x="546370" y="30246"/>
+            <a:ext cx="10515600" cy="1325563"/>
+          </a:xfrm>
+        </p:spPr>
+        <p:txBody>
+          <a:bodyPr/>
+          <a:lstStyle/>
+          <a:p>
+            <a:r>
+              <a:rPr lang="en-US" altLang="zh-TW" dirty="0"/>
+              <a:t>Recap </a:t>
+            </a:r>
+            <a:endParaRPr lang="zh-TW" altLang="en-US" dirty="0"/>
+          </a:p>
+        </p:txBody>
+      </p:sp>
+      <p:pic>
+        <p:nvPicPr>
+          <p:cNvPr id="5" name="圖片 4">
+            <a:extLst>
+              <a:ext uri="{FF2B5EF4-FFF2-40B4-BE49-F238E27FC236}">
+                <a16:creationId xmlns:a16="http://schemas.microsoft.com/office/drawing/2014/main" id="{658155E0-135F-2DA5-B853-C24546B61A72}"/>
+              </a:ext>
+            </a:extLst>
+          </p:cNvPr>
+          <p:cNvPicPr>
+            <a:picLocks noChangeAspect="1"/>
+          </p:cNvPicPr>
+          <p:nvPr/>
+        </p:nvPicPr>
+        <p:blipFill>
+          <a:blip r:embed="rId2"/>
+          <a:stretch>
+            <a:fillRect/>
+          </a:stretch>
+        </p:blipFill>
+        <p:spPr>
+          <a:xfrm>
+            <a:off x="0" y="1355809"/>
+            <a:ext cx="12192000" cy="2690898"/>
+          </a:xfrm>
+          <a:prstGeom prst="rect">
+            <a:avLst/>
+          </a:prstGeom>
+        </p:spPr>
+      </p:pic>
+      <p:pic>
+        <p:nvPicPr>
+          <p:cNvPr id="6" name="圖片 5">
+            <a:extLst>
+              <a:ext uri="{FF2B5EF4-FFF2-40B4-BE49-F238E27FC236}">
+                <a16:creationId xmlns:a16="http://schemas.microsoft.com/office/drawing/2014/main" id="{17CDA668-59C9-D05E-A3B5-3070DB5639AA}"/>
+              </a:ext>
+            </a:extLst>
+          </p:cNvPr>
+          <p:cNvPicPr>
+            <a:picLocks noChangeAspect="1"/>
+          </p:cNvPicPr>
+          <p:nvPr/>
+        </p:nvPicPr>
+        <p:blipFill>
+          <a:blip r:embed="rId3"/>
+          <a:stretch>
+            <a:fillRect/>
+          </a:stretch>
+        </p:blipFill>
+        <p:spPr>
+          <a:xfrm>
+            <a:off x="0" y="4178480"/>
+            <a:ext cx="12192000" cy="2679520"/>
+          </a:xfrm>
+          <a:prstGeom prst="rect">
+            <a:avLst/>
+          </a:prstGeom>
+        </p:spPr>
+      </p:pic>
+      <p:sp>
+        <p:nvSpPr>
+          <p:cNvPr id="7" name="文字方塊 6">
+            <a:extLst>
+              <a:ext uri="{FF2B5EF4-FFF2-40B4-BE49-F238E27FC236}">
+                <a16:creationId xmlns:a16="http://schemas.microsoft.com/office/drawing/2014/main" id="{6B1BD0EB-5955-39A7-5712-DC7EA74FCE36}"/>
+              </a:ext>
+            </a:extLst>
+          </p:cNvPr>
+          <p:cNvSpPr txBox="1"/>
+          <p:nvPr/>
+        </p:nvSpPr>
+        <p:spPr>
+          <a:xfrm>
+            <a:off x="3808429" y="5607547"/>
+            <a:ext cx="2287571" cy="778213"/>
+          </a:xfrm>
+          <a:prstGeom prst="rect">
+            <a:avLst/>
+          </a:prstGeom>
+          <a:noFill/>
+          <a:ln w="57150">
+            <a:solidFill>
+              <a:srgbClr val="FF0000"/>
+            </a:solidFill>
+          </a:ln>
+        </p:spPr>
+        <p:txBody>
+          <a:bodyPr wrap="square" rtlCol="0">
+            <a:spAutoFit/>
+          </a:bodyPr>
+          <a:lstStyle/>
+          <a:p>
+            <a:endParaRPr lang="zh-TW" altLang="en-US" dirty="0"/>
+          </a:p>
+        </p:txBody>
+      </p:sp>
+      <p:sp>
+        <p:nvSpPr>
+          <p:cNvPr id="8" name="文字方塊 7">
+            <a:extLst>
+              <a:ext uri="{FF2B5EF4-FFF2-40B4-BE49-F238E27FC236}">
+                <a16:creationId xmlns:a16="http://schemas.microsoft.com/office/drawing/2014/main" id="{A067DC1D-838A-ACDF-5341-67D64D2A0018}"/>
+              </a:ext>
+            </a:extLst>
+          </p:cNvPr>
+          <p:cNvSpPr txBox="1"/>
+          <p:nvPr/>
+        </p:nvSpPr>
+        <p:spPr>
+          <a:xfrm>
+            <a:off x="3503629" y="2802739"/>
+            <a:ext cx="3111180" cy="778213"/>
+          </a:xfrm>
+          <a:prstGeom prst="rect">
+            <a:avLst/>
+          </a:prstGeom>
+          <a:noFill/>
+          <a:ln w="57150">
+            <a:solidFill>
+              <a:srgbClr val="FF0000"/>
+            </a:solidFill>
+          </a:ln>
+        </p:spPr>
+        <p:txBody>
+          <a:bodyPr wrap="square" rtlCol="0">
+            <a:spAutoFit/>
+          </a:bodyPr>
+          <a:lstStyle/>
+          <a:p>
+            <a:endParaRPr lang="zh-TW" altLang="en-US" dirty="0"/>
+          </a:p>
+        </p:txBody>
+      </p:sp>
+    </p:spTree>
+    <p:extLst>
+      <p:ext uri="{BB962C8B-B14F-4D97-AF65-F5344CB8AC3E}">
+        <p14:creationId xmlns:p14="http://schemas.microsoft.com/office/powerpoint/2010/main" val="1804866463"/>
+      </p:ext>
+    </p:extLst>
+  </p:cSld>
+  <p:clrMapOvr>
+    <a:masterClrMapping/>
+  </p:clrMapOvr>
+</p:sld>
+</file>
+
+<file path=ppt/slides/slide30.xml><?xml version="1.0" encoding="utf-8"?>
 <p:sld xmlns:a="http://schemas.openxmlformats.org/drawingml/2006/main" xmlns:r="http://schemas.openxmlformats.org/officeDocument/2006/relationships" xmlns:p="http://schemas.openxmlformats.org/presentationml/2006/main">
   <p:cSld>
     <p:spTree>
@@ -7905,205 +8141,7 @@
 </p:sld>
 </file>
 
-<file path=ppt/slides/slide3.xml><?xml version="1.0" encoding="utf-8"?>
-<p:sld xmlns:a="http://schemas.openxmlformats.org/drawingml/2006/main" xmlns:r="http://schemas.openxmlformats.org/officeDocument/2006/relationships" xmlns:p="http://schemas.openxmlformats.org/presentationml/2006/main">
-  <p:cSld>
-    <p:spTree>
-      <p:nvGrpSpPr>
-        <p:cNvPr id="1" name=""/>
-        <p:cNvGrpSpPr/>
-        <p:nvPr/>
-      </p:nvGrpSpPr>
-      <p:grpSpPr>
-        <a:xfrm>
-          <a:off x="0" y="0"/>
-          <a:ext cx="0" cy="0"/>
-          <a:chOff x="0" y="0"/>
-          <a:chExt cx="0" cy="0"/>
-        </a:xfrm>
-      </p:grpSpPr>
-      <p:sp>
-        <p:nvSpPr>
-          <p:cNvPr id="2" name="標題 1">
-            <a:extLst>
-              <a:ext uri="{FF2B5EF4-FFF2-40B4-BE49-F238E27FC236}">
-                <a16:creationId xmlns:a16="http://schemas.microsoft.com/office/drawing/2014/main" id="{183022C8-FB43-6701-EFBC-4B9F3ABD5DD0}"/>
-              </a:ext>
-            </a:extLst>
-          </p:cNvPr>
-          <p:cNvSpPr>
-            <a:spLocks noGrp="1"/>
-          </p:cNvSpPr>
-          <p:nvPr>
-            <p:ph type="title"/>
-          </p:nvPr>
-        </p:nvSpPr>
-        <p:spPr>
-          <a:xfrm>
-            <a:off x="546370" y="30246"/>
-            <a:ext cx="10515600" cy="1325563"/>
-          </a:xfrm>
-        </p:spPr>
-        <p:txBody>
-          <a:bodyPr/>
-          <a:lstStyle/>
-          <a:p>
-            <a:r>
-              <a:rPr lang="en-US" altLang="zh-TW" dirty="0"/>
-              <a:t>Recap </a:t>
-            </a:r>
-            <a:endParaRPr lang="zh-TW" altLang="en-US" dirty="0"/>
-          </a:p>
-        </p:txBody>
-      </p:sp>
-      <p:pic>
-        <p:nvPicPr>
-          <p:cNvPr id="5" name="圖片 4">
-            <a:extLst>
-              <a:ext uri="{FF2B5EF4-FFF2-40B4-BE49-F238E27FC236}">
-                <a16:creationId xmlns:a16="http://schemas.microsoft.com/office/drawing/2014/main" id="{658155E0-135F-2DA5-B853-C24546B61A72}"/>
-              </a:ext>
-            </a:extLst>
-          </p:cNvPr>
-          <p:cNvPicPr>
-            <a:picLocks noChangeAspect="1"/>
-          </p:cNvPicPr>
-          <p:nvPr/>
-        </p:nvPicPr>
-        <p:blipFill>
-          <a:blip r:embed="rId2"/>
-          <a:stretch>
-            <a:fillRect/>
-          </a:stretch>
-        </p:blipFill>
-        <p:spPr>
-          <a:xfrm>
-            <a:off x="0" y="1355809"/>
-            <a:ext cx="12192000" cy="2690898"/>
-          </a:xfrm>
-          <a:prstGeom prst="rect">
-            <a:avLst/>
-          </a:prstGeom>
-        </p:spPr>
-      </p:pic>
-      <p:pic>
-        <p:nvPicPr>
-          <p:cNvPr id="6" name="圖片 5">
-            <a:extLst>
-              <a:ext uri="{FF2B5EF4-FFF2-40B4-BE49-F238E27FC236}">
-                <a16:creationId xmlns:a16="http://schemas.microsoft.com/office/drawing/2014/main" id="{17CDA668-59C9-D05E-A3B5-3070DB5639AA}"/>
-              </a:ext>
-            </a:extLst>
-          </p:cNvPr>
-          <p:cNvPicPr>
-            <a:picLocks noChangeAspect="1"/>
-          </p:cNvPicPr>
-          <p:nvPr/>
-        </p:nvPicPr>
-        <p:blipFill>
-          <a:blip r:embed="rId3"/>
-          <a:stretch>
-            <a:fillRect/>
-          </a:stretch>
-        </p:blipFill>
-        <p:spPr>
-          <a:xfrm>
-            <a:off x="0" y="4178480"/>
-            <a:ext cx="12192000" cy="2679520"/>
-          </a:xfrm>
-          <a:prstGeom prst="rect">
-            <a:avLst/>
-          </a:prstGeom>
-        </p:spPr>
-      </p:pic>
-      <p:sp>
-        <p:nvSpPr>
-          <p:cNvPr id="7" name="文字方塊 6">
-            <a:extLst>
-              <a:ext uri="{FF2B5EF4-FFF2-40B4-BE49-F238E27FC236}">
-                <a16:creationId xmlns:a16="http://schemas.microsoft.com/office/drawing/2014/main" id="{6B1BD0EB-5955-39A7-5712-DC7EA74FCE36}"/>
-              </a:ext>
-            </a:extLst>
-          </p:cNvPr>
-          <p:cNvSpPr txBox="1"/>
-          <p:nvPr/>
-        </p:nvSpPr>
-        <p:spPr>
-          <a:xfrm>
-            <a:off x="3808429" y="5607547"/>
-            <a:ext cx="2287571" cy="778213"/>
-          </a:xfrm>
-          <a:prstGeom prst="rect">
-            <a:avLst/>
-          </a:prstGeom>
-          <a:noFill/>
-          <a:ln w="57150">
-            <a:solidFill>
-              <a:srgbClr val="FF0000"/>
-            </a:solidFill>
-          </a:ln>
-        </p:spPr>
-        <p:txBody>
-          <a:bodyPr wrap="square" rtlCol="0">
-            <a:spAutoFit/>
-          </a:bodyPr>
-          <a:lstStyle/>
-          <a:p>
-            <a:endParaRPr lang="zh-TW" altLang="en-US" dirty="0"/>
-          </a:p>
-        </p:txBody>
-      </p:sp>
-      <p:sp>
-        <p:nvSpPr>
-          <p:cNvPr id="8" name="文字方塊 7">
-            <a:extLst>
-              <a:ext uri="{FF2B5EF4-FFF2-40B4-BE49-F238E27FC236}">
-                <a16:creationId xmlns:a16="http://schemas.microsoft.com/office/drawing/2014/main" id="{A067DC1D-838A-ACDF-5341-67D64D2A0018}"/>
-              </a:ext>
-            </a:extLst>
-          </p:cNvPr>
-          <p:cNvSpPr txBox="1"/>
-          <p:nvPr/>
-        </p:nvSpPr>
-        <p:spPr>
-          <a:xfrm>
-            <a:off x="3503629" y="2802739"/>
-            <a:ext cx="3111180" cy="778213"/>
-          </a:xfrm>
-          <a:prstGeom prst="rect">
-            <a:avLst/>
-          </a:prstGeom>
-          <a:noFill/>
-          <a:ln w="57150">
-            <a:solidFill>
-              <a:srgbClr val="FF0000"/>
-            </a:solidFill>
-          </a:ln>
-        </p:spPr>
-        <p:txBody>
-          <a:bodyPr wrap="square" rtlCol="0">
-            <a:spAutoFit/>
-          </a:bodyPr>
-          <a:lstStyle/>
-          <a:p>
-            <a:endParaRPr lang="zh-TW" altLang="en-US" dirty="0"/>
-          </a:p>
-        </p:txBody>
-      </p:sp>
-    </p:spTree>
-    <p:extLst>
-      <p:ext uri="{BB962C8B-B14F-4D97-AF65-F5344CB8AC3E}">
-        <p14:creationId xmlns:p14="http://schemas.microsoft.com/office/powerpoint/2010/main" val="1804866463"/>
-      </p:ext>
-    </p:extLst>
-  </p:cSld>
-  <p:clrMapOvr>
-    <a:masterClrMapping/>
-  </p:clrMapOvr>
-</p:sld>
-</file>
-
-<file path=ppt/slides/slide30.xml><?xml version="1.0" encoding="utf-8"?>
+<file path=ppt/slides/slide31.xml><?xml version="1.0" encoding="utf-8"?>
 <p:sld xmlns:a="http://schemas.openxmlformats.org/drawingml/2006/main" xmlns:r="http://schemas.openxmlformats.org/officeDocument/2006/relationships" xmlns:p="http://schemas.openxmlformats.org/presentationml/2006/main">
   <p:cSld>
     <p:spTree>
@@ -8661,7 +8699,7 @@
 </p:sld>
 </file>
 
-<file path=ppt/slides/slide31.xml><?xml version="1.0" encoding="utf-8"?>
+<file path=ppt/slides/slide32.xml><?xml version="1.0" encoding="utf-8"?>
 <p:sld xmlns:a="http://schemas.openxmlformats.org/drawingml/2006/main" xmlns:r="http://schemas.openxmlformats.org/officeDocument/2006/relationships" xmlns:p="http://schemas.openxmlformats.org/presentationml/2006/main">
   <p:cSld>
     <p:spTree>
@@ -9093,6 +9131,72 @@
     <p:extLst>
       <p:ext uri="{BB962C8B-B14F-4D97-AF65-F5344CB8AC3E}">
         <p14:creationId xmlns:p14="http://schemas.microsoft.com/office/powerpoint/2010/main" val="2849218864"/>
+      </p:ext>
+    </p:extLst>
+  </p:cSld>
+  <p:clrMapOvr>
+    <a:masterClrMapping/>
+  </p:clrMapOvr>
+</p:sld>
+</file>
+
+<file path=ppt/slides/slide33.xml><?xml version="1.0" encoding="utf-8"?>
+<p:sld xmlns:a="http://schemas.openxmlformats.org/drawingml/2006/main" xmlns:r="http://schemas.openxmlformats.org/officeDocument/2006/relationships" xmlns:p="http://schemas.openxmlformats.org/presentationml/2006/main">
+  <p:cSld>
+    <p:spTree>
+      <p:nvGrpSpPr>
+        <p:cNvPr id="1" name=""/>
+        <p:cNvGrpSpPr/>
+        <p:nvPr/>
+      </p:nvGrpSpPr>
+      <p:grpSpPr>
+        <a:xfrm>
+          <a:off x="0" y="0"/>
+          <a:ext cx="0" cy="0"/>
+          <a:chOff x="0" y="0"/>
+          <a:chExt cx="0" cy="0"/>
+        </a:xfrm>
+      </p:grpSpPr>
+      <p:pic>
+        <p:nvPicPr>
+          <p:cNvPr id="5" name="圖片 4" descr="一張含有 文字, 螢幕擷取畫面, 字型, 設計 的圖片&#10;&#10;自動產生的描述">
+            <a:extLst>
+              <a:ext uri="{FF2B5EF4-FFF2-40B4-BE49-F238E27FC236}">
+                <a16:creationId xmlns:a16="http://schemas.microsoft.com/office/drawing/2014/main" id="{94180C2E-7BF6-994E-901E-53ED9A6023FF}"/>
+              </a:ext>
+            </a:extLst>
+          </p:cNvPr>
+          <p:cNvPicPr>
+            <a:picLocks noChangeAspect="1"/>
+          </p:cNvPicPr>
+          <p:nvPr/>
+        </p:nvPicPr>
+        <p:blipFill>
+          <a:blip r:embed="rId2">
+            <a:extLst>
+              <a:ext uri="{28A0092B-C50C-407E-A947-70E740481C1C}">
+                <a14:useLocalDpi xmlns:a14="http://schemas.microsoft.com/office/drawing/2010/main" val="0"/>
+              </a:ext>
+            </a:extLst>
+          </a:blip>
+          <a:stretch>
+            <a:fillRect/>
+          </a:stretch>
+        </p:blipFill>
+        <p:spPr>
+          <a:xfrm>
+            <a:off x="4813856" y="312405"/>
+            <a:ext cx="2564287" cy="6233190"/>
+          </a:xfrm>
+          <a:prstGeom prst="rect">
+            <a:avLst/>
+          </a:prstGeom>
+        </p:spPr>
+      </p:pic>
+    </p:spTree>
+    <p:extLst>
+      <p:ext uri="{BB962C8B-B14F-4D97-AF65-F5344CB8AC3E}">
+        <p14:creationId xmlns:p14="http://schemas.microsoft.com/office/powerpoint/2010/main" val="1661474852"/>
       </p:ext>
     </p:extLst>
   </p:cSld>
